--- a/Presentation/objective.pptx
+++ b/Presentation/objective.pptx
@@ -1,29 +1,31 @@
 
 <file path=ppt/presentation.xml><?xml version="1.0" encoding="utf-8"?>
-<p:presentation xmlns:a="http://schemas.openxmlformats.org/drawingml/2006/main" xmlns:r="http://schemas.openxmlformats.org/officeDocument/2006/relationships" xmlns:mc="http://schemas.openxmlformats.org/markup-compatibility/2006" xmlns:mv="urn:schemas-microsoft-com:mac:vml" xmlns:p="http://schemas.openxmlformats.org/presentationml/2006/main" xmlns:c="http://schemas.openxmlformats.org/drawingml/2006/chart" xmlns:dgm="http://schemas.openxmlformats.org/drawingml/2006/diagram" xmlns:o="urn:schemas-microsoft-com:office:office" xmlns:v="urn:schemas-microsoft-com:vml" xmlns:pvml="urn:schemas-microsoft-com:office:powerpoint" xmlns:com="http://schemas.openxmlformats.org/drawingml/2006/compatibility" xmlns:p14="http://schemas.microsoft.com/office/powerpoint/2010/main" xmlns:p15="http://schemas.microsoft.com/office/powerpoint/2012/main" xmlns:ahyp="http://schemas.microsoft.com/office/drawing/2018/hyperlinkcolor" autoCompressPictures="0" strictFirstAndLastChars="0" saveSubsetFonts="1">
+<p:presentation xmlns:a="http://schemas.openxmlformats.org/drawingml/2006/main" xmlns:r="http://schemas.openxmlformats.org/officeDocument/2006/relationships" xmlns:p="http://schemas.openxmlformats.org/presentationml/2006/main" strictFirstAndLastChars="0" saveSubsetFonts="1" autoCompressPictures="0">
   <p:sldMasterIdLst>
-    <p:sldMasterId id="2147483660" r:id="rId4"/>
+    <p:sldMasterId id="2147483660" r:id="rId1"/>
   </p:sldMasterIdLst>
   <p:notesMasterIdLst>
-    <p:notesMasterId r:id="rId5"/>
+    <p:notesMasterId r:id="rId15"/>
   </p:notesMasterIdLst>
   <p:sldIdLst>
-    <p:sldId id="256" r:id="rId6"/>
-    <p:sldId id="257" r:id="rId7"/>
-    <p:sldId id="258" r:id="rId8"/>
-    <p:sldId id="259" r:id="rId9"/>
-    <p:sldId id="260" r:id="rId10"/>
-    <p:sldId id="261" r:id="rId11"/>
-    <p:sldId id="262" r:id="rId12"/>
-    <p:sldId id="263" r:id="rId13"/>
-    <p:sldId id="264" r:id="rId14"/>
-    <p:sldId id="265" r:id="rId15"/>
-    <p:sldId id="266" r:id="rId16"/>
+    <p:sldId id="256" r:id="rId2"/>
+    <p:sldId id="257" r:id="rId3"/>
+    <p:sldId id="258" r:id="rId4"/>
+    <p:sldId id="259" r:id="rId5"/>
+    <p:sldId id="260" r:id="rId6"/>
+    <p:sldId id="261" r:id="rId7"/>
+    <p:sldId id="262" r:id="rId8"/>
+    <p:sldId id="263" r:id="rId9"/>
+    <p:sldId id="264" r:id="rId10"/>
+    <p:sldId id="265" r:id="rId11"/>
+    <p:sldId id="267" r:id="rId12"/>
+    <p:sldId id="266" r:id="rId13"/>
+    <p:sldId id="268" r:id="rId14"/>
   </p:sldIdLst>
-  <p:sldSz cy="5143500" cx="9144000"/>
+  <p:sldSz cx="9144000" cy="5143500" type="screen16x9"/>
   <p:notesSz cx="6858000" cy="9144000"/>
   <p:defaultTextStyle>
-    <a:defPPr lvl="0" marR="0" rtl="0" algn="l">
+    <a:defPPr marR="0" lvl="0" algn="l" rtl="0">
       <a:lnSpc>
         <a:spcPct val="100000"/>
       </a:lnSpc>
@@ -34,7 +36,7 @@
         <a:spcPts val="0"/>
       </a:spcAft>
     </a:defPPr>
-    <a:lvl1pPr lvl="0" marR="0" rtl="0" algn="l">
+    <a:lvl1pPr marR="0" lvl="0" algn="l" rtl="0">
       <a:lnSpc>
         <a:spcPct val="100000"/>
       </a:lnSpc>
@@ -48,7 +50,7 @@
         <a:srgbClr val="000000"/>
       </a:buClr>
       <a:buFont typeface="Arial"/>
-      <a:defRPr b="0" i="0" sz="1400" u="none" cap="none" strike="noStrike">
+      <a:defRPr sz="1400" b="0" i="0" u="none" strike="noStrike" cap="none">
         <a:solidFill>
           <a:srgbClr val="000000"/>
         </a:solidFill>
@@ -58,7 +60,7 @@
         <a:sym typeface="Arial"/>
       </a:defRPr>
     </a:lvl1pPr>
-    <a:lvl2pPr lvl="1" marR="0" rtl="0" algn="l">
+    <a:lvl2pPr marR="0" lvl="1" algn="l" rtl="0">
       <a:lnSpc>
         <a:spcPct val="100000"/>
       </a:lnSpc>
@@ -72,7 +74,7 @@
         <a:srgbClr val="000000"/>
       </a:buClr>
       <a:buFont typeface="Arial"/>
-      <a:defRPr b="0" i="0" sz="1400" u="none" cap="none" strike="noStrike">
+      <a:defRPr sz="1400" b="0" i="0" u="none" strike="noStrike" cap="none">
         <a:solidFill>
           <a:srgbClr val="000000"/>
         </a:solidFill>
@@ -82,7 +84,7 @@
         <a:sym typeface="Arial"/>
       </a:defRPr>
     </a:lvl2pPr>
-    <a:lvl3pPr lvl="2" marR="0" rtl="0" algn="l">
+    <a:lvl3pPr marR="0" lvl="2" algn="l" rtl="0">
       <a:lnSpc>
         <a:spcPct val="100000"/>
       </a:lnSpc>
@@ -96,7 +98,7 @@
         <a:srgbClr val="000000"/>
       </a:buClr>
       <a:buFont typeface="Arial"/>
-      <a:defRPr b="0" i="0" sz="1400" u="none" cap="none" strike="noStrike">
+      <a:defRPr sz="1400" b="0" i="0" u="none" strike="noStrike" cap="none">
         <a:solidFill>
           <a:srgbClr val="000000"/>
         </a:solidFill>
@@ -106,7 +108,7 @@
         <a:sym typeface="Arial"/>
       </a:defRPr>
     </a:lvl3pPr>
-    <a:lvl4pPr lvl="3" marR="0" rtl="0" algn="l">
+    <a:lvl4pPr marR="0" lvl="3" algn="l" rtl="0">
       <a:lnSpc>
         <a:spcPct val="100000"/>
       </a:lnSpc>
@@ -120,7 +122,7 @@
         <a:srgbClr val="000000"/>
       </a:buClr>
       <a:buFont typeface="Arial"/>
-      <a:defRPr b="0" i="0" sz="1400" u="none" cap="none" strike="noStrike">
+      <a:defRPr sz="1400" b="0" i="0" u="none" strike="noStrike" cap="none">
         <a:solidFill>
           <a:srgbClr val="000000"/>
         </a:solidFill>
@@ -130,7 +132,7 @@
         <a:sym typeface="Arial"/>
       </a:defRPr>
     </a:lvl4pPr>
-    <a:lvl5pPr lvl="4" marR="0" rtl="0" algn="l">
+    <a:lvl5pPr marR="0" lvl="4" algn="l" rtl="0">
       <a:lnSpc>
         <a:spcPct val="100000"/>
       </a:lnSpc>
@@ -144,7 +146,7 @@
         <a:srgbClr val="000000"/>
       </a:buClr>
       <a:buFont typeface="Arial"/>
-      <a:defRPr b="0" i="0" sz="1400" u="none" cap="none" strike="noStrike">
+      <a:defRPr sz="1400" b="0" i="0" u="none" strike="noStrike" cap="none">
         <a:solidFill>
           <a:srgbClr val="000000"/>
         </a:solidFill>
@@ -154,7 +156,7 @@
         <a:sym typeface="Arial"/>
       </a:defRPr>
     </a:lvl5pPr>
-    <a:lvl6pPr lvl="5" marR="0" rtl="0" algn="l">
+    <a:lvl6pPr marR="0" lvl="5" algn="l" rtl="0">
       <a:lnSpc>
         <a:spcPct val="100000"/>
       </a:lnSpc>
@@ -168,7 +170,7 @@
         <a:srgbClr val="000000"/>
       </a:buClr>
       <a:buFont typeface="Arial"/>
-      <a:defRPr b="0" i="0" sz="1400" u="none" cap="none" strike="noStrike">
+      <a:defRPr sz="1400" b="0" i="0" u="none" strike="noStrike" cap="none">
         <a:solidFill>
           <a:srgbClr val="000000"/>
         </a:solidFill>
@@ -178,7 +180,7 @@
         <a:sym typeface="Arial"/>
       </a:defRPr>
     </a:lvl6pPr>
-    <a:lvl7pPr lvl="6" marR="0" rtl="0" algn="l">
+    <a:lvl7pPr marR="0" lvl="6" algn="l" rtl="0">
       <a:lnSpc>
         <a:spcPct val="100000"/>
       </a:lnSpc>
@@ -192,7 +194,7 @@
         <a:srgbClr val="000000"/>
       </a:buClr>
       <a:buFont typeface="Arial"/>
-      <a:defRPr b="0" i="0" sz="1400" u="none" cap="none" strike="noStrike">
+      <a:defRPr sz="1400" b="0" i="0" u="none" strike="noStrike" cap="none">
         <a:solidFill>
           <a:srgbClr val="000000"/>
         </a:solidFill>
@@ -202,7 +204,7 @@
         <a:sym typeface="Arial"/>
       </a:defRPr>
     </a:lvl7pPr>
-    <a:lvl8pPr lvl="7" marR="0" rtl="0" algn="l">
+    <a:lvl8pPr marR="0" lvl="7" algn="l" rtl="0">
       <a:lnSpc>
         <a:spcPct val="100000"/>
       </a:lnSpc>
@@ -216,7 +218,7 @@
         <a:srgbClr val="000000"/>
       </a:buClr>
       <a:buFont typeface="Arial"/>
-      <a:defRPr b="0" i="0" sz="1400" u="none" cap="none" strike="noStrike">
+      <a:defRPr sz="1400" b="0" i="0" u="none" strike="noStrike" cap="none">
         <a:solidFill>
           <a:srgbClr val="000000"/>
         </a:solidFill>
@@ -226,7 +228,7 @@
         <a:sym typeface="Arial"/>
       </a:defRPr>
     </a:lvl8pPr>
-    <a:lvl9pPr lvl="8" marR="0" rtl="0" algn="l">
+    <a:lvl9pPr marR="0" lvl="8" algn="l" rtl="0">
       <a:lnSpc>
         <a:spcPct val="100000"/>
       </a:lnSpc>
@@ -240,7 +242,7 @@
         <a:srgbClr val="000000"/>
       </a:buClr>
       <a:buFont typeface="Arial"/>
-      <a:defRPr b="0" i="0" sz="1400" u="none" cap="none" strike="noStrike">
+      <a:defRPr sz="1400" b="0" i="0" u="none" strike="noStrike" cap="none">
         <a:solidFill>
           <a:srgbClr val="000000"/>
         </a:solidFill>
@@ -252,8 +254,29 @@
     </a:lvl9pPr>
   </p:defaultTextStyle>
   <p:extLst>
+    <p:ext uri="{521415D9-36F7-43E2-AB2F-B90AF26B5E84}">
+      <p14:sectionLst xmlns:p14="http://schemas.microsoft.com/office/powerpoint/2010/main">
+        <p14:section name="默认节" id="{AB214F8D-4600-4ADA-997D-DE1ACC9DF979}">
+          <p14:sldIdLst>
+            <p14:sldId id="256"/>
+            <p14:sldId id="257"/>
+            <p14:sldId id="258"/>
+            <p14:sldId id="259"/>
+            <p14:sldId id="260"/>
+            <p14:sldId id="261"/>
+            <p14:sldId id="262"/>
+            <p14:sldId id="263"/>
+            <p14:sldId id="264"/>
+            <p14:sldId id="265"/>
+            <p14:sldId id="267"/>
+            <p14:sldId id="266"/>
+            <p14:sldId id="268"/>
+          </p14:sldIdLst>
+        </p14:section>
+      </p14:sectionLst>
+    </p:ext>
     <p:ext uri="{EFAFB233-063F-42B5-8137-9DF3F51BA10A}">
-      <p15:sldGuideLst>
+      <p15:sldGuideLst xmlns:p15="http://schemas.microsoft.com/office/powerpoint/2012/main">
         <p15:guide id="1" orient="horz" pos="1620">
           <p15:clr>
             <a:srgbClr val="747775"/>
@@ -271,11 +294,16 @@
 </file>
 
 <file path=ppt/notesMasters/notesMaster1.xml><?xml version="1.0" encoding="utf-8"?>
-<p:notesMaster xmlns:a="http://schemas.openxmlformats.org/drawingml/2006/main" xmlns:r="http://schemas.openxmlformats.org/officeDocument/2006/relationships" xmlns:mc="http://schemas.openxmlformats.org/markup-compatibility/2006" xmlns:mv="urn:schemas-microsoft-com:mac:vml" xmlns:p="http://schemas.openxmlformats.org/presentationml/2006/main" xmlns:c="http://schemas.openxmlformats.org/drawingml/2006/chart" xmlns:dgm="http://schemas.openxmlformats.org/drawingml/2006/diagram" xmlns:o="urn:schemas-microsoft-com:office:office" xmlns:v="urn:schemas-microsoft-com:vml" xmlns:pvml="urn:schemas-microsoft-com:office:powerpoint" xmlns:com="http://schemas.openxmlformats.org/drawingml/2006/compatibility" xmlns:p14="http://schemas.microsoft.com/office/powerpoint/2010/main" xmlns:p15="http://schemas.microsoft.com/office/powerpoint/2012/main" xmlns:ahyp="http://schemas.microsoft.com/office/drawing/2018/hyperlinkcolor">
+<p:notesMaster xmlns:a="http://schemas.openxmlformats.org/drawingml/2006/main" xmlns:r="http://schemas.openxmlformats.org/officeDocument/2006/relationships" xmlns:p="http://schemas.openxmlformats.org/presentationml/2006/main">
   <p:cSld>
+    <p:bg>
+      <p:bgRef idx="1001">
+        <a:schemeClr val="bg1"/>
+      </p:bgRef>
+    </p:bg>
     <p:spTree>
       <p:nvGrpSpPr>
-        <p:cNvPr id="2" name="Shape 2"/>
+        <p:cNvPr id="1" name="Shape 2"/>
         <p:cNvGrpSpPr/>
         <p:nvPr/>
       </p:nvGrpSpPr>
@@ -290,9 +318,11 @@
       <p:sp>
         <p:nvSpPr>
           <p:cNvPr id="3" name="Google Shape;3;n"/>
-          <p:cNvSpPr/>
+          <p:cNvSpPr>
+            <a:spLocks noGrp="1" noRot="1" noChangeAspect="1"/>
+          </p:cNvSpPr>
           <p:nvPr>
-            <p:ph idx="2" type="sldImg"/>
+            <p:ph type="sldImg" idx="2"/>
           </p:nvPr>
         </p:nvSpPr>
         <p:spPr>
@@ -301,9 +331,13 @@
             <a:ext cx="6096075" cy="3429000"/>
           </a:xfrm>
           <a:custGeom>
-            <a:rect b="b" l="l" r="r" t="t"/>
+            <a:avLst/>
+            <a:gdLst/>
+            <a:ahLst/>
+            <a:cxnLst/>
+            <a:rect l="l" t="t" r="r" b="b"/>
             <a:pathLst>
-              <a:path extrusionOk="0" h="120000" w="120000">
+              <a:path w="120000" h="120000" extrusionOk="0">
                 <a:moveTo>
                   <a:pt x="0" y="0"/>
                 </a:moveTo>
@@ -321,23 +355,25 @@
             </a:pathLst>
           </a:custGeom>
           <a:noFill/>
-          <a:ln cap="flat" cmpd="sng" w="9525">
+          <a:ln w="9525" cap="flat" cmpd="sng">
             <a:solidFill>
               <a:srgbClr val="000000"/>
             </a:solidFill>
             <a:prstDash val="solid"/>
             <a:round/>
-            <a:headEnd len="sm" w="sm" type="none"/>
-            <a:tailEnd len="sm" w="sm" type="none"/>
+            <a:headEnd type="none" w="sm" len="sm"/>
+            <a:tailEnd type="none" w="sm" len="sm"/>
           </a:ln>
         </p:spPr>
       </p:sp>
       <p:sp>
         <p:nvSpPr>
           <p:cNvPr id="4" name="Google Shape;4;n"/>
-          <p:cNvSpPr txBox="1"/>
+          <p:cNvSpPr txBox="1">
+            <a:spLocks noGrp="1"/>
+          </p:cNvSpPr>
           <p:nvPr>
-            <p:ph idx="1" type="body"/>
+            <p:ph type="body" idx="1"/>
           </p:nvPr>
         </p:nvSpPr>
         <p:spPr>
@@ -354,11 +390,11 @@
           </a:ln>
         </p:spPr>
         <p:txBody>
-          <a:bodyPr anchorCtr="0" anchor="t" bIns="91425" lIns="91425" spcFirstLastPara="1" rIns="91425" wrap="square" tIns="91425">
+          <a:bodyPr spcFirstLastPara="1" wrap="square" lIns="91425" tIns="91425" rIns="91425" bIns="91425" anchor="t" anchorCtr="0">
             <a:noAutofit/>
           </a:bodyPr>
           <a:lstStyle>
-            <a:lvl1pPr indent="-298450" lvl="0" marL="457200">
+            <a:lvl1pPr marL="457200" lvl="0" indent="-298450">
               <a:spcBef>
                 <a:spcPts val="0"/>
               </a:spcBef>
@@ -369,7 +405,7 @@
               <a:buChar char="●"/>
               <a:defRPr sz="1100"/>
             </a:lvl1pPr>
-            <a:lvl2pPr indent="-298450" lvl="1" marL="914400">
+            <a:lvl2pPr marL="914400" lvl="1" indent="-298450">
               <a:spcBef>
                 <a:spcPts val="0"/>
               </a:spcBef>
@@ -380,7 +416,7 @@
               <a:buChar char="○"/>
               <a:defRPr sz="1100"/>
             </a:lvl2pPr>
-            <a:lvl3pPr indent="-298450" lvl="2" marL="1371600">
+            <a:lvl3pPr marL="1371600" lvl="2" indent="-298450">
               <a:spcBef>
                 <a:spcPts val="0"/>
               </a:spcBef>
@@ -391,7 +427,7 @@
               <a:buChar char="■"/>
               <a:defRPr sz="1100"/>
             </a:lvl3pPr>
-            <a:lvl4pPr indent="-298450" lvl="3" marL="1828800">
+            <a:lvl4pPr marL="1828800" lvl="3" indent="-298450">
               <a:spcBef>
                 <a:spcPts val="0"/>
               </a:spcBef>
@@ -402,7 +438,7 @@
               <a:buChar char="●"/>
               <a:defRPr sz="1100"/>
             </a:lvl4pPr>
-            <a:lvl5pPr indent="-298450" lvl="4" marL="2286000">
+            <a:lvl5pPr marL="2286000" lvl="4" indent="-298450">
               <a:spcBef>
                 <a:spcPts val="0"/>
               </a:spcBef>
@@ -413,7 +449,7 @@
               <a:buChar char="○"/>
               <a:defRPr sz="1100"/>
             </a:lvl5pPr>
-            <a:lvl6pPr indent="-298450" lvl="5" marL="2743200">
+            <a:lvl6pPr marL="2743200" lvl="5" indent="-298450">
               <a:spcBef>
                 <a:spcPts val="0"/>
               </a:spcBef>
@@ -424,7 +460,7 @@
               <a:buChar char="■"/>
               <a:defRPr sz="1100"/>
             </a:lvl6pPr>
-            <a:lvl7pPr indent="-298450" lvl="6" marL="3200400">
+            <a:lvl7pPr marL="3200400" lvl="6" indent="-298450">
               <a:spcBef>
                 <a:spcPts val="0"/>
               </a:spcBef>
@@ -435,7 +471,7 @@
               <a:buChar char="●"/>
               <a:defRPr sz="1100"/>
             </a:lvl7pPr>
-            <a:lvl8pPr indent="-298450" lvl="7" marL="3657600">
+            <a:lvl8pPr marL="3657600" lvl="7" indent="-298450">
               <a:spcBef>
                 <a:spcPts val="0"/>
               </a:spcBef>
@@ -446,7 +482,7 @@
               <a:buChar char="○"/>
               <a:defRPr sz="1100"/>
             </a:lvl8pPr>
-            <a:lvl9pPr indent="-298450" lvl="8" marL="4114800">
+            <a:lvl9pPr marL="4114800" lvl="8" indent="-298450">
               <a:spcBef>
                 <a:spcPts val="0"/>
               </a:spcBef>
@@ -458,14 +494,16 @@
               <a:defRPr sz="1100"/>
             </a:lvl9pPr>
           </a:lstStyle>
-          <a:p/>
+          <a:p>
+            <a:endParaRPr/>
+          </a:p>
         </p:txBody>
       </p:sp>
     </p:spTree>
   </p:cSld>
-  <p:clrMap accent1="accent1" accent2="accent2" accent3="accent3" accent4="accent4" accent5="accent5" accent6="accent6" bg1="lt1" bg2="dk2" tx1="dk1" tx2="lt2" folHlink="folHlink" hlink="hlink"/>
+  <p:clrMap bg1="lt1" tx1="dk1" bg2="dk2" tx2="lt2" accent1="accent1" accent2="accent2" accent3="accent3" accent4="accent4" accent5="accent5" accent6="accent6" hlink="hlink" folHlink="folHlink"/>
   <p:notesStyle>
-    <a:defPPr lvl="0" marR="0" rtl="0" algn="l">
+    <a:defPPr marR="0" lvl="0" algn="l" rtl="0">
       <a:lnSpc>
         <a:spcPct val="100000"/>
       </a:lnSpc>
@@ -476,7 +514,7 @@
         <a:spcPts val="0"/>
       </a:spcAft>
     </a:defPPr>
-    <a:lvl1pPr lvl="0" marR="0" rtl="0" algn="l">
+    <a:lvl1pPr marR="0" lvl="0" algn="l" rtl="0">
       <a:lnSpc>
         <a:spcPct val="100000"/>
       </a:lnSpc>
@@ -490,7 +528,7 @@
         <a:srgbClr val="000000"/>
       </a:buClr>
       <a:buFont typeface="Arial"/>
-      <a:defRPr b="0" i="0" sz="1400" u="none" cap="none" strike="noStrike">
+      <a:defRPr sz="1400" b="0" i="0" u="none" strike="noStrike" cap="none">
         <a:solidFill>
           <a:srgbClr val="000000"/>
         </a:solidFill>
@@ -500,7 +538,7 @@
         <a:sym typeface="Arial"/>
       </a:defRPr>
     </a:lvl1pPr>
-    <a:lvl2pPr lvl="1" marR="0" rtl="0" algn="l">
+    <a:lvl2pPr marR="0" lvl="1" algn="l" rtl="0">
       <a:lnSpc>
         <a:spcPct val="100000"/>
       </a:lnSpc>
@@ -514,7 +552,7 @@
         <a:srgbClr val="000000"/>
       </a:buClr>
       <a:buFont typeface="Arial"/>
-      <a:defRPr b="0" i="0" sz="1400" u="none" cap="none" strike="noStrike">
+      <a:defRPr sz="1400" b="0" i="0" u="none" strike="noStrike" cap="none">
         <a:solidFill>
           <a:srgbClr val="000000"/>
         </a:solidFill>
@@ -524,7 +562,7 @@
         <a:sym typeface="Arial"/>
       </a:defRPr>
     </a:lvl2pPr>
-    <a:lvl3pPr lvl="2" marR="0" rtl="0" algn="l">
+    <a:lvl3pPr marR="0" lvl="2" algn="l" rtl="0">
       <a:lnSpc>
         <a:spcPct val="100000"/>
       </a:lnSpc>
@@ -538,7 +576,7 @@
         <a:srgbClr val="000000"/>
       </a:buClr>
       <a:buFont typeface="Arial"/>
-      <a:defRPr b="0" i="0" sz="1400" u="none" cap="none" strike="noStrike">
+      <a:defRPr sz="1400" b="0" i="0" u="none" strike="noStrike" cap="none">
         <a:solidFill>
           <a:srgbClr val="000000"/>
         </a:solidFill>
@@ -548,7 +586,7 @@
         <a:sym typeface="Arial"/>
       </a:defRPr>
     </a:lvl3pPr>
-    <a:lvl4pPr lvl="3" marR="0" rtl="0" algn="l">
+    <a:lvl4pPr marR="0" lvl="3" algn="l" rtl="0">
       <a:lnSpc>
         <a:spcPct val="100000"/>
       </a:lnSpc>
@@ -562,7 +600,7 @@
         <a:srgbClr val="000000"/>
       </a:buClr>
       <a:buFont typeface="Arial"/>
-      <a:defRPr b="0" i="0" sz="1400" u="none" cap="none" strike="noStrike">
+      <a:defRPr sz="1400" b="0" i="0" u="none" strike="noStrike" cap="none">
         <a:solidFill>
           <a:srgbClr val="000000"/>
         </a:solidFill>
@@ -572,7 +610,7 @@
         <a:sym typeface="Arial"/>
       </a:defRPr>
     </a:lvl4pPr>
-    <a:lvl5pPr lvl="4" marR="0" rtl="0" algn="l">
+    <a:lvl5pPr marR="0" lvl="4" algn="l" rtl="0">
       <a:lnSpc>
         <a:spcPct val="100000"/>
       </a:lnSpc>
@@ -586,7 +624,7 @@
         <a:srgbClr val="000000"/>
       </a:buClr>
       <a:buFont typeface="Arial"/>
-      <a:defRPr b="0" i="0" sz="1400" u="none" cap="none" strike="noStrike">
+      <a:defRPr sz="1400" b="0" i="0" u="none" strike="noStrike" cap="none">
         <a:solidFill>
           <a:srgbClr val="000000"/>
         </a:solidFill>
@@ -596,7 +634,7 @@
         <a:sym typeface="Arial"/>
       </a:defRPr>
     </a:lvl5pPr>
-    <a:lvl6pPr lvl="5" marR="0" rtl="0" algn="l">
+    <a:lvl6pPr marR="0" lvl="5" algn="l" rtl="0">
       <a:lnSpc>
         <a:spcPct val="100000"/>
       </a:lnSpc>
@@ -610,7 +648,7 @@
         <a:srgbClr val="000000"/>
       </a:buClr>
       <a:buFont typeface="Arial"/>
-      <a:defRPr b="0" i="0" sz="1400" u="none" cap="none" strike="noStrike">
+      <a:defRPr sz="1400" b="0" i="0" u="none" strike="noStrike" cap="none">
         <a:solidFill>
           <a:srgbClr val="000000"/>
         </a:solidFill>
@@ -620,7 +658,7 @@
         <a:sym typeface="Arial"/>
       </a:defRPr>
     </a:lvl6pPr>
-    <a:lvl7pPr lvl="6" marR="0" rtl="0" algn="l">
+    <a:lvl7pPr marR="0" lvl="6" algn="l" rtl="0">
       <a:lnSpc>
         <a:spcPct val="100000"/>
       </a:lnSpc>
@@ -634,7 +672,7 @@
         <a:srgbClr val="000000"/>
       </a:buClr>
       <a:buFont typeface="Arial"/>
-      <a:defRPr b="0" i="0" sz="1400" u="none" cap="none" strike="noStrike">
+      <a:defRPr sz="1400" b="0" i="0" u="none" strike="noStrike" cap="none">
         <a:solidFill>
           <a:srgbClr val="000000"/>
         </a:solidFill>
@@ -644,7 +682,7 @@
         <a:sym typeface="Arial"/>
       </a:defRPr>
     </a:lvl7pPr>
-    <a:lvl8pPr lvl="7" marR="0" rtl="0" algn="l">
+    <a:lvl8pPr marR="0" lvl="7" algn="l" rtl="0">
       <a:lnSpc>
         <a:spcPct val="100000"/>
       </a:lnSpc>
@@ -658,7 +696,7 @@
         <a:srgbClr val="000000"/>
       </a:buClr>
       <a:buFont typeface="Arial"/>
-      <a:defRPr b="0" i="0" sz="1400" u="none" cap="none" strike="noStrike">
+      <a:defRPr sz="1400" b="0" i="0" u="none" strike="noStrike" cap="none">
         <a:solidFill>
           <a:srgbClr val="000000"/>
         </a:solidFill>
@@ -668,7 +706,7 @@
         <a:sym typeface="Arial"/>
       </a:defRPr>
     </a:lvl8pPr>
-    <a:lvl9pPr lvl="8" marR="0" rtl="0" algn="l">
+    <a:lvl9pPr marR="0" lvl="8" algn="l" rtl="0">
       <a:lnSpc>
         <a:spcPct val="100000"/>
       </a:lnSpc>
@@ -682,7 +720,7 @@
         <a:srgbClr val="000000"/>
       </a:buClr>
       <a:buFont typeface="Arial"/>
-      <a:defRPr b="0" i="0" sz="1400" u="none" cap="none" strike="noStrike">
+      <a:defRPr sz="1400" b="0" i="0" u="none" strike="noStrike" cap="none">
         <a:solidFill>
           <a:srgbClr val="000000"/>
         </a:solidFill>
@@ -697,11 +735,11 @@
 </file>
 
 <file path=ppt/notesSlides/notesSlide1.xml><?xml version="1.0" encoding="utf-8"?>
-<p:notes xmlns:a="http://schemas.openxmlformats.org/drawingml/2006/main" xmlns:r="http://schemas.openxmlformats.org/officeDocument/2006/relationships" xmlns:mc="http://schemas.openxmlformats.org/markup-compatibility/2006" xmlns:mv="urn:schemas-microsoft-com:mac:vml" xmlns:p="http://schemas.openxmlformats.org/presentationml/2006/main" xmlns:c="http://schemas.openxmlformats.org/drawingml/2006/chart" xmlns:dgm="http://schemas.openxmlformats.org/drawingml/2006/diagram" xmlns:o="urn:schemas-microsoft-com:office:office" xmlns:v="urn:schemas-microsoft-com:vml" xmlns:pvml="urn:schemas-microsoft-com:office:powerpoint" xmlns:com="http://schemas.openxmlformats.org/drawingml/2006/compatibility" xmlns:p14="http://schemas.microsoft.com/office/powerpoint/2010/main" xmlns:p15="http://schemas.microsoft.com/office/powerpoint/2012/main" xmlns:ahyp="http://schemas.microsoft.com/office/drawing/2018/hyperlinkcolor" showMasterPhAnim="0" showMasterSp="0">
+<p:notes xmlns:a="http://schemas.openxmlformats.org/drawingml/2006/main" xmlns:r="http://schemas.openxmlformats.org/officeDocument/2006/relationships" xmlns:p="http://schemas.openxmlformats.org/presentationml/2006/main" showMasterSp="0" showMasterPhAnim="0">
   <p:cSld>
     <p:spTree>
       <p:nvGrpSpPr>
-        <p:cNvPr id="56" name="Shape 56"/>
+        <p:cNvPr id="1" name="Shape 56"/>
         <p:cNvGrpSpPr/>
         <p:nvPr/>
       </p:nvGrpSpPr>
@@ -716,20 +754,26 @@
       <p:sp>
         <p:nvSpPr>
           <p:cNvPr id="57" name="Google Shape;57;g27ac72a7272_0_0:notes"/>
-          <p:cNvSpPr/>
+          <p:cNvSpPr>
+            <a:spLocks noGrp="1" noRot="1" noChangeAspect="1"/>
+          </p:cNvSpPr>
           <p:nvPr>
-            <p:ph idx="2" type="sldImg"/>
+            <p:ph type="sldImg" idx="2"/>
           </p:nvPr>
         </p:nvSpPr>
         <p:spPr>
           <a:xfrm>
-            <a:off x="381300" y="685800"/>
+            <a:off x="381000" y="685800"/>
             <a:ext cx="6096000" cy="3429000"/>
           </a:xfrm>
           <a:custGeom>
-            <a:rect b="b" l="l" r="r" t="t"/>
+            <a:avLst/>
+            <a:gdLst/>
+            <a:ahLst/>
+            <a:cxnLst/>
+            <a:rect l="l" t="t" r="r" b="b"/>
             <a:pathLst>
-              <a:path extrusionOk="0" h="120000" w="120000">
+              <a:path w="120000" h="120000" extrusionOk="0">
                 <a:moveTo>
                   <a:pt x="0" y="0"/>
                 </a:moveTo>
@@ -751,9 +795,11 @@
       <p:sp>
         <p:nvSpPr>
           <p:cNvPr id="58" name="Google Shape;58;g27ac72a7272_0_0:notes"/>
-          <p:cNvSpPr txBox="1"/>
+          <p:cNvSpPr txBox="1">
+            <a:spLocks noGrp="1"/>
+          </p:cNvSpPr>
           <p:nvPr>
-            <p:ph idx="1" type="body"/>
+            <p:ph type="body" idx="1"/>
           </p:nvPr>
         </p:nvSpPr>
         <p:spPr>
@@ -766,12 +812,12 @@
           </a:prstGeom>
         </p:spPr>
         <p:txBody>
-          <a:bodyPr anchorCtr="0" anchor="t" bIns="91425" lIns="91425" spcFirstLastPara="1" rIns="91425" wrap="square" tIns="91425">
+          <a:bodyPr spcFirstLastPara="1" wrap="square" lIns="91425" tIns="91425" rIns="91425" bIns="91425" anchor="t" anchorCtr="0">
             <a:noAutofit/>
           </a:bodyPr>
           <a:lstStyle/>
           <a:p>
-            <a:pPr indent="0" lvl="0" marL="0" rtl="0" algn="l">
+            <a:pPr marL="0" lvl="0" indent="0" algn="l" rtl="0">
               <a:spcBef>
                 <a:spcPts val="0"/>
               </a:spcBef>
@@ -780,9 +826,6 @@
               </a:spcAft>
               <a:buNone/>
             </a:pPr>
-            <a:r>
-              <a:t/>
-            </a:r>
             <a:endParaRPr/>
           </a:p>
         </p:txBody>
@@ -796,11 +839,11 @@
 </file>
 
 <file path=ppt/notesSlides/notesSlide10.xml><?xml version="1.0" encoding="utf-8"?>
-<p:notes xmlns:a="http://schemas.openxmlformats.org/drawingml/2006/main" xmlns:r="http://schemas.openxmlformats.org/officeDocument/2006/relationships" xmlns:mc="http://schemas.openxmlformats.org/markup-compatibility/2006" xmlns:mv="urn:schemas-microsoft-com:mac:vml" xmlns:p="http://schemas.openxmlformats.org/presentationml/2006/main" xmlns:c="http://schemas.openxmlformats.org/drawingml/2006/chart" xmlns:dgm="http://schemas.openxmlformats.org/drawingml/2006/diagram" xmlns:o="urn:schemas-microsoft-com:office:office" xmlns:v="urn:schemas-microsoft-com:vml" xmlns:pvml="urn:schemas-microsoft-com:office:powerpoint" xmlns:com="http://schemas.openxmlformats.org/drawingml/2006/compatibility" xmlns:p14="http://schemas.microsoft.com/office/powerpoint/2010/main" xmlns:p15="http://schemas.microsoft.com/office/powerpoint/2012/main" xmlns:ahyp="http://schemas.microsoft.com/office/drawing/2018/hyperlinkcolor" showMasterPhAnim="0" showMasterSp="0">
+<p:notes xmlns:a="http://schemas.openxmlformats.org/drawingml/2006/main" xmlns:r="http://schemas.openxmlformats.org/officeDocument/2006/relationships" xmlns:p="http://schemas.openxmlformats.org/presentationml/2006/main" showMasterSp="0" showMasterPhAnim="0">
   <p:cSld>
     <p:spTree>
       <p:nvGrpSpPr>
-        <p:cNvPr id="118" name="Shape 118"/>
+        <p:cNvPr id="1" name="Shape 118"/>
         <p:cNvGrpSpPr/>
         <p:nvPr/>
       </p:nvGrpSpPr>
@@ -815,9 +858,11 @@
       <p:sp>
         <p:nvSpPr>
           <p:cNvPr id="119" name="Google Shape;119;g27ac72a7272_3_0:notes"/>
-          <p:cNvSpPr/>
+          <p:cNvSpPr>
+            <a:spLocks noGrp="1" noRot="1" noChangeAspect="1"/>
+          </p:cNvSpPr>
           <p:nvPr>
-            <p:ph idx="2" type="sldImg"/>
+            <p:ph type="sldImg" idx="2"/>
           </p:nvPr>
         </p:nvSpPr>
         <p:spPr>
@@ -826,9 +871,13 @@
             <a:ext cx="6096000" cy="3429000"/>
           </a:xfrm>
           <a:custGeom>
-            <a:rect b="b" l="l" r="r" t="t"/>
+            <a:avLst/>
+            <a:gdLst/>
+            <a:ahLst/>
+            <a:cxnLst/>
+            <a:rect l="l" t="t" r="r" b="b"/>
             <a:pathLst>
-              <a:path extrusionOk="0" h="120000" w="120000">
+              <a:path w="120000" h="120000" extrusionOk="0">
                 <a:moveTo>
                   <a:pt x="0" y="0"/>
                 </a:moveTo>
@@ -850,9 +899,11 @@
       <p:sp>
         <p:nvSpPr>
           <p:cNvPr id="120" name="Google Shape;120;g27ac72a7272_3_0:notes"/>
-          <p:cNvSpPr txBox="1"/>
+          <p:cNvSpPr txBox="1">
+            <a:spLocks noGrp="1"/>
+          </p:cNvSpPr>
           <p:nvPr>
-            <p:ph idx="1" type="body"/>
+            <p:ph type="body" idx="1"/>
           </p:nvPr>
         </p:nvSpPr>
         <p:spPr>
@@ -865,12 +916,12 @@
           </a:prstGeom>
         </p:spPr>
         <p:txBody>
-          <a:bodyPr anchorCtr="0" anchor="t" bIns="91425" lIns="91425" spcFirstLastPara="1" rIns="91425" wrap="square" tIns="91425">
+          <a:bodyPr spcFirstLastPara="1" wrap="square" lIns="91425" tIns="91425" rIns="91425" bIns="91425" anchor="t" anchorCtr="0">
             <a:noAutofit/>
           </a:bodyPr>
           <a:lstStyle/>
           <a:p>
-            <a:pPr indent="0" lvl="0" marL="0" rtl="0" algn="l">
+            <a:pPr marL="0" lvl="0" indent="0" algn="l" rtl="0">
               <a:spcBef>
                 <a:spcPts val="0"/>
               </a:spcBef>
@@ -879,9 +930,6 @@
               </a:spcAft>
               <a:buNone/>
             </a:pPr>
-            <a:r>
-              <a:t/>
-            </a:r>
             <a:endParaRPr/>
           </a:p>
         </p:txBody>
@@ -895,11 +943,11 @@
 </file>
 
 <file path=ppt/notesSlides/notesSlide11.xml><?xml version="1.0" encoding="utf-8"?>
-<p:notes xmlns:a="http://schemas.openxmlformats.org/drawingml/2006/main" xmlns:r="http://schemas.openxmlformats.org/officeDocument/2006/relationships" xmlns:mc="http://schemas.openxmlformats.org/markup-compatibility/2006" xmlns:mv="urn:schemas-microsoft-com:mac:vml" xmlns:p="http://schemas.openxmlformats.org/presentationml/2006/main" xmlns:c="http://schemas.openxmlformats.org/drawingml/2006/chart" xmlns:dgm="http://schemas.openxmlformats.org/drawingml/2006/diagram" xmlns:o="urn:schemas-microsoft-com:office:office" xmlns:v="urn:schemas-microsoft-com:vml" xmlns:pvml="urn:schemas-microsoft-com:office:powerpoint" xmlns:com="http://schemas.openxmlformats.org/drawingml/2006/compatibility" xmlns:p14="http://schemas.microsoft.com/office/powerpoint/2010/main" xmlns:p15="http://schemas.microsoft.com/office/powerpoint/2012/main" xmlns:ahyp="http://schemas.microsoft.com/office/drawing/2018/hyperlinkcolor" showMasterPhAnim="0" showMasterSp="0">
+<p:notes xmlns:a="http://schemas.openxmlformats.org/drawingml/2006/main" xmlns:r="http://schemas.openxmlformats.org/officeDocument/2006/relationships" xmlns:p="http://schemas.openxmlformats.org/presentationml/2006/main" showMasterSp="0" showMasterPhAnim="0">
   <p:cSld>
     <p:spTree>
       <p:nvGrpSpPr>
-        <p:cNvPr id="123" name="Shape 123"/>
+        <p:cNvPr id="1" name="Shape 118"/>
         <p:cNvGrpSpPr/>
         <p:nvPr/>
       </p:nvGrpSpPr>
@@ -913,60 +961,27 @@
       </p:grpSpPr>
       <p:sp>
         <p:nvSpPr>
-          <p:cNvPr id="124" name="Google Shape;124;g27ac72a7272_3_5:notes"/>
-          <p:cNvSpPr txBox="1"/>
+          <p:cNvPr id="119" name="Google Shape;119;g27ac72a7272_3_0:notes"/>
+          <p:cNvSpPr>
+            <a:spLocks noGrp="1" noRot="1" noChangeAspect="1"/>
+          </p:cNvSpPr>
           <p:nvPr>
-            <p:ph idx="1" type="body"/>
+            <p:ph type="sldImg" idx="2"/>
           </p:nvPr>
         </p:nvSpPr>
         <p:spPr>
           <a:xfrm>
-            <a:off x="685800" y="4343400"/>
-            <a:ext cx="5486400" cy="4114800"/>
-          </a:xfrm>
-          <a:prstGeom prst="rect">
-            <a:avLst/>
-          </a:prstGeom>
-        </p:spPr>
-        <p:txBody>
-          <a:bodyPr anchorCtr="0" anchor="t" bIns="91425" lIns="91425" spcFirstLastPara="1" rIns="91425" wrap="square" tIns="91425">
-            <a:noAutofit/>
-          </a:bodyPr>
-          <a:lstStyle/>
-          <a:p>
-            <a:pPr indent="0" lvl="0" marL="0" rtl="0" algn="l">
-              <a:spcBef>
-                <a:spcPts val="0"/>
-              </a:spcBef>
-              <a:spcAft>
-                <a:spcPts val="0"/>
-              </a:spcAft>
-              <a:buNone/>
-            </a:pPr>
-            <a:r>
-              <a:t/>
-            </a:r>
-            <a:endParaRPr/>
-          </a:p>
-        </p:txBody>
-      </p:sp>
-      <p:sp>
-        <p:nvSpPr>
-          <p:cNvPr id="125" name="Google Shape;125;g27ac72a7272_3_5:notes"/>
-          <p:cNvSpPr/>
-          <p:nvPr>
-            <p:ph idx="2" type="sldImg"/>
-          </p:nvPr>
-        </p:nvSpPr>
-        <p:spPr>
-          <a:xfrm>
-            <a:off x="1143225" y="685800"/>
-            <a:ext cx="4572300" cy="3429000"/>
+            <a:off x="381000" y="685800"/>
+            <a:ext cx="6096000" cy="3429000"/>
           </a:xfrm>
           <a:custGeom>
-            <a:rect b="b" l="l" r="r" t="t"/>
+            <a:avLst/>
+            <a:gdLst/>
+            <a:ahLst/>
+            <a:cxnLst/>
+            <a:rect l="l" t="t" r="r" b="b"/>
             <a:pathLst>
-              <a:path extrusionOk="0" h="120000" w="120000">
+              <a:path w="120000" h="120000" extrusionOk="0">
                 <a:moveTo>
                   <a:pt x="0" y="0"/>
                 </a:moveTo>
@@ -985,7 +1000,50 @@
           </a:custGeom>
         </p:spPr>
       </p:sp>
+      <p:sp>
+        <p:nvSpPr>
+          <p:cNvPr id="120" name="Google Shape;120;g27ac72a7272_3_0:notes"/>
+          <p:cNvSpPr txBox="1">
+            <a:spLocks noGrp="1"/>
+          </p:cNvSpPr>
+          <p:nvPr>
+            <p:ph type="body" idx="1"/>
+          </p:nvPr>
+        </p:nvSpPr>
+        <p:spPr>
+          <a:xfrm>
+            <a:off x="685800" y="4343400"/>
+            <a:ext cx="5486400" cy="4114800"/>
+          </a:xfrm>
+          <a:prstGeom prst="rect">
+            <a:avLst/>
+          </a:prstGeom>
+        </p:spPr>
+        <p:txBody>
+          <a:bodyPr spcFirstLastPara="1" wrap="square" lIns="91425" tIns="91425" rIns="91425" bIns="91425" anchor="t" anchorCtr="0">
+            <a:noAutofit/>
+          </a:bodyPr>
+          <a:lstStyle/>
+          <a:p>
+            <a:pPr marL="0" lvl="0" indent="0" algn="l" rtl="0">
+              <a:spcBef>
+                <a:spcPts val="0"/>
+              </a:spcBef>
+              <a:spcAft>
+                <a:spcPts val="0"/>
+              </a:spcAft>
+              <a:buNone/>
+            </a:pPr>
+            <a:endParaRPr/>
+          </a:p>
+        </p:txBody>
+      </p:sp>
     </p:spTree>
+    <p:extLst>
+      <p:ext uri="{BB962C8B-B14F-4D97-AF65-F5344CB8AC3E}">
+        <p14:creationId xmlns:p14="http://schemas.microsoft.com/office/powerpoint/2010/main" val="1132518854"/>
+      </p:ext>
+    </p:extLst>
   </p:cSld>
   <p:clrMapOvr>
     <a:masterClrMapping/>
@@ -993,12 +1051,12 @@
 </p:notes>
 </file>
 
-<file path=ppt/notesSlides/notesSlide2.xml><?xml version="1.0" encoding="utf-8"?>
-<p:notes xmlns:a="http://schemas.openxmlformats.org/drawingml/2006/main" xmlns:r="http://schemas.openxmlformats.org/officeDocument/2006/relationships" xmlns:mc="http://schemas.openxmlformats.org/markup-compatibility/2006" xmlns:mv="urn:schemas-microsoft-com:mac:vml" xmlns:p="http://schemas.openxmlformats.org/presentationml/2006/main" xmlns:c="http://schemas.openxmlformats.org/drawingml/2006/chart" xmlns:dgm="http://schemas.openxmlformats.org/drawingml/2006/diagram" xmlns:o="urn:schemas-microsoft-com:office:office" xmlns:v="urn:schemas-microsoft-com:vml" xmlns:pvml="urn:schemas-microsoft-com:office:powerpoint" xmlns:com="http://schemas.openxmlformats.org/drawingml/2006/compatibility" xmlns:p14="http://schemas.microsoft.com/office/powerpoint/2010/main" xmlns:p15="http://schemas.microsoft.com/office/powerpoint/2012/main" xmlns:ahyp="http://schemas.microsoft.com/office/drawing/2018/hyperlinkcolor" showMasterPhAnim="0" showMasterSp="0">
+<file path=ppt/notesSlides/notesSlide12.xml><?xml version="1.0" encoding="utf-8"?>
+<p:notes xmlns:a="http://schemas.openxmlformats.org/drawingml/2006/main" xmlns:r="http://schemas.openxmlformats.org/officeDocument/2006/relationships" xmlns:p="http://schemas.openxmlformats.org/presentationml/2006/main" showMasterSp="0" showMasterPhAnim="0">
   <p:cSld>
     <p:spTree>
       <p:nvGrpSpPr>
-        <p:cNvPr id="62" name="Shape 62"/>
+        <p:cNvPr id="1" name="Shape 123"/>
         <p:cNvGrpSpPr/>
         <p:nvPr/>
       </p:nvGrpSpPr>
@@ -1012,21 +1070,65 @@
       </p:grpSpPr>
       <p:sp>
         <p:nvSpPr>
-          <p:cNvPr id="63" name="Google Shape;63;g27ac72a7272_0_14:notes"/>
-          <p:cNvSpPr/>
+          <p:cNvPr id="124" name="Google Shape;124;g27ac72a7272_3_5:notes"/>
+          <p:cNvSpPr txBox="1">
+            <a:spLocks noGrp="1"/>
+          </p:cNvSpPr>
           <p:nvPr>
-            <p:ph idx="2" type="sldImg"/>
+            <p:ph type="body" idx="1"/>
           </p:nvPr>
         </p:nvSpPr>
         <p:spPr>
           <a:xfrm>
-            <a:off x="381300" y="685800"/>
-            <a:ext cx="6096000" cy="3429000"/>
+            <a:off x="685800" y="4343400"/>
+            <a:ext cx="5486400" cy="4114800"/>
+          </a:xfrm>
+          <a:prstGeom prst="rect">
+            <a:avLst/>
+          </a:prstGeom>
+        </p:spPr>
+        <p:txBody>
+          <a:bodyPr spcFirstLastPara="1" wrap="square" lIns="91425" tIns="91425" rIns="91425" bIns="91425" anchor="t" anchorCtr="0">
+            <a:noAutofit/>
+          </a:bodyPr>
+          <a:lstStyle/>
+          <a:p>
+            <a:pPr marL="0" lvl="0" indent="0" algn="l" rtl="0">
+              <a:spcBef>
+                <a:spcPts val="0"/>
+              </a:spcBef>
+              <a:spcAft>
+                <a:spcPts val="0"/>
+              </a:spcAft>
+              <a:buNone/>
+            </a:pPr>
+            <a:endParaRPr/>
+          </a:p>
+        </p:txBody>
+      </p:sp>
+      <p:sp>
+        <p:nvSpPr>
+          <p:cNvPr id="125" name="Google Shape;125;g27ac72a7272_3_5:notes"/>
+          <p:cNvSpPr>
+            <a:spLocks noGrp="1" noRot="1" noChangeAspect="1"/>
+          </p:cNvSpPr>
+          <p:nvPr>
+            <p:ph type="sldImg" idx="2"/>
+          </p:nvPr>
+        </p:nvSpPr>
+        <p:spPr>
+          <a:xfrm>
+            <a:off x="1143225" y="685800"/>
+            <a:ext cx="4572300" cy="3429000"/>
           </a:xfrm>
           <a:custGeom>
-            <a:rect b="b" l="l" r="r" t="t"/>
+            <a:avLst/>
+            <a:gdLst/>
+            <a:ahLst/>
+            <a:cxnLst/>
+            <a:rect l="l" t="t" r="r" b="b"/>
             <a:pathLst>
-              <a:path extrusionOk="0" h="120000" w="120000">
+              <a:path w="120000" h="120000" extrusionOk="0">
                 <a:moveTo>
                   <a:pt x="0" y="0"/>
                 </a:moveTo>
@@ -1045,45 +1147,6 @@
           </a:custGeom>
         </p:spPr>
       </p:sp>
-      <p:sp>
-        <p:nvSpPr>
-          <p:cNvPr id="64" name="Google Shape;64;g27ac72a7272_0_14:notes"/>
-          <p:cNvSpPr txBox="1"/>
-          <p:nvPr>
-            <p:ph idx="1" type="body"/>
-          </p:nvPr>
-        </p:nvSpPr>
-        <p:spPr>
-          <a:xfrm>
-            <a:off x="685800" y="4343400"/>
-            <a:ext cx="5486400" cy="4114800"/>
-          </a:xfrm>
-          <a:prstGeom prst="rect">
-            <a:avLst/>
-          </a:prstGeom>
-        </p:spPr>
-        <p:txBody>
-          <a:bodyPr anchorCtr="0" anchor="t" bIns="91425" lIns="91425" spcFirstLastPara="1" rIns="91425" wrap="square" tIns="91425">
-            <a:noAutofit/>
-          </a:bodyPr>
-          <a:lstStyle/>
-          <a:p>
-            <a:pPr indent="0" lvl="0" marL="0" rtl="0" algn="l">
-              <a:spcBef>
-                <a:spcPts val="0"/>
-              </a:spcBef>
-              <a:spcAft>
-                <a:spcPts val="0"/>
-              </a:spcAft>
-              <a:buNone/>
-            </a:pPr>
-            <a:r>
-              <a:t/>
-            </a:r>
-            <a:endParaRPr/>
-          </a:p>
-        </p:txBody>
-      </p:sp>
     </p:spTree>
   </p:cSld>
   <p:clrMapOvr>
@@ -1092,12 +1155,12 @@
 </p:notes>
 </file>
 
-<file path=ppt/notesSlides/notesSlide3.xml><?xml version="1.0" encoding="utf-8"?>
-<p:notes xmlns:a="http://schemas.openxmlformats.org/drawingml/2006/main" xmlns:r="http://schemas.openxmlformats.org/officeDocument/2006/relationships" xmlns:mc="http://schemas.openxmlformats.org/markup-compatibility/2006" xmlns:mv="urn:schemas-microsoft-com:mac:vml" xmlns:p="http://schemas.openxmlformats.org/presentationml/2006/main" xmlns:c="http://schemas.openxmlformats.org/drawingml/2006/chart" xmlns:dgm="http://schemas.openxmlformats.org/drawingml/2006/diagram" xmlns:o="urn:schemas-microsoft-com:office:office" xmlns:v="urn:schemas-microsoft-com:vml" xmlns:pvml="urn:schemas-microsoft-com:office:powerpoint" xmlns:com="http://schemas.openxmlformats.org/drawingml/2006/compatibility" xmlns:p14="http://schemas.microsoft.com/office/powerpoint/2010/main" xmlns:p15="http://schemas.microsoft.com/office/powerpoint/2012/main" xmlns:ahyp="http://schemas.microsoft.com/office/drawing/2018/hyperlinkcolor" showMasterPhAnim="0" showMasterSp="0">
+<file path=ppt/notesSlides/notesSlide2.xml><?xml version="1.0" encoding="utf-8"?>
+<p:notes xmlns:a="http://schemas.openxmlformats.org/drawingml/2006/main" xmlns:r="http://schemas.openxmlformats.org/officeDocument/2006/relationships" xmlns:p="http://schemas.openxmlformats.org/presentationml/2006/main" showMasterSp="0" showMasterPhAnim="0">
   <p:cSld>
     <p:spTree>
       <p:nvGrpSpPr>
-        <p:cNvPr id="69" name="Shape 69"/>
+        <p:cNvPr id="1" name="Shape 62"/>
         <p:cNvGrpSpPr/>
         <p:nvPr/>
       </p:nvGrpSpPr>
@@ -1111,10 +1174,12 @@
       </p:grpSpPr>
       <p:sp>
         <p:nvSpPr>
-          <p:cNvPr id="70" name="Google Shape;70;g27ac72a7272_0_22:notes"/>
-          <p:cNvSpPr/>
+          <p:cNvPr id="63" name="Google Shape;63;g27ac72a7272_0_14:notes"/>
+          <p:cNvSpPr>
+            <a:spLocks noGrp="1" noRot="1" noChangeAspect="1"/>
+          </p:cNvSpPr>
           <p:nvPr>
-            <p:ph idx="2" type="sldImg"/>
+            <p:ph type="sldImg" idx="2"/>
           </p:nvPr>
         </p:nvSpPr>
         <p:spPr>
@@ -1123,9 +1188,13 @@
             <a:ext cx="6096000" cy="3429000"/>
           </a:xfrm>
           <a:custGeom>
-            <a:rect b="b" l="l" r="r" t="t"/>
+            <a:avLst/>
+            <a:gdLst/>
+            <a:ahLst/>
+            <a:cxnLst/>
+            <a:rect l="l" t="t" r="r" b="b"/>
             <a:pathLst>
-              <a:path extrusionOk="0" h="120000" w="120000">
+              <a:path w="120000" h="120000" extrusionOk="0">
                 <a:moveTo>
                   <a:pt x="0" y="0"/>
                 </a:moveTo>
@@ -1146,10 +1215,12 @@
       </p:sp>
       <p:sp>
         <p:nvSpPr>
-          <p:cNvPr id="71" name="Google Shape;71;g27ac72a7272_0_22:notes"/>
-          <p:cNvSpPr txBox="1"/>
+          <p:cNvPr id="64" name="Google Shape;64;g27ac72a7272_0_14:notes"/>
+          <p:cNvSpPr txBox="1">
+            <a:spLocks noGrp="1"/>
+          </p:cNvSpPr>
           <p:nvPr>
-            <p:ph idx="1" type="body"/>
+            <p:ph type="body" idx="1"/>
           </p:nvPr>
         </p:nvSpPr>
         <p:spPr>
@@ -1162,12 +1233,12 @@
           </a:prstGeom>
         </p:spPr>
         <p:txBody>
-          <a:bodyPr anchorCtr="0" anchor="t" bIns="91425" lIns="91425" spcFirstLastPara="1" rIns="91425" wrap="square" tIns="91425">
+          <a:bodyPr spcFirstLastPara="1" wrap="square" lIns="91425" tIns="91425" rIns="91425" bIns="91425" anchor="t" anchorCtr="0">
             <a:noAutofit/>
           </a:bodyPr>
           <a:lstStyle/>
           <a:p>
-            <a:pPr indent="0" lvl="0" marL="0" rtl="0" algn="l">
+            <a:pPr marL="0" lvl="0" indent="0" algn="l" rtl="0">
               <a:spcBef>
                 <a:spcPts val="0"/>
               </a:spcBef>
@@ -1176,9 +1247,6 @@
               </a:spcAft>
               <a:buNone/>
             </a:pPr>
-            <a:r>
-              <a:t/>
-            </a:r>
             <a:endParaRPr/>
           </a:p>
         </p:txBody>
@@ -1191,12 +1259,12 @@
 </p:notes>
 </file>
 
-<file path=ppt/notesSlides/notesSlide4.xml><?xml version="1.0" encoding="utf-8"?>
-<p:notes xmlns:a="http://schemas.openxmlformats.org/drawingml/2006/main" xmlns:r="http://schemas.openxmlformats.org/officeDocument/2006/relationships" xmlns:mc="http://schemas.openxmlformats.org/markup-compatibility/2006" xmlns:mv="urn:schemas-microsoft-com:mac:vml" xmlns:p="http://schemas.openxmlformats.org/presentationml/2006/main" xmlns:c="http://schemas.openxmlformats.org/drawingml/2006/chart" xmlns:dgm="http://schemas.openxmlformats.org/drawingml/2006/diagram" xmlns:o="urn:schemas-microsoft-com:office:office" xmlns:v="urn:schemas-microsoft-com:vml" xmlns:pvml="urn:schemas-microsoft-com:office:powerpoint" xmlns:com="http://schemas.openxmlformats.org/drawingml/2006/compatibility" xmlns:p14="http://schemas.microsoft.com/office/powerpoint/2010/main" xmlns:p15="http://schemas.microsoft.com/office/powerpoint/2012/main" xmlns:ahyp="http://schemas.microsoft.com/office/drawing/2018/hyperlinkcolor" showMasterPhAnim="0" showMasterSp="0">
+<file path=ppt/notesSlides/notesSlide3.xml><?xml version="1.0" encoding="utf-8"?>
+<p:notes xmlns:a="http://schemas.openxmlformats.org/drawingml/2006/main" xmlns:r="http://schemas.openxmlformats.org/officeDocument/2006/relationships" xmlns:p="http://schemas.openxmlformats.org/presentationml/2006/main" showMasterSp="0" showMasterPhAnim="0">
   <p:cSld>
     <p:spTree>
       <p:nvGrpSpPr>
-        <p:cNvPr id="76" name="Shape 76"/>
+        <p:cNvPr id="1" name="Shape 69"/>
         <p:cNvGrpSpPr/>
         <p:nvPr/>
       </p:nvGrpSpPr>
@@ -1210,10 +1278,12 @@
       </p:grpSpPr>
       <p:sp>
         <p:nvSpPr>
-          <p:cNvPr id="77" name="Google Shape;77;g27ac72a7272_0_28:notes"/>
-          <p:cNvSpPr/>
+          <p:cNvPr id="70" name="Google Shape;70;g27ac72a7272_0_22:notes"/>
+          <p:cNvSpPr>
+            <a:spLocks noGrp="1" noRot="1" noChangeAspect="1"/>
+          </p:cNvSpPr>
           <p:nvPr>
-            <p:ph idx="2" type="sldImg"/>
+            <p:ph type="sldImg" idx="2"/>
           </p:nvPr>
         </p:nvSpPr>
         <p:spPr>
@@ -1222,9 +1292,13 @@
             <a:ext cx="6096000" cy="3429000"/>
           </a:xfrm>
           <a:custGeom>
-            <a:rect b="b" l="l" r="r" t="t"/>
+            <a:avLst/>
+            <a:gdLst/>
+            <a:ahLst/>
+            <a:cxnLst/>
+            <a:rect l="l" t="t" r="r" b="b"/>
             <a:pathLst>
-              <a:path extrusionOk="0" h="120000" w="120000">
+              <a:path w="120000" h="120000" extrusionOk="0">
                 <a:moveTo>
                   <a:pt x="0" y="0"/>
                 </a:moveTo>
@@ -1245,10 +1319,12 @@
       </p:sp>
       <p:sp>
         <p:nvSpPr>
-          <p:cNvPr id="78" name="Google Shape;78;g27ac72a7272_0_28:notes"/>
-          <p:cNvSpPr txBox="1"/>
+          <p:cNvPr id="71" name="Google Shape;71;g27ac72a7272_0_22:notes"/>
+          <p:cNvSpPr txBox="1">
+            <a:spLocks noGrp="1"/>
+          </p:cNvSpPr>
           <p:nvPr>
-            <p:ph idx="1" type="body"/>
+            <p:ph type="body" idx="1"/>
           </p:nvPr>
         </p:nvSpPr>
         <p:spPr>
@@ -1261,12 +1337,12 @@
           </a:prstGeom>
         </p:spPr>
         <p:txBody>
-          <a:bodyPr anchorCtr="0" anchor="t" bIns="91425" lIns="91425" spcFirstLastPara="1" rIns="91425" wrap="square" tIns="91425">
+          <a:bodyPr spcFirstLastPara="1" wrap="square" lIns="91425" tIns="91425" rIns="91425" bIns="91425" anchor="t" anchorCtr="0">
             <a:noAutofit/>
           </a:bodyPr>
           <a:lstStyle/>
           <a:p>
-            <a:pPr indent="0" lvl="0" marL="0" rtl="0" algn="l">
+            <a:pPr marL="0" lvl="0" indent="0" algn="l" rtl="0">
               <a:spcBef>
                 <a:spcPts val="0"/>
               </a:spcBef>
@@ -1275,9 +1351,6 @@
               </a:spcAft>
               <a:buNone/>
             </a:pPr>
-            <a:r>
-              <a:t/>
-            </a:r>
             <a:endParaRPr/>
           </a:p>
         </p:txBody>
@@ -1290,12 +1363,12 @@
 </p:notes>
 </file>
 
-<file path=ppt/notesSlides/notesSlide5.xml><?xml version="1.0" encoding="utf-8"?>
-<p:notes xmlns:a="http://schemas.openxmlformats.org/drawingml/2006/main" xmlns:r="http://schemas.openxmlformats.org/officeDocument/2006/relationships" xmlns:mc="http://schemas.openxmlformats.org/markup-compatibility/2006" xmlns:mv="urn:schemas-microsoft-com:mac:vml" xmlns:p="http://schemas.openxmlformats.org/presentationml/2006/main" xmlns:c="http://schemas.openxmlformats.org/drawingml/2006/chart" xmlns:dgm="http://schemas.openxmlformats.org/drawingml/2006/diagram" xmlns:o="urn:schemas-microsoft-com:office:office" xmlns:v="urn:schemas-microsoft-com:vml" xmlns:pvml="urn:schemas-microsoft-com:office:powerpoint" xmlns:com="http://schemas.openxmlformats.org/drawingml/2006/compatibility" xmlns:p14="http://schemas.microsoft.com/office/powerpoint/2010/main" xmlns:p15="http://schemas.microsoft.com/office/powerpoint/2012/main" xmlns:ahyp="http://schemas.microsoft.com/office/drawing/2018/hyperlinkcolor" showMasterPhAnim="0" showMasterSp="0">
+<file path=ppt/notesSlides/notesSlide4.xml><?xml version="1.0" encoding="utf-8"?>
+<p:notes xmlns:a="http://schemas.openxmlformats.org/drawingml/2006/main" xmlns:r="http://schemas.openxmlformats.org/officeDocument/2006/relationships" xmlns:p="http://schemas.openxmlformats.org/presentationml/2006/main" showMasterSp="0" showMasterPhAnim="0">
   <p:cSld>
     <p:spTree>
       <p:nvGrpSpPr>
-        <p:cNvPr id="83" name="Shape 83"/>
+        <p:cNvPr id="1" name="Shape 76"/>
         <p:cNvGrpSpPr/>
         <p:nvPr/>
       </p:nvGrpSpPr>
@@ -1309,10 +1382,12 @@
       </p:grpSpPr>
       <p:sp>
         <p:nvSpPr>
-          <p:cNvPr id="84" name="Google Shape;84;g27ac72a7272_0_34:notes"/>
-          <p:cNvSpPr/>
+          <p:cNvPr id="77" name="Google Shape;77;g27ac72a7272_0_28:notes"/>
+          <p:cNvSpPr>
+            <a:spLocks noGrp="1" noRot="1" noChangeAspect="1"/>
+          </p:cNvSpPr>
           <p:nvPr>
-            <p:ph idx="2" type="sldImg"/>
+            <p:ph type="sldImg" idx="2"/>
           </p:nvPr>
         </p:nvSpPr>
         <p:spPr>
@@ -1321,9 +1396,13 @@
             <a:ext cx="6096000" cy="3429000"/>
           </a:xfrm>
           <a:custGeom>
-            <a:rect b="b" l="l" r="r" t="t"/>
+            <a:avLst/>
+            <a:gdLst/>
+            <a:ahLst/>
+            <a:cxnLst/>
+            <a:rect l="l" t="t" r="r" b="b"/>
             <a:pathLst>
-              <a:path extrusionOk="0" h="120000" w="120000">
+              <a:path w="120000" h="120000" extrusionOk="0">
                 <a:moveTo>
                   <a:pt x="0" y="0"/>
                 </a:moveTo>
@@ -1344,10 +1423,12 @@
       </p:sp>
       <p:sp>
         <p:nvSpPr>
-          <p:cNvPr id="85" name="Google Shape;85;g27ac72a7272_0_34:notes"/>
-          <p:cNvSpPr txBox="1"/>
+          <p:cNvPr id="78" name="Google Shape;78;g27ac72a7272_0_28:notes"/>
+          <p:cNvSpPr txBox="1">
+            <a:spLocks noGrp="1"/>
+          </p:cNvSpPr>
           <p:nvPr>
-            <p:ph idx="1" type="body"/>
+            <p:ph type="body" idx="1"/>
           </p:nvPr>
         </p:nvSpPr>
         <p:spPr>
@@ -1360,12 +1441,12 @@
           </a:prstGeom>
         </p:spPr>
         <p:txBody>
-          <a:bodyPr anchorCtr="0" anchor="t" bIns="91425" lIns="91425" spcFirstLastPara="1" rIns="91425" wrap="square" tIns="91425">
+          <a:bodyPr spcFirstLastPara="1" wrap="square" lIns="91425" tIns="91425" rIns="91425" bIns="91425" anchor="t" anchorCtr="0">
             <a:noAutofit/>
           </a:bodyPr>
           <a:lstStyle/>
           <a:p>
-            <a:pPr indent="0" lvl="0" marL="0" rtl="0" algn="l">
+            <a:pPr marL="0" lvl="0" indent="0" algn="l" rtl="0">
               <a:spcBef>
                 <a:spcPts val="0"/>
               </a:spcBef>
@@ -1374,9 +1455,6 @@
               </a:spcAft>
               <a:buNone/>
             </a:pPr>
-            <a:r>
-              <a:t/>
-            </a:r>
             <a:endParaRPr/>
           </a:p>
         </p:txBody>
@@ -1389,12 +1467,12 @@
 </p:notes>
 </file>
 
-<file path=ppt/notesSlides/notesSlide6.xml><?xml version="1.0" encoding="utf-8"?>
-<p:notes xmlns:a="http://schemas.openxmlformats.org/drawingml/2006/main" xmlns:r="http://schemas.openxmlformats.org/officeDocument/2006/relationships" xmlns:mc="http://schemas.openxmlformats.org/markup-compatibility/2006" xmlns:mv="urn:schemas-microsoft-com:mac:vml" xmlns:p="http://schemas.openxmlformats.org/presentationml/2006/main" xmlns:c="http://schemas.openxmlformats.org/drawingml/2006/chart" xmlns:dgm="http://schemas.openxmlformats.org/drawingml/2006/diagram" xmlns:o="urn:schemas-microsoft-com:office:office" xmlns:v="urn:schemas-microsoft-com:vml" xmlns:pvml="urn:schemas-microsoft-com:office:powerpoint" xmlns:com="http://schemas.openxmlformats.org/drawingml/2006/compatibility" xmlns:p14="http://schemas.microsoft.com/office/powerpoint/2010/main" xmlns:p15="http://schemas.microsoft.com/office/powerpoint/2012/main" xmlns:ahyp="http://schemas.microsoft.com/office/drawing/2018/hyperlinkcolor" showMasterPhAnim="0" showMasterSp="0">
+<file path=ppt/notesSlides/notesSlide5.xml><?xml version="1.0" encoding="utf-8"?>
+<p:notes xmlns:a="http://schemas.openxmlformats.org/drawingml/2006/main" xmlns:r="http://schemas.openxmlformats.org/officeDocument/2006/relationships" xmlns:p="http://schemas.openxmlformats.org/presentationml/2006/main" showMasterSp="0" showMasterPhAnim="0">
   <p:cSld>
     <p:spTree>
       <p:nvGrpSpPr>
-        <p:cNvPr id="90" name="Shape 90"/>
+        <p:cNvPr id="1" name="Shape 83"/>
         <p:cNvGrpSpPr/>
         <p:nvPr/>
       </p:nvGrpSpPr>
@@ -1408,10 +1486,12 @@
       </p:grpSpPr>
       <p:sp>
         <p:nvSpPr>
-          <p:cNvPr id="91" name="Google Shape;91;g27ac72a7272_0_39:notes"/>
-          <p:cNvSpPr/>
+          <p:cNvPr id="84" name="Google Shape;84;g27ac72a7272_0_34:notes"/>
+          <p:cNvSpPr>
+            <a:spLocks noGrp="1" noRot="1" noChangeAspect="1"/>
+          </p:cNvSpPr>
           <p:nvPr>
-            <p:ph idx="2" type="sldImg"/>
+            <p:ph type="sldImg" idx="2"/>
           </p:nvPr>
         </p:nvSpPr>
         <p:spPr>
@@ -1420,9 +1500,13 @@
             <a:ext cx="6096000" cy="3429000"/>
           </a:xfrm>
           <a:custGeom>
-            <a:rect b="b" l="l" r="r" t="t"/>
+            <a:avLst/>
+            <a:gdLst/>
+            <a:ahLst/>
+            <a:cxnLst/>
+            <a:rect l="l" t="t" r="r" b="b"/>
             <a:pathLst>
-              <a:path extrusionOk="0" h="120000" w="120000">
+              <a:path w="120000" h="120000" extrusionOk="0">
                 <a:moveTo>
                   <a:pt x="0" y="0"/>
                 </a:moveTo>
@@ -1443,10 +1527,12 @@
       </p:sp>
       <p:sp>
         <p:nvSpPr>
-          <p:cNvPr id="92" name="Google Shape;92;g27ac72a7272_0_39:notes"/>
-          <p:cNvSpPr txBox="1"/>
+          <p:cNvPr id="85" name="Google Shape;85;g27ac72a7272_0_34:notes"/>
+          <p:cNvSpPr txBox="1">
+            <a:spLocks noGrp="1"/>
+          </p:cNvSpPr>
           <p:nvPr>
-            <p:ph idx="1" type="body"/>
+            <p:ph type="body" idx="1"/>
           </p:nvPr>
         </p:nvSpPr>
         <p:spPr>
@@ -1459,12 +1545,12 @@
           </a:prstGeom>
         </p:spPr>
         <p:txBody>
-          <a:bodyPr anchorCtr="0" anchor="t" bIns="91425" lIns="91425" spcFirstLastPara="1" rIns="91425" wrap="square" tIns="91425">
+          <a:bodyPr spcFirstLastPara="1" wrap="square" lIns="91425" tIns="91425" rIns="91425" bIns="91425" anchor="t" anchorCtr="0">
             <a:noAutofit/>
           </a:bodyPr>
           <a:lstStyle/>
           <a:p>
-            <a:pPr indent="0" lvl="0" marL="0" rtl="0" algn="l">
+            <a:pPr marL="0" lvl="0" indent="0" algn="l" rtl="0">
               <a:spcBef>
                 <a:spcPts val="0"/>
               </a:spcBef>
@@ -1473,9 +1559,6 @@
               </a:spcAft>
               <a:buNone/>
             </a:pPr>
-            <a:r>
-              <a:t/>
-            </a:r>
             <a:endParaRPr/>
           </a:p>
         </p:txBody>
@@ -1488,12 +1571,12 @@
 </p:notes>
 </file>
 
-<file path=ppt/notesSlides/notesSlide7.xml><?xml version="1.0" encoding="utf-8"?>
-<p:notes xmlns:a="http://schemas.openxmlformats.org/drawingml/2006/main" xmlns:r="http://schemas.openxmlformats.org/officeDocument/2006/relationships" xmlns:mc="http://schemas.openxmlformats.org/markup-compatibility/2006" xmlns:mv="urn:schemas-microsoft-com:mac:vml" xmlns:p="http://schemas.openxmlformats.org/presentationml/2006/main" xmlns:c="http://schemas.openxmlformats.org/drawingml/2006/chart" xmlns:dgm="http://schemas.openxmlformats.org/drawingml/2006/diagram" xmlns:o="urn:schemas-microsoft-com:office:office" xmlns:v="urn:schemas-microsoft-com:vml" xmlns:pvml="urn:schemas-microsoft-com:office:powerpoint" xmlns:com="http://schemas.openxmlformats.org/drawingml/2006/compatibility" xmlns:p14="http://schemas.microsoft.com/office/powerpoint/2010/main" xmlns:p15="http://schemas.microsoft.com/office/powerpoint/2012/main" xmlns:ahyp="http://schemas.microsoft.com/office/drawing/2018/hyperlinkcolor" showMasterPhAnim="0" showMasterSp="0">
+<file path=ppt/notesSlides/notesSlide6.xml><?xml version="1.0" encoding="utf-8"?>
+<p:notes xmlns:a="http://schemas.openxmlformats.org/drawingml/2006/main" xmlns:r="http://schemas.openxmlformats.org/officeDocument/2006/relationships" xmlns:p="http://schemas.openxmlformats.org/presentationml/2006/main" showMasterSp="0" showMasterPhAnim="0">
   <p:cSld>
     <p:spTree>
       <p:nvGrpSpPr>
-        <p:cNvPr id="97" name="Shape 97"/>
+        <p:cNvPr id="1" name="Shape 90"/>
         <p:cNvGrpSpPr/>
         <p:nvPr/>
       </p:nvGrpSpPr>
@@ -1507,10 +1590,12 @@
       </p:grpSpPr>
       <p:sp>
         <p:nvSpPr>
-          <p:cNvPr id="98" name="Google Shape;98;g27ac72a7272_0_7:notes"/>
-          <p:cNvSpPr/>
+          <p:cNvPr id="91" name="Google Shape;91;g27ac72a7272_0_39:notes"/>
+          <p:cNvSpPr>
+            <a:spLocks noGrp="1" noRot="1" noChangeAspect="1"/>
+          </p:cNvSpPr>
           <p:nvPr>
-            <p:ph idx="2" type="sldImg"/>
+            <p:ph type="sldImg" idx="2"/>
           </p:nvPr>
         </p:nvSpPr>
         <p:spPr>
@@ -1519,9 +1604,13 @@
             <a:ext cx="6096000" cy="3429000"/>
           </a:xfrm>
           <a:custGeom>
-            <a:rect b="b" l="l" r="r" t="t"/>
+            <a:avLst/>
+            <a:gdLst/>
+            <a:ahLst/>
+            <a:cxnLst/>
+            <a:rect l="l" t="t" r="r" b="b"/>
             <a:pathLst>
-              <a:path extrusionOk="0" h="120000" w="120000">
+              <a:path w="120000" h="120000" extrusionOk="0">
                 <a:moveTo>
                   <a:pt x="0" y="0"/>
                 </a:moveTo>
@@ -1542,10 +1631,12 @@
       </p:sp>
       <p:sp>
         <p:nvSpPr>
-          <p:cNvPr id="99" name="Google Shape;99;g27ac72a7272_0_7:notes"/>
-          <p:cNvSpPr txBox="1"/>
+          <p:cNvPr id="92" name="Google Shape;92;g27ac72a7272_0_39:notes"/>
+          <p:cNvSpPr txBox="1">
+            <a:spLocks noGrp="1"/>
+          </p:cNvSpPr>
           <p:nvPr>
-            <p:ph idx="1" type="body"/>
+            <p:ph type="body" idx="1"/>
           </p:nvPr>
         </p:nvSpPr>
         <p:spPr>
@@ -1558,12 +1649,12 @@
           </a:prstGeom>
         </p:spPr>
         <p:txBody>
-          <a:bodyPr anchorCtr="0" anchor="t" bIns="91425" lIns="91425" spcFirstLastPara="1" rIns="91425" wrap="square" tIns="91425">
+          <a:bodyPr spcFirstLastPara="1" wrap="square" lIns="91425" tIns="91425" rIns="91425" bIns="91425" anchor="t" anchorCtr="0">
             <a:noAutofit/>
           </a:bodyPr>
           <a:lstStyle/>
           <a:p>
-            <a:pPr indent="0" lvl="0" marL="0" rtl="0" algn="l">
+            <a:pPr marL="0" lvl="0" indent="0" algn="l" rtl="0">
               <a:spcBef>
                 <a:spcPts val="0"/>
               </a:spcBef>
@@ -1572,9 +1663,6 @@
               </a:spcAft>
               <a:buNone/>
             </a:pPr>
-            <a:r>
-              <a:t/>
-            </a:r>
             <a:endParaRPr/>
           </a:p>
         </p:txBody>
@@ -1587,12 +1675,12 @@
 </p:notes>
 </file>
 
-<file path=ppt/notesSlides/notesSlide8.xml><?xml version="1.0" encoding="utf-8"?>
-<p:notes xmlns:a="http://schemas.openxmlformats.org/drawingml/2006/main" xmlns:r="http://schemas.openxmlformats.org/officeDocument/2006/relationships" xmlns:mc="http://schemas.openxmlformats.org/markup-compatibility/2006" xmlns:mv="urn:schemas-microsoft-com:mac:vml" xmlns:p="http://schemas.openxmlformats.org/presentationml/2006/main" xmlns:c="http://schemas.openxmlformats.org/drawingml/2006/chart" xmlns:dgm="http://schemas.openxmlformats.org/drawingml/2006/diagram" xmlns:o="urn:schemas-microsoft-com:office:office" xmlns:v="urn:schemas-microsoft-com:vml" xmlns:pvml="urn:schemas-microsoft-com:office:powerpoint" xmlns:com="http://schemas.openxmlformats.org/drawingml/2006/compatibility" xmlns:p14="http://schemas.microsoft.com/office/powerpoint/2010/main" xmlns:p15="http://schemas.microsoft.com/office/powerpoint/2012/main" xmlns:ahyp="http://schemas.microsoft.com/office/drawing/2018/hyperlinkcolor" showMasterPhAnim="0" showMasterSp="0">
+<file path=ppt/notesSlides/notesSlide7.xml><?xml version="1.0" encoding="utf-8"?>
+<p:notes xmlns:a="http://schemas.openxmlformats.org/drawingml/2006/main" xmlns:r="http://schemas.openxmlformats.org/officeDocument/2006/relationships" xmlns:p="http://schemas.openxmlformats.org/presentationml/2006/main" showMasterSp="0" showMasterPhAnim="0">
   <p:cSld>
     <p:spTree>
       <p:nvGrpSpPr>
-        <p:cNvPr id="103" name="Shape 103"/>
+        <p:cNvPr id="1" name="Shape 97"/>
         <p:cNvGrpSpPr/>
         <p:nvPr/>
       </p:nvGrpSpPr>
@@ -1606,10 +1694,12 @@
       </p:grpSpPr>
       <p:sp>
         <p:nvSpPr>
-          <p:cNvPr id="104" name="Google Shape;104;g27ac72a7272_0_45:notes"/>
-          <p:cNvSpPr/>
+          <p:cNvPr id="98" name="Google Shape;98;g27ac72a7272_0_7:notes"/>
+          <p:cNvSpPr>
+            <a:spLocks noGrp="1" noRot="1" noChangeAspect="1"/>
+          </p:cNvSpPr>
           <p:nvPr>
-            <p:ph idx="2" type="sldImg"/>
+            <p:ph type="sldImg" idx="2"/>
           </p:nvPr>
         </p:nvSpPr>
         <p:spPr>
@@ -1618,9 +1708,13 @@
             <a:ext cx="6096000" cy="3429000"/>
           </a:xfrm>
           <a:custGeom>
-            <a:rect b="b" l="l" r="r" t="t"/>
+            <a:avLst/>
+            <a:gdLst/>
+            <a:ahLst/>
+            <a:cxnLst/>
+            <a:rect l="l" t="t" r="r" b="b"/>
             <a:pathLst>
-              <a:path extrusionOk="0" h="120000" w="120000">
+              <a:path w="120000" h="120000" extrusionOk="0">
                 <a:moveTo>
                   <a:pt x="0" y="0"/>
                 </a:moveTo>
@@ -1641,10 +1735,12 @@
       </p:sp>
       <p:sp>
         <p:nvSpPr>
-          <p:cNvPr id="105" name="Google Shape;105;g27ac72a7272_0_45:notes"/>
-          <p:cNvSpPr txBox="1"/>
+          <p:cNvPr id="99" name="Google Shape;99;g27ac72a7272_0_7:notes"/>
+          <p:cNvSpPr txBox="1">
+            <a:spLocks noGrp="1"/>
+          </p:cNvSpPr>
           <p:nvPr>
-            <p:ph idx="1" type="body"/>
+            <p:ph type="body" idx="1"/>
           </p:nvPr>
         </p:nvSpPr>
         <p:spPr>
@@ -1657,12 +1753,12 @@
           </a:prstGeom>
         </p:spPr>
         <p:txBody>
-          <a:bodyPr anchorCtr="0" anchor="t" bIns="91425" lIns="91425" spcFirstLastPara="1" rIns="91425" wrap="square" tIns="91425">
+          <a:bodyPr spcFirstLastPara="1" wrap="square" lIns="91425" tIns="91425" rIns="91425" bIns="91425" anchor="t" anchorCtr="0">
             <a:noAutofit/>
           </a:bodyPr>
           <a:lstStyle/>
           <a:p>
-            <a:pPr indent="0" lvl="0" marL="0" rtl="0" algn="l">
+            <a:pPr marL="0" lvl="0" indent="0" algn="l" rtl="0">
               <a:spcBef>
                 <a:spcPts val="0"/>
               </a:spcBef>
@@ -1671,9 +1767,6 @@
               </a:spcAft>
               <a:buNone/>
             </a:pPr>
-            <a:r>
-              <a:t/>
-            </a:r>
             <a:endParaRPr/>
           </a:p>
         </p:txBody>
@@ -1686,12 +1779,12 @@
 </p:notes>
 </file>
 
-<file path=ppt/notesSlides/notesSlide9.xml><?xml version="1.0" encoding="utf-8"?>
-<p:notes xmlns:a="http://schemas.openxmlformats.org/drawingml/2006/main" xmlns:r="http://schemas.openxmlformats.org/officeDocument/2006/relationships" xmlns:mc="http://schemas.openxmlformats.org/markup-compatibility/2006" xmlns:mv="urn:schemas-microsoft-com:mac:vml" xmlns:p="http://schemas.openxmlformats.org/presentationml/2006/main" xmlns:c="http://schemas.openxmlformats.org/drawingml/2006/chart" xmlns:dgm="http://schemas.openxmlformats.org/drawingml/2006/diagram" xmlns:o="urn:schemas-microsoft-com:office:office" xmlns:v="urn:schemas-microsoft-com:vml" xmlns:pvml="urn:schemas-microsoft-com:office:powerpoint" xmlns:com="http://schemas.openxmlformats.org/drawingml/2006/compatibility" xmlns:p14="http://schemas.microsoft.com/office/powerpoint/2010/main" xmlns:p15="http://schemas.microsoft.com/office/powerpoint/2012/main" xmlns:ahyp="http://schemas.microsoft.com/office/drawing/2018/hyperlinkcolor" showMasterPhAnim="0" showMasterSp="0">
+<file path=ppt/notesSlides/notesSlide8.xml><?xml version="1.0" encoding="utf-8"?>
+<p:notes xmlns:a="http://schemas.openxmlformats.org/drawingml/2006/main" xmlns:r="http://schemas.openxmlformats.org/officeDocument/2006/relationships" xmlns:p="http://schemas.openxmlformats.org/presentationml/2006/main" showMasterSp="0" showMasterPhAnim="0">
   <p:cSld>
     <p:spTree>
       <p:nvGrpSpPr>
-        <p:cNvPr id="110" name="Shape 110"/>
+        <p:cNvPr id="1" name="Shape 103"/>
         <p:cNvGrpSpPr/>
         <p:nvPr/>
       </p:nvGrpSpPr>
@@ -1705,10 +1798,12 @@
       </p:grpSpPr>
       <p:sp>
         <p:nvSpPr>
-          <p:cNvPr id="111" name="Google Shape;111;g27ac72a7272_2_11:notes"/>
-          <p:cNvSpPr/>
+          <p:cNvPr id="104" name="Google Shape;104;g27ac72a7272_0_45:notes"/>
+          <p:cNvSpPr>
+            <a:spLocks noGrp="1" noRot="1" noChangeAspect="1"/>
+          </p:cNvSpPr>
           <p:nvPr>
-            <p:ph idx="2" type="sldImg"/>
+            <p:ph type="sldImg" idx="2"/>
           </p:nvPr>
         </p:nvSpPr>
         <p:spPr>
@@ -1717,9 +1812,13 @@
             <a:ext cx="6096000" cy="3429000"/>
           </a:xfrm>
           <a:custGeom>
-            <a:rect b="b" l="l" r="r" t="t"/>
+            <a:avLst/>
+            <a:gdLst/>
+            <a:ahLst/>
+            <a:cxnLst/>
+            <a:rect l="l" t="t" r="r" b="b"/>
             <a:pathLst>
-              <a:path extrusionOk="0" h="120000" w="120000">
+              <a:path w="120000" h="120000" extrusionOk="0">
                 <a:moveTo>
                   <a:pt x="0" y="0"/>
                 </a:moveTo>
@@ -1740,10 +1839,12 @@
       </p:sp>
       <p:sp>
         <p:nvSpPr>
-          <p:cNvPr id="112" name="Google Shape;112;g27ac72a7272_2_11:notes"/>
-          <p:cNvSpPr txBox="1"/>
+          <p:cNvPr id="105" name="Google Shape;105;g27ac72a7272_0_45:notes"/>
+          <p:cNvSpPr txBox="1">
+            <a:spLocks noGrp="1"/>
+          </p:cNvSpPr>
           <p:nvPr>
-            <p:ph idx="1" type="body"/>
+            <p:ph type="body" idx="1"/>
           </p:nvPr>
         </p:nvSpPr>
         <p:spPr>
@@ -1756,12 +1857,12 @@
           </a:prstGeom>
         </p:spPr>
         <p:txBody>
-          <a:bodyPr anchorCtr="0" anchor="t" bIns="91425" lIns="91425" spcFirstLastPara="1" rIns="91425" wrap="square" tIns="91425">
+          <a:bodyPr spcFirstLastPara="1" wrap="square" lIns="91425" tIns="91425" rIns="91425" bIns="91425" anchor="t" anchorCtr="0">
             <a:noAutofit/>
           </a:bodyPr>
           <a:lstStyle/>
           <a:p>
-            <a:pPr indent="0" lvl="0" marL="0" rtl="0" algn="l">
+            <a:pPr marL="0" lvl="0" indent="0" algn="l" rtl="0">
               <a:spcBef>
                 <a:spcPts val="0"/>
               </a:spcBef>
@@ -1770,9 +1871,110 @@
               </a:spcAft>
               <a:buNone/>
             </a:pPr>
-            <a:r>
-              <a:t/>
-            </a:r>
+            <a:endParaRPr/>
+          </a:p>
+        </p:txBody>
+      </p:sp>
+    </p:spTree>
+  </p:cSld>
+  <p:clrMapOvr>
+    <a:masterClrMapping/>
+  </p:clrMapOvr>
+</p:notes>
+</file>
+
+<file path=ppt/notesSlides/notesSlide9.xml><?xml version="1.0" encoding="utf-8"?>
+<p:notes xmlns:a="http://schemas.openxmlformats.org/drawingml/2006/main" xmlns:r="http://schemas.openxmlformats.org/officeDocument/2006/relationships" xmlns:p="http://schemas.openxmlformats.org/presentationml/2006/main" showMasterSp="0" showMasterPhAnim="0">
+  <p:cSld>
+    <p:spTree>
+      <p:nvGrpSpPr>
+        <p:cNvPr id="1" name="Shape 110"/>
+        <p:cNvGrpSpPr/>
+        <p:nvPr/>
+      </p:nvGrpSpPr>
+      <p:grpSpPr>
+        <a:xfrm>
+          <a:off x="0" y="0"/>
+          <a:ext cx="0" cy="0"/>
+          <a:chOff x="0" y="0"/>
+          <a:chExt cx="0" cy="0"/>
+        </a:xfrm>
+      </p:grpSpPr>
+      <p:sp>
+        <p:nvSpPr>
+          <p:cNvPr id="111" name="Google Shape;111;g27ac72a7272_2_11:notes"/>
+          <p:cNvSpPr>
+            <a:spLocks noGrp="1" noRot="1" noChangeAspect="1"/>
+          </p:cNvSpPr>
+          <p:nvPr>
+            <p:ph type="sldImg" idx="2"/>
+          </p:nvPr>
+        </p:nvSpPr>
+        <p:spPr>
+          <a:xfrm>
+            <a:off x="381300" y="685800"/>
+            <a:ext cx="6096000" cy="3429000"/>
+          </a:xfrm>
+          <a:custGeom>
+            <a:avLst/>
+            <a:gdLst/>
+            <a:ahLst/>
+            <a:cxnLst/>
+            <a:rect l="l" t="t" r="r" b="b"/>
+            <a:pathLst>
+              <a:path w="120000" h="120000" extrusionOk="0">
+                <a:moveTo>
+                  <a:pt x="0" y="0"/>
+                </a:moveTo>
+                <a:lnTo>
+                  <a:pt x="120000" y="0"/>
+                </a:lnTo>
+                <a:lnTo>
+                  <a:pt x="120000" y="120000"/>
+                </a:lnTo>
+                <a:lnTo>
+                  <a:pt x="0" y="120000"/>
+                </a:lnTo>
+                <a:close/>
+              </a:path>
+            </a:pathLst>
+          </a:custGeom>
+        </p:spPr>
+      </p:sp>
+      <p:sp>
+        <p:nvSpPr>
+          <p:cNvPr id="112" name="Google Shape;112;g27ac72a7272_2_11:notes"/>
+          <p:cNvSpPr txBox="1">
+            <a:spLocks noGrp="1"/>
+          </p:cNvSpPr>
+          <p:nvPr>
+            <p:ph type="body" idx="1"/>
+          </p:nvPr>
+        </p:nvSpPr>
+        <p:spPr>
+          <a:xfrm>
+            <a:off x="685800" y="4343400"/>
+            <a:ext cx="5486400" cy="4114800"/>
+          </a:xfrm>
+          <a:prstGeom prst="rect">
+            <a:avLst/>
+          </a:prstGeom>
+        </p:spPr>
+        <p:txBody>
+          <a:bodyPr spcFirstLastPara="1" wrap="square" lIns="91425" tIns="91425" rIns="91425" bIns="91425" anchor="t" anchorCtr="0">
+            <a:noAutofit/>
+          </a:bodyPr>
+          <a:lstStyle/>
+          <a:p>
+            <a:pPr marL="0" lvl="0" indent="0" algn="l" rtl="0">
+              <a:spcBef>
+                <a:spcPts val="0"/>
+              </a:spcBef>
+              <a:spcAft>
+                <a:spcPts val="0"/>
+              </a:spcAft>
+              <a:buNone/>
+            </a:pPr>
             <a:endParaRPr/>
           </a:p>
         </p:txBody>
@@ -1786,11 +1988,11 @@
 </file>
 
 <file path=ppt/slideLayouts/slideLayout1.xml><?xml version="1.0" encoding="utf-8"?>
-<p:sldLayout xmlns:a="http://schemas.openxmlformats.org/drawingml/2006/main" xmlns:r="http://schemas.openxmlformats.org/officeDocument/2006/relationships" xmlns:mc="http://schemas.openxmlformats.org/markup-compatibility/2006" xmlns:mv="urn:schemas-microsoft-com:mac:vml" xmlns:p="http://schemas.openxmlformats.org/presentationml/2006/main" xmlns:c="http://schemas.openxmlformats.org/drawingml/2006/chart" xmlns:dgm="http://schemas.openxmlformats.org/drawingml/2006/diagram" xmlns:o="urn:schemas-microsoft-com:office:office" xmlns:v="urn:schemas-microsoft-com:vml" xmlns:pvml="urn:schemas-microsoft-com:office:powerpoint" xmlns:com="http://schemas.openxmlformats.org/drawingml/2006/compatibility" xmlns:p14="http://schemas.microsoft.com/office/powerpoint/2010/main" xmlns:p15="http://schemas.microsoft.com/office/powerpoint/2012/main" xmlns:ahyp="http://schemas.microsoft.com/office/drawing/2018/hyperlinkcolor" matchingName="Title slide" type="title">
+<p:sldLayout xmlns:a="http://schemas.openxmlformats.org/drawingml/2006/main" xmlns:r="http://schemas.openxmlformats.org/officeDocument/2006/relationships" xmlns:p="http://schemas.openxmlformats.org/presentationml/2006/main" matchingName="Title slide" type="title">
   <p:cSld name="TITLE">
     <p:spTree>
       <p:nvGrpSpPr>
-        <p:cNvPr id="9" name="Shape 9"/>
+        <p:cNvPr id="1" name="Shape 9"/>
         <p:cNvGrpSpPr/>
         <p:nvPr/>
       </p:nvGrpSpPr>
@@ -1805,7 +2007,9 @@
       <p:sp>
         <p:nvSpPr>
           <p:cNvPr id="10" name="Google Shape;10;p2"/>
-          <p:cNvSpPr txBox="1"/>
+          <p:cNvSpPr txBox="1">
+            <a:spLocks noGrp="1"/>
+          </p:cNvSpPr>
           <p:nvPr>
             <p:ph type="ctrTitle"/>
           </p:nvPr>
@@ -1820,7 +2024,7 @@
           </a:prstGeom>
         </p:spPr>
         <p:txBody>
-          <a:bodyPr anchorCtr="0" anchor="b" bIns="91425" lIns="91425" spcFirstLastPara="1" rIns="91425" wrap="square" tIns="91425">
+          <a:bodyPr spcFirstLastPara="1" wrap="square" lIns="91425" tIns="91425" rIns="91425" bIns="91425" anchor="b" anchorCtr="0">
             <a:normAutofit/>
           </a:bodyPr>
           <a:lstStyle>
@@ -1924,15 +2128,19 @@
               <a:defRPr sz="5200"/>
             </a:lvl9pPr>
           </a:lstStyle>
-          <a:p/>
+          <a:p>
+            <a:endParaRPr/>
+          </a:p>
         </p:txBody>
       </p:sp>
       <p:sp>
         <p:nvSpPr>
           <p:cNvPr id="11" name="Google Shape;11;p2"/>
-          <p:cNvSpPr txBox="1"/>
+          <p:cNvSpPr txBox="1">
+            <a:spLocks noGrp="1"/>
+          </p:cNvSpPr>
           <p:nvPr>
-            <p:ph idx="1" type="subTitle"/>
+            <p:ph type="subTitle" idx="1"/>
           </p:nvPr>
         </p:nvSpPr>
         <p:spPr>
@@ -1945,7 +2153,7 @@
           </a:prstGeom>
         </p:spPr>
         <p:txBody>
-          <a:bodyPr anchorCtr="0" anchor="t" bIns="91425" lIns="91425" spcFirstLastPara="1" rIns="91425" wrap="square" tIns="91425">
+          <a:bodyPr spcFirstLastPara="1" wrap="square" lIns="91425" tIns="91425" rIns="91425" bIns="91425" anchor="t" anchorCtr="0">
             <a:normAutofit/>
           </a:bodyPr>
           <a:lstStyle>
@@ -2076,15 +2284,19 @@
               <a:defRPr sz="2800"/>
             </a:lvl9pPr>
           </a:lstStyle>
-          <a:p/>
+          <a:p>
+            <a:endParaRPr/>
+          </a:p>
         </p:txBody>
       </p:sp>
       <p:sp>
         <p:nvSpPr>
           <p:cNvPr id="12" name="Google Shape;12;p2"/>
-          <p:cNvSpPr txBox="1"/>
+          <p:cNvSpPr txBox="1">
+            <a:spLocks noGrp="1"/>
+          </p:cNvSpPr>
           <p:nvPr>
-            <p:ph idx="12" type="sldNum"/>
+            <p:ph type="sldNum" idx="12"/>
           </p:nvPr>
         </p:nvSpPr>
         <p:spPr>
@@ -2097,7 +2309,7 @@
           </a:prstGeom>
         </p:spPr>
         <p:txBody>
-          <a:bodyPr anchorCtr="0" anchor="ctr" bIns="91425" lIns="91425" spcFirstLastPara="1" rIns="91425" wrap="square" tIns="91425">
+          <a:bodyPr spcFirstLastPara="1" wrap="square" lIns="91425" tIns="91425" rIns="91425" bIns="91425" anchor="ctr" anchorCtr="0">
             <a:normAutofit/>
           </a:bodyPr>
           <a:lstStyle>
@@ -2139,7 +2351,7 @@
             </a:lvl9pPr>
           </a:lstStyle>
           <a:p>
-            <a:pPr indent="0" lvl="0" marL="0" rtl="0" algn="r">
+            <a:pPr marL="0" lvl="0" indent="0" algn="r" rtl="0">
               <a:spcBef>
                 <a:spcPts val="0"/>
               </a:spcBef>
@@ -2165,11 +2377,11 @@
 </file>
 
 <file path=ppt/slideLayouts/slideLayout10.xml><?xml version="1.0" encoding="utf-8"?>
-<p:sldLayout xmlns:a="http://schemas.openxmlformats.org/drawingml/2006/main" xmlns:r="http://schemas.openxmlformats.org/officeDocument/2006/relationships" xmlns:mc="http://schemas.openxmlformats.org/markup-compatibility/2006" xmlns:mv="urn:schemas-microsoft-com:mac:vml" xmlns:p="http://schemas.openxmlformats.org/presentationml/2006/main" xmlns:c="http://schemas.openxmlformats.org/drawingml/2006/chart" xmlns:dgm="http://schemas.openxmlformats.org/drawingml/2006/diagram" xmlns:o="urn:schemas-microsoft-com:office:office" xmlns:v="urn:schemas-microsoft-com:vml" xmlns:pvml="urn:schemas-microsoft-com:office:powerpoint" xmlns:com="http://schemas.openxmlformats.org/drawingml/2006/compatibility" xmlns:p14="http://schemas.microsoft.com/office/powerpoint/2010/main" xmlns:p15="http://schemas.microsoft.com/office/powerpoint/2012/main" xmlns:ahyp="http://schemas.microsoft.com/office/drawing/2018/hyperlinkcolor" matchingName="Big number">
+<p:sldLayout xmlns:a="http://schemas.openxmlformats.org/drawingml/2006/main" xmlns:r="http://schemas.openxmlformats.org/officeDocument/2006/relationships" xmlns:p="http://schemas.openxmlformats.org/presentationml/2006/main" matchingName="Big number">
   <p:cSld name="BIG_NUMBER">
     <p:spTree>
       <p:nvGrpSpPr>
-        <p:cNvPr id="44" name="Shape 44"/>
+        <p:cNvPr id="1" name="Shape 44"/>
         <p:cNvGrpSpPr/>
         <p:nvPr/>
       </p:nvGrpSpPr>
@@ -2184,9 +2396,11 @@
       <p:sp>
         <p:nvSpPr>
           <p:cNvPr id="45" name="Google Shape;45;p11"/>
-          <p:cNvSpPr txBox="1"/>
+          <p:cNvSpPr txBox="1">
+            <a:spLocks noGrp="1"/>
+          </p:cNvSpPr>
           <p:nvPr>
-            <p:ph hasCustomPrompt="1" type="title"/>
+            <p:ph type="title" hasCustomPrompt="1"/>
           </p:nvPr>
         </p:nvSpPr>
         <p:spPr>
@@ -2199,7 +2413,7 @@
           </a:prstGeom>
         </p:spPr>
         <p:txBody>
-          <a:bodyPr anchorCtr="0" anchor="b" bIns="91425" lIns="91425" spcFirstLastPara="1" rIns="91425" wrap="square" tIns="91425">
+          <a:bodyPr spcFirstLastPara="1" wrap="square" lIns="91425" tIns="91425" rIns="91425" bIns="91425" anchor="b" anchorCtr="0">
             <a:normAutofit/>
           </a:bodyPr>
           <a:lstStyle>
@@ -2313,9 +2527,11 @@
       <p:sp>
         <p:nvSpPr>
           <p:cNvPr id="46" name="Google Shape;46;p11"/>
-          <p:cNvSpPr txBox="1"/>
+          <p:cNvSpPr txBox="1">
+            <a:spLocks noGrp="1"/>
+          </p:cNvSpPr>
           <p:nvPr>
-            <p:ph idx="1" type="body"/>
+            <p:ph type="body" idx="1"/>
           </p:nvPr>
         </p:nvSpPr>
         <p:spPr>
@@ -2328,11 +2544,11 @@
           </a:prstGeom>
         </p:spPr>
         <p:txBody>
-          <a:bodyPr anchorCtr="0" anchor="t" bIns="91425" lIns="91425" spcFirstLastPara="1" rIns="91425" wrap="square" tIns="91425">
+          <a:bodyPr spcFirstLastPara="1" wrap="square" lIns="91425" tIns="91425" rIns="91425" bIns="91425" anchor="t" anchorCtr="0">
             <a:normAutofit/>
           </a:bodyPr>
           <a:lstStyle>
-            <a:lvl1pPr indent="-342900" lvl="0" marL="457200" algn="ctr">
+            <a:lvl1pPr marL="457200" lvl="0" indent="-342900" algn="ctr">
               <a:spcBef>
                 <a:spcPts val="0"/>
               </a:spcBef>
@@ -2343,7 +2559,7 @@
               <a:buChar char="●"/>
               <a:defRPr/>
             </a:lvl1pPr>
-            <a:lvl2pPr indent="-317500" lvl="1" marL="914400" algn="ctr">
+            <a:lvl2pPr marL="914400" lvl="1" indent="-317500" algn="ctr">
               <a:spcBef>
                 <a:spcPts val="0"/>
               </a:spcBef>
@@ -2354,7 +2570,7 @@
               <a:buChar char="○"/>
               <a:defRPr/>
             </a:lvl2pPr>
-            <a:lvl3pPr indent="-317500" lvl="2" marL="1371600" algn="ctr">
+            <a:lvl3pPr marL="1371600" lvl="2" indent="-317500" algn="ctr">
               <a:spcBef>
                 <a:spcPts val="0"/>
               </a:spcBef>
@@ -2365,7 +2581,7 @@
               <a:buChar char="■"/>
               <a:defRPr/>
             </a:lvl3pPr>
-            <a:lvl4pPr indent="-317500" lvl="3" marL="1828800" algn="ctr">
+            <a:lvl4pPr marL="1828800" lvl="3" indent="-317500" algn="ctr">
               <a:spcBef>
                 <a:spcPts val="0"/>
               </a:spcBef>
@@ -2376,7 +2592,7 @@
               <a:buChar char="●"/>
               <a:defRPr/>
             </a:lvl4pPr>
-            <a:lvl5pPr indent="-317500" lvl="4" marL="2286000" algn="ctr">
+            <a:lvl5pPr marL="2286000" lvl="4" indent="-317500" algn="ctr">
               <a:spcBef>
                 <a:spcPts val="0"/>
               </a:spcBef>
@@ -2387,7 +2603,7 @@
               <a:buChar char="○"/>
               <a:defRPr/>
             </a:lvl5pPr>
-            <a:lvl6pPr indent="-317500" lvl="5" marL="2743200" algn="ctr">
+            <a:lvl6pPr marL="2743200" lvl="5" indent="-317500" algn="ctr">
               <a:spcBef>
                 <a:spcPts val="0"/>
               </a:spcBef>
@@ -2398,7 +2614,7 @@
               <a:buChar char="■"/>
               <a:defRPr/>
             </a:lvl6pPr>
-            <a:lvl7pPr indent="-317500" lvl="6" marL="3200400" algn="ctr">
+            <a:lvl7pPr marL="3200400" lvl="6" indent="-317500" algn="ctr">
               <a:spcBef>
                 <a:spcPts val="0"/>
               </a:spcBef>
@@ -2409,7 +2625,7 @@
               <a:buChar char="●"/>
               <a:defRPr/>
             </a:lvl7pPr>
-            <a:lvl8pPr indent="-317500" lvl="7" marL="3657600" algn="ctr">
+            <a:lvl8pPr marL="3657600" lvl="7" indent="-317500" algn="ctr">
               <a:spcBef>
                 <a:spcPts val="0"/>
               </a:spcBef>
@@ -2420,7 +2636,7 @@
               <a:buChar char="○"/>
               <a:defRPr/>
             </a:lvl8pPr>
-            <a:lvl9pPr indent="-317500" lvl="8" marL="4114800" algn="ctr">
+            <a:lvl9pPr marL="4114800" lvl="8" indent="-317500" algn="ctr">
               <a:spcBef>
                 <a:spcPts val="0"/>
               </a:spcBef>
@@ -2432,15 +2648,19 @@
               <a:defRPr/>
             </a:lvl9pPr>
           </a:lstStyle>
-          <a:p/>
+          <a:p>
+            <a:endParaRPr/>
+          </a:p>
         </p:txBody>
       </p:sp>
       <p:sp>
         <p:nvSpPr>
           <p:cNvPr id="47" name="Google Shape;47;p11"/>
-          <p:cNvSpPr txBox="1"/>
+          <p:cNvSpPr txBox="1">
+            <a:spLocks noGrp="1"/>
+          </p:cNvSpPr>
           <p:nvPr>
-            <p:ph idx="12" type="sldNum"/>
+            <p:ph type="sldNum" idx="12"/>
           </p:nvPr>
         </p:nvSpPr>
         <p:spPr>
@@ -2453,7 +2673,7 @@
           </a:prstGeom>
         </p:spPr>
         <p:txBody>
-          <a:bodyPr anchorCtr="0" anchor="ctr" bIns="91425" lIns="91425" spcFirstLastPara="1" rIns="91425" wrap="square" tIns="91425">
+          <a:bodyPr spcFirstLastPara="1" wrap="square" lIns="91425" tIns="91425" rIns="91425" bIns="91425" anchor="ctr" anchorCtr="0">
             <a:normAutofit/>
           </a:bodyPr>
           <a:lstStyle>
@@ -2495,7 +2715,7 @@
             </a:lvl9pPr>
           </a:lstStyle>
           <a:p>
-            <a:pPr indent="0" lvl="0" marL="0" rtl="0" algn="r">
+            <a:pPr marL="0" lvl="0" indent="0" algn="r" rtl="0">
               <a:spcBef>
                 <a:spcPts val="0"/>
               </a:spcBef>
@@ -2521,11 +2741,11 @@
 </file>
 
 <file path=ppt/slideLayouts/slideLayout11.xml><?xml version="1.0" encoding="utf-8"?>
-<p:sldLayout xmlns:a="http://schemas.openxmlformats.org/drawingml/2006/main" xmlns:r="http://schemas.openxmlformats.org/officeDocument/2006/relationships" xmlns:mc="http://schemas.openxmlformats.org/markup-compatibility/2006" xmlns:mv="urn:schemas-microsoft-com:mac:vml" xmlns:p="http://schemas.openxmlformats.org/presentationml/2006/main" xmlns:c="http://schemas.openxmlformats.org/drawingml/2006/chart" xmlns:dgm="http://schemas.openxmlformats.org/drawingml/2006/diagram" xmlns:o="urn:schemas-microsoft-com:office:office" xmlns:v="urn:schemas-microsoft-com:vml" xmlns:pvml="urn:schemas-microsoft-com:office:powerpoint" xmlns:com="http://schemas.openxmlformats.org/drawingml/2006/compatibility" xmlns:p14="http://schemas.microsoft.com/office/powerpoint/2010/main" xmlns:p15="http://schemas.microsoft.com/office/powerpoint/2012/main" xmlns:ahyp="http://schemas.microsoft.com/office/drawing/2018/hyperlinkcolor" matchingName="Blank" type="blank">
+<p:sldLayout xmlns:a="http://schemas.openxmlformats.org/drawingml/2006/main" xmlns:r="http://schemas.openxmlformats.org/officeDocument/2006/relationships" xmlns:p="http://schemas.openxmlformats.org/presentationml/2006/main" matchingName="Blank" type="blank">
   <p:cSld name="BLANK">
     <p:spTree>
       <p:nvGrpSpPr>
-        <p:cNvPr id="48" name="Shape 48"/>
+        <p:cNvPr id="1" name="Shape 48"/>
         <p:cNvGrpSpPr/>
         <p:nvPr/>
       </p:nvGrpSpPr>
@@ -2540,9 +2760,11 @@
       <p:sp>
         <p:nvSpPr>
           <p:cNvPr id="49" name="Google Shape;49;p12"/>
-          <p:cNvSpPr txBox="1"/>
+          <p:cNvSpPr txBox="1">
+            <a:spLocks noGrp="1"/>
+          </p:cNvSpPr>
           <p:nvPr>
-            <p:ph idx="12" type="sldNum"/>
+            <p:ph type="sldNum" idx="12"/>
           </p:nvPr>
         </p:nvSpPr>
         <p:spPr>
@@ -2555,7 +2777,7 @@
           </a:prstGeom>
         </p:spPr>
         <p:txBody>
-          <a:bodyPr anchorCtr="0" anchor="ctr" bIns="91425" lIns="91425" spcFirstLastPara="1" rIns="91425" wrap="square" tIns="91425">
+          <a:bodyPr spcFirstLastPara="1" wrap="square" lIns="91425" tIns="91425" rIns="91425" bIns="91425" anchor="ctr" anchorCtr="0">
             <a:normAutofit/>
           </a:bodyPr>
           <a:lstStyle>
@@ -2597,7 +2819,7 @@
             </a:lvl9pPr>
           </a:lstStyle>
           <a:p>
-            <a:pPr indent="0" lvl="0" marL="0" rtl="0" algn="r">
+            <a:pPr marL="0" lvl="0" indent="0" algn="r" rtl="0">
               <a:spcBef>
                 <a:spcPts val="0"/>
               </a:spcBef>
@@ -2623,11 +2845,11 @@
 </file>
 
 <file path=ppt/slideLayouts/slideLayout12.xml><?xml version="1.0" encoding="utf-8"?>
-<p:sldLayout xmlns:a="http://schemas.openxmlformats.org/drawingml/2006/main" xmlns:r="http://schemas.openxmlformats.org/officeDocument/2006/relationships" xmlns:mc="http://schemas.openxmlformats.org/markup-compatibility/2006" xmlns:mv="urn:schemas-microsoft-com:mac:vml" xmlns:p="http://schemas.openxmlformats.org/presentationml/2006/main" xmlns:c="http://schemas.openxmlformats.org/drawingml/2006/chart" xmlns:dgm="http://schemas.openxmlformats.org/drawingml/2006/diagram" xmlns:o="urn:schemas-microsoft-com:office:office" xmlns:v="urn:schemas-microsoft-com:vml" xmlns:pvml="urn:schemas-microsoft-com:office:powerpoint" xmlns:com="http://schemas.openxmlformats.org/drawingml/2006/compatibility" xmlns:p14="http://schemas.microsoft.com/office/powerpoint/2010/main" xmlns:p15="http://schemas.microsoft.com/office/powerpoint/2012/main" xmlns:ahyp="http://schemas.microsoft.com/office/drawing/2018/hyperlinkcolor" matchingName="Title and Content" type="obj">
+<p:sldLayout xmlns:a="http://schemas.openxmlformats.org/drawingml/2006/main" xmlns:r="http://schemas.openxmlformats.org/officeDocument/2006/relationships" xmlns:p="http://schemas.openxmlformats.org/presentationml/2006/main" matchingName="Title and Content" type="obj">
   <p:cSld name="OBJECT">
     <p:spTree>
       <p:nvGrpSpPr>
-        <p:cNvPr id="50" name="Shape 50"/>
+        <p:cNvPr id="1" name="Shape 50"/>
         <p:cNvGrpSpPr/>
         <p:nvPr/>
       </p:nvGrpSpPr>
@@ -2642,7 +2864,9 @@
       <p:sp>
         <p:nvSpPr>
           <p:cNvPr id="51" name="Google Shape;51;p13"/>
-          <p:cNvSpPr txBox="1"/>
+          <p:cNvSpPr txBox="1">
+            <a:spLocks noGrp="1"/>
+          </p:cNvSpPr>
           <p:nvPr>
             <p:ph type="title"/>
           </p:nvPr>
@@ -2661,11 +2885,11 @@
           </a:ln>
         </p:spPr>
         <p:txBody>
-          <a:bodyPr anchorCtr="0" anchor="ctr" bIns="34275" lIns="68575" spcFirstLastPara="1" rIns="68575" wrap="square" tIns="34275">
+          <a:bodyPr spcFirstLastPara="1" wrap="square" lIns="68575" tIns="34275" rIns="68575" bIns="34275" anchor="ctr" anchorCtr="0">
             <a:normAutofit/>
           </a:bodyPr>
           <a:lstStyle>
-            <a:lvl1pPr lvl="0" rtl="0" algn="l">
+            <a:lvl1pPr lvl="0" algn="l" rtl="0">
               <a:lnSpc>
                 <a:spcPct val="90000"/>
               </a:lnSpc>
@@ -2771,15 +2995,19 @@
               <a:defRPr/>
             </a:lvl9pPr>
           </a:lstStyle>
-          <a:p/>
+          <a:p>
+            <a:endParaRPr/>
+          </a:p>
         </p:txBody>
       </p:sp>
       <p:sp>
         <p:nvSpPr>
           <p:cNvPr id="52" name="Google Shape;52;p13"/>
-          <p:cNvSpPr txBox="1"/>
+          <p:cNvSpPr txBox="1">
+            <a:spLocks noGrp="1"/>
+          </p:cNvSpPr>
           <p:nvPr>
-            <p:ph idx="1" type="body"/>
+            <p:ph type="body" idx="1"/>
           </p:nvPr>
         </p:nvSpPr>
         <p:spPr>
@@ -2796,11 +3024,11 @@
           </a:ln>
         </p:spPr>
         <p:txBody>
-          <a:bodyPr anchorCtr="0" anchor="t" bIns="34275" lIns="68575" spcFirstLastPara="1" rIns="68575" wrap="square" tIns="34275">
+          <a:bodyPr spcFirstLastPara="1" wrap="square" lIns="68575" tIns="34275" rIns="68575" bIns="34275" anchor="t" anchorCtr="0">
             <a:normAutofit/>
           </a:bodyPr>
           <a:lstStyle>
-            <a:lvl1pPr indent="-317500" lvl="0" marL="457200" rtl="0" algn="l">
+            <a:lvl1pPr marL="457200" lvl="0" indent="-317500" algn="l" rtl="0">
               <a:lnSpc>
                 <a:spcPct val="90000"/>
               </a:lnSpc>
@@ -2817,7 +3045,7 @@
               <a:buChar char="●"/>
               <a:defRPr/>
             </a:lvl1pPr>
-            <a:lvl2pPr indent="-317500" lvl="1" marL="914400" rtl="0" algn="l">
+            <a:lvl2pPr marL="914400" lvl="1" indent="-317500" algn="l" rtl="0">
               <a:lnSpc>
                 <a:spcPct val="90000"/>
               </a:lnSpc>
@@ -2834,7 +3062,7 @@
               <a:buChar char="○"/>
               <a:defRPr/>
             </a:lvl2pPr>
-            <a:lvl3pPr indent="-317500" lvl="2" marL="1371600" rtl="0" algn="l">
+            <a:lvl3pPr marL="1371600" lvl="2" indent="-317500" algn="l" rtl="0">
               <a:lnSpc>
                 <a:spcPct val="90000"/>
               </a:lnSpc>
@@ -2851,7 +3079,7 @@
               <a:buChar char="■"/>
               <a:defRPr/>
             </a:lvl3pPr>
-            <a:lvl4pPr indent="-317500" lvl="3" marL="1828800" rtl="0" algn="l">
+            <a:lvl4pPr marL="1828800" lvl="3" indent="-317500" algn="l" rtl="0">
               <a:lnSpc>
                 <a:spcPct val="90000"/>
               </a:lnSpc>
@@ -2868,7 +3096,7 @@
               <a:buChar char="●"/>
               <a:defRPr/>
             </a:lvl4pPr>
-            <a:lvl5pPr indent="-317500" lvl="4" marL="2286000" rtl="0" algn="l">
+            <a:lvl5pPr marL="2286000" lvl="4" indent="-317500" algn="l" rtl="0">
               <a:lnSpc>
                 <a:spcPct val="90000"/>
               </a:lnSpc>
@@ -2885,7 +3113,7 @@
               <a:buChar char="○"/>
               <a:defRPr/>
             </a:lvl5pPr>
-            <a:lvl6pPr indent="-317500" lvl="5" marL="2743200" rtl="0" algn="l">
+            <a:lvl6pPr marL="2743200" lvl="5" indent="-317500" algn="l" rtl="0">
               <a:lnSpc>
                 <a:spcPct val="90000"/>
               </a:lnSpc>
@@ -2902,7 +3130,7 @@
               <a:buChar char="■"/>
               <a:defRPr/>
             </a:lvl6pPr>
-            <a:lvl7pPr indent="-317500" lvl="6" marL="3200400" rtl="0" algn="l">
+            <a:lvl7pPr marL="3200400" lvl="6" indent="-317500" algn="l" rtl="0">
               <a:lnSpc>
                 <a:spcPct val="90000"/>
               </a:lnSpc>
@@ -2919,7 +3147,7 @@
               <a:buChar char="●"/>
               <a:defRPr/>
             </a:lvl7pPr>
-            <a:lvl8pPr indent="-317500" lvl="7" marL="3657600" rtl="0" algn="l">
+            <a:lvl8pPr marL="3657600" lvl="7" indent="-317500" algn="l" rtl="0">
               <a:lnSpc>
                 <a:spcPct val="90000"/>
               </a:lnSpc>
@@ -2936,7 +3164,7 @@
               <a:buChar char="○"/>
               <a:defRPr/>
             </a:lvl8pPr>
-            <a:lvl9pPr indent="-317500" lvl="8" marL="4114800" rtl="0" algn="l">
+            <a:lvl9pPr marL="4114800" lvl="8" indent="-317500" algn="l" rtl="0">
               <a:lnSpc>
                 <a:spcPct val="90000"/>
               </a:lnSpc>
@@ -2954,15 +3182,19 @@
               <a:defRPr/>
             </a:lvl9pPr>
           </a:lstStyle>
-          <a:p/>
+          <a:p>
+            <a:endParaRPr/>
+          </a:p>
         </p:txBody>
       </p:sp>
       <p:sp>
         <p:nvSpPr>
           <p:cNvPr id="53" name="Google Shape;53;p13"/>
-          <p:cNvSpPr txBox="1"/>
+          <p:cNvSpPr txBox="1">
+            <a:spLocks noGrp="1"/>
+          </p:cNvSpPr>
           <p:nvPr>
-            <p:ph idx="10" type="dt"/>
+            <p:ph type="dt" idx="10"/>
           </p:nvPr>
         </p:nvSpPr>
         <p:spPr>
@@ -2979,11 +3211,11 @@
           </a:ln>
         </p:spPr>
         <p:txBody>
-          <a:bodyPr anchorCtr="0" anchor="ctr" bIns="34275" lIns="68575" spcFirstLastPara="1" rIns="68575" wrap="square" tIns="34275">
+          <a:bodyPr spcFirstLastPara="1" wrap="square" lIns="68575" tIns="34275" rIns="68575" bIns="34275" anchor="ctr" anchorCtr="0">
             <a:noAutofit/>
           </a:bodyPr>
           <a:lstStyle>
-            <a:lvl1pPr lvl="0" rtl="0" algn="l">
+            <a:lvl1pPr lvl="0" algn="l" rtl="0">
               <a:spcBef>
                 <a:spcPts val="0"/>
               </a:spcBef>
@@ -2994,7 +3226,7 @@
               <a:buNone/>
               <a:defRPr sz="1100"/>
             </a:lvl1pPr>
-            <a:lvl2pPr lvl="1" rtl="0" algn="l">
+            <a:lvl2pPr lvl="1" algn="l" rtl="0">
               <a:spcBef>
                 <a:spcPts val="0"/>
               </a:spcBef>
@@ -3005,7 +3237,7 @@
               <a:buNone/>
               <a:defRPr sz="1100"/>
             </a:lvl2pPr>
-            <a:lvl3pPr lvl="2" rtl="0" algn="l">
+            <a:lvl3pPr lvl="2" algn="l" rtl="0">
               <a:spcBef>
                 <a:spcPts val="0"/>
               </a:spcBef>
@@ -3016,7 +3248,7 @@
               <a:buNone/>
               <a:defRPr sz="1100"/>
             </a:lvl3pPr>
-            <a:lvl4pPr lvl="3" rtl="0" algn="l">
+            <a:lvl4pPr lvl="3" algn="l" rtl="0">
               <a:spcBef>
                 <a:spcPts val="0"/>
               </a:spcBef>
@@ -3027,7 +3259,7 @@
               <a:buNone/>
               <a:defRPr sz="1100"/>
             </a:lvl4pPr>
-            <a:lvl5pPr lvl="4" rtl="0" algn="l">
+            <a:lvl5pPr lvl="4" algn="l" rtl="0">
               <a:spcBef>
                 <a:spcPts val="0"/>
               </a:spcBef>
@@ -3038,7 +3270,7 @@
               <a:buNone/>
               <a:defRPr sz="1100"/>
             </a:lvl5pPr>
-            <a:lvl6pPr lvl="5" rtl="0" algn="l">
+            <a:lvl6pPr lvl="5" algn="l" rtl="0">
               <a:spcBef>
                 <a:spcPts val="0"/>
               </a:spcBef>
@@ -3049,7 +3281,7 @@
               <a:buNone/>
               <a:defRPr sz="1100"/>
             </a:lvl6pPr>
-            <a:lvl7pPr lvl="6" rtl="0" algn="l">
+            <a:lvl7pPr lvl="6" algn="l" rtl="0">
               <a:spcBef>
                 <a:spcPts val="0"/>
               </a:spcBef>
@@ -3060,7 +3292,7 @@
               <a:buNone/>
               <a:defRPr sz="1100"/>
             </a:lvl7pPr>
-            <a:lvl8pPr lvl="7" rtl="0" algn="l">
+            <a:lvl8pPr lvl="7" algn="l" rtl="0">
               <a:spcBef>
                 <a:spcPts val="0"/>
               </a:spcBef>
@@ -3071,7 +3303,7 @@
               <a:buNone/>
               <a:defRPr sz="1100"/>
             </a:lvl8pPr>
-            <a:lvl9pPr lvl="8" rtl="0" algn="l">
+            <a:lvl9pPr lvl="8" algn="l" rtl="0">
               <a:spcBef>
                 <a:spcPts val="0"/>
               </a:spcBef>
@@ -3083,15 +3315,19 @@
               <a:defRPr sz="1100"/>
             </a:lvl9pPr>
           </a:lstStyle>
-          <a:p/>
+          <a:p>
+            <a:endParaRPr/>
+          </a:p>
         </p:txBody>
       </p:sp>
       <p:sp>
         <p:nvSpPr>
           <p:cNvPr id="54" name="Google Shape;54;p13"/>
-          <p:cNvSpPr txBox="1"/>
+          <p:cNvSpPr txBox="1">
+            <a:spLocks noGrp="1"/>
+          </p:cNvSpPr>
           <p:nvPr>
-            <p:ph idx="11" type="ftr"/>
+            <p:ph type="ftr" idx="11"/>
           </p:nvPr>
         </p:nvSpPr>
         <p:spPr>
@@ -3108,11 +3344,11 @@
           </a:ln>
         </p:spPr>
         <p:txBody>
-          <a:bodyPr anchorCtr="0" anchor="ctr" bIns="34275" lIns="68575" spcFirstLastPara="1" rIns="68575" wrap="square" tIns="34275">
+          <a:bodyPr spcFirstLastPara="1" wrap="square" lIns="68575" tIns="34275" rIns="68575" bIns="34275" anchor="ctr" anchorCtr="0">
             <a:noAutofit/>
           </a:bodyPr>
           <a:lstStyle>
-            <a:lvl1pPr lvl="0" rtl="0" algn="ctr">
+            <a:lvl1pPr lvl="0" algn="ctr" rtl="0">
               <a:spcBef>
                 <a:spcPts val="0"/>
               </a:spcBef>
@@ -3123,7 +3359,7 @@
               <a:buNone/>
               <a:defRPr sz="1100"/>
             </a:lvl1pPr>
-            <a:lvl2pPr lvl="1" rtl="0" algn="l">
+            <a:lvl2pPr lvl="1" algn="l" rtl="0">
               <a:spcBef>
                 <a:spcPts val="0"/>
               </a:spcBef>
@@ -3134,7 +3370,7 @@
               <a:buNone/>
               <a:defRPr sz="1100"/>
             </a:lvl2pPr>
-            <a:lvl3pPr lvl="2" rtl="0" algn="l">
+            <a:lvl3pPr lvl="2" algn="l" rtl="0">
               <a:spcBef>
                 <a:spcPts val="0"/>
               </a:spcBef>
@@ -3145,7 +3381,7 @@
               <a:buNone/>
               <a:defRPr sz="1100"/>
             </a:lvl3pPr>
-            <a:lvl4pPr lvl="3" rtl="0" algn="l">
+            <a:lvl4pPr lvl="3" algn="l" rtl="0">
               <a:spcBef>
                 <a:spcPts val="0"/>
               </a:spcBef>
@@ -3156,7 +3392,7 @@
               <a:buNone/>
               <a:defRPr sz="1100"/>
             </a:lvl4pPr>
-            <a:lvl5pPr lvl="4" rtl="0" algn="l">
+            <a:lvl5pPr lvl="4" algn="l" rtl="0">
               <a:spcBef>
                 <a:spcPts val="0"/>
               </a:spcBef>
@@ -3167,7 +3403,7 @@
               <a:buNone/>
               <a:defRPr sz="1100"/>
             </a:lvl5pPr>
-            <a:lvl6pPr lvl="5" rtl="0" algn="l">
+            <a:lvl6pPr lvl="5" algn="l" rtl="0">
               <a:spcBef>
                 <a:spcPts val="0"/>
               </a:spcBef>
@@ -3178,7 +3414,7 @@
               <a:buNone/>
               <a:defRPr sz="1100"/>
             </a:lvl6pPr>
-            <a:lvl7pPr lvl="6" rtl="0" algn="l">
+            <a:lvl7pPr lvl="6" algn="l" rtl="0">
               <a:spcBef>
                 <a:spcPts val="0"/>
               </a:spcBef>
@@ -3189,7 +3425,7 @@
               <a:buNone/>
               <a:defRPr sz="1100"/>
             </a:lvl7pPr>
-            <a:lvl8pPr lvl="7" rtl="0" algn="l">
+            <a:lvl8pPr lvl="7" algn="l" rtl="0">
               <a:spcBef>
                 <a:spcPts val="0"/>
               </a:spcBef>
@@ -3200,7 +3436,7 @@
               <a:buNone/>
               <a:defRPr sz="1100"/>
             </a:lvl8pPr>
-            <a:lvl9pPr lvl="8" rtl="0" algn="l">
+            <a:lvl9pPr lvl="8" algn="l" rtl="0">
               <a:spcBef>
                 <a:spcPts val="0"/>
               </a:spcBef>
@@ -3212,15 +3448,19 @@
               <a:defRPr sz="1100"/>
             </a:lvl9pPr>
           </a:lstStyle>
-          <a:p/>
+          <a:p>
+            <a:endParaRPr/>
+          </a:p>
         </p:txBody>
       </p:sp>
       <p:sp>
         <p:nvSpPr>
           <p:cNvPr id="55" name="Google Shape;55;p13"/>
-          <p:cNvSpPr txBox="1"/>
+          <p:cNvSpPr txBox="1">
+            <a:spLocks noGrp="1"/>
+          </p:cNvSpPr>
           <p:nvPr>
-            <p:ph idx="12" type="sldNum"/>
+            <p:ph type="sldNum" idx="12"/>
           </p:nvPr>
         </p:nvSpPr>
         <p:spPr>
@@ -3237,67 +3477,67 @@
           </a:ln>
         </p:spPr>
         <p:txBody>
-          <a:bodyPr anchorCtr="0" anchor="ctr" bIns="34275" lIns="68575" spcFirstLastPara="1" rIns="68575" wrap="square" tIns="34275">
+          <a:bodyPr spcFirstLastPara="1" wrap="square" lIns="68575" tIns="34275" rIns="68575" bIns="34275" anchor="ctr" anchorCtr="0">
             <a:normAutofit/>
           </a:bodyPr>
           <a:lstStyle>
-            <a:lvl1pPr indent="0" lvl="0" marL="0" rtl="0" algn="r">
+            <a:lvl1pPr marL="0" lvl="0" indent="0" algn="r" rtl="0">
               <a:spcBef>
                 <a:spcPts val="0"/>
               </a:spcBef>
               <a:buNone/>
               <a:defRPr/>
             </a:lvl1pPr>
-            <a:lvl2pPr indent="0" lvl="1" marL="0" rtl="0" algn="r">
+            <a:lvl2pPr marL="0" lvl="1" indent="0" algn="r" rtl="0">
               <a:spcBef>
                 <a:spcPts val="0"/>
               </a:spcBef>
               <a:buNone/>
               <a:defRPr/>
             </a:lvl2pPr>
-            <a:lvl3pPr indent="0" lvl="2" marL="0" rtl="0" algn="r">
+            <a:lvl3pPr marL="0" lvl="2" indent="0" algn="r" rtl="0">
               <a:spcBef>
                 <a:spcPts val="0"/>
               </a:spcBef>
               <a:buNone/>
               <a:defRPr/>
             </a:lvl3pPr>
-            <a:lvl4pPr indent="0" lvl="3" marL="0" rtl="0" algn="r">
+            <a:lvl4pPr marL="0" lvl="3" indent="0" algn="r" rtl="0">
               <a:spcBef>
                 <a:spcPts val="0"/>
               </a:spcBef>
               <a:buNone/>
               <a:defRPr/>
             </a:lvl4pPr>
-            <a:lvl5pPr indent="0" lvl="4" marL="0" rtl="0" algn="r">
+            <a:lvl5pPr marL="0" lvl="4" indent="0" algn="r" rtl="0">
               <a:spcBef>
                 <a:spcPts val="0"/>
               </a:spcBef>
               <a:buNone/>
               <a:defRPr/>
             </a:lvl5pPr>
-            <a:lvl6pPr indent="0" lvl="5" marL="0" rtl="0" algn="r">
+            <a:lvl6pPr marL="0" lvl="5" indent="0" algn="r" rtl="0">
               <a:spcBef>
                 <a:spcPts val="0"/>
               </a:spcBef>
               <a:buNone/>
               <a:defRPr/>
             </a:lvl6pPr>
-            <a:lvl7pPr indent="0" lvl="6" marL="0" rtl="0" algn="r">
+            <a:lvl7pPr marL="0" lvl="6" indent="0" algn="r" rtl="0">
               <a:spcBef>
                 <a:spcPts val="0"/>
               </a:spcBef>
               <a:buNone/>
               <a:defRPr/>
             </a:lvl7pPr>
-            <a:lvl8pPr indent="0" lvl="7" marL="0" rtl="0" algn="r">
+            <a:lvl8pPr marL="0" lvl="7" indent="0" algn="r" rtl="0">
               <a:spcBef>
                 <a:spcPts val="0"/>
               </a:spcBef>
               <a:buNone/>
               <a:defRPr/>
             </a:lvl8pPr>
-            <a:lvl9pPr indent="0" lvl="8" marL="0" rtl="0" algn="r">
+            <a:lvl9pPr marL="0" lvl="8" indent="0" algn="r" rtl="0">
               <a:spcBef>
                 <a:spcPts val="0"/>
               </a:spcBef>
@@ -3306,7 +3546,7 @@
             </a:lvl9pPr>
           </a:lstStyle>
           <a:p>
-            <a:pPr indent="0" lvl="0" marL="0" rtl="0" algn="r">
+            <a:pPr marL="0" lvl="0" indent="0" algn="r" rtl="0">
               <a:spcBef>
                 <a:spcPts val="0"/>
               </a:spcBef>
@@ -3332,11 +3572,11 @@
 </file>
 
 <file path=ppt/slideLayouts/slideLayout2.xml><?xml version="1.0" encoding="utf-8"?>
-<p:sldLayout xmlns:a="http://schemas.openxmlformats.org/drawingml/2006/main" xmlns:r="http://schemas.openxmlformats.org/officeDocument/2006/relationships" xmlns:mc="http://schemas.openxmlformats.org/markup-compatibility/2006" xmlns:mv="urn:schemas-microsoft-com:mac:vml" xmlns:p="http://schemas.openxmlformats.org/presentationml/2006/main" xmlns:c="http://schemas.openxmlformats.org/drawingml/2006/chart" xmlns:dgm="http://schemas.openxmlformats.org/drawingml/2006/diagram" xmlns:o="urn:schemas-microsoft-com:office:office" xmlns:v="urn:schemas-microsoft-com:vml" xmlns:pvml="urn:schemas-microsoft-com:office:powerpoint" xmlns:com="http://schemas.openxmlformats.org/drawingml/2006/compatibility" xmlns:p14="http://schemas.microsoft.com/office/powerpoint/2010/main" xmlns:p15="http://schemas.microsoft.com/office/powerpoint/2012/main" xmlns:ahyp="http://schemas.microsoft.com/office/drawing/2018/hyperlinkcolor" matchingName="Section header" type="secHead">
+<p:sldLayout xmlns:a="http://schemas.openxmlformats.org/drawingml/2006/main" xmlns:r="http://schemas.openxmlformats.org/officeDocument/2006/relationships" xmlns:p="http://schemas.openxmlformats.org/presentationml/2006/main" matchingName="Section header" type="secHead">
   <p:cSld name="SECTION_HEADER">
     <p:spTree>
       <p:nvGrpSpPr>
-        <p:cNvPr id="13" name="Shape 13"/>
+        <p:cNvPr id="1" name="Shape 13"/>
         <p:cNvGrpSpPr/>
         <p:nvPr/>
       </p:nvGrpSpPr>
@@ -3351,7 +3591,9 @@
       <p:sp>
         <p:nvSpPr>
           <p:cNvPr id="14" name="Google Shape;14;p3"/>
-          <p:cNvSpPr txBox="1"/>
+          <p:cNvSpPr txBox="1">
+            <a:spLocks noGrp="1"/>
+          </p:cNvSpPr>
           <p:nvPr>
             <p:ph type="title"/>
           </p:nvPr>
@@ -3366,7 +3608,7 @@
           </a:prstGeom>
         </p:spPr>
         <p:txBody>
-          <a:bodyPr anchorCtr="0" anchor="ctr" bIns="91425" lIns="91425" spcFirstLastPara="1" rIns="91425" wrap="square" tIns="91425">
+          <a:bodyPr spcFirstLastPara="1" wrap="square" lIns="91425" tIns="91425" rIns="91425" bIns="91425" anchor="ctr" anchorCtr="0">
             <a:normAutofit/>
           </a:bodyPr>
           <a:lstStyle>
@@ -3470,15 +3712,19 @@
               <a:defRPr sz="3600"/>
             </a:lvl9pPr>
           </a:lstStyle>
-          <a:p/>
+          <a:p>
+            <a:endParaRPr/>
+          </a:p>
         </p:txBody>
       </p:sp>
       <p:sp>
         <p:nvSpPr>
           <p:cNvPr id="15" name="Google Shape;15;p3"/>
-          <p:cNvSpPr txBox="1"/>
+          <p:cNvSpPr txBox="1">
+            <a:spLocks noGrp="1"/>
+          </p:cNvSpPr>
           <p:nvPr>
-            <p:ph idx="12" type="sldNum"/>
+            <p:ph type="sldNum" idx="12"/>
           </p:nvPr>
         </p:nvSpPr>
         <p:spPr>
@@ -3491,7 +3737,7 @@
           </a:prstGeom>
         </p:spPr>
         <p:txBody>
-          <a:bodyPr anchorCtr="0" anchor="ctr" bIns="91425" lIns="91425" spcFirstLastPara="1" rIns="91425" wrap="square" tIns="91425">
+          <a:bodyPr spcFirstLastPara="1" wrap="square" lIns="91425" tIns="91425" rIns="91425" bIns="91425" anchor="ctr" anchorCtr="0">
             <a:normAutofit/>
           </a:bodyPr>
           <a:lstStyle>
@@ -3533,7 +3779,7 @@
             </a:lvl9pPr>
           </a:lstStyle>
           <a:p>
-            <a:pPr indent="0" lvl="0" marL="0" rtl="0" algn="r">
+            <a:pPr marL="0" lvl="0" indent="0" algn="r" rtl="0">
               <a:spcBef>
                 <a:spcPts val="0"/>
               </a:spcBef>
@@ -3559,11 +3805,11 @@
 </file>
 
 <file path=ppt/slideLayouts/slideLayout3.xml><?xml version="1.0" encoding="utf-8"?>
-<p:sldLayout xmlns:a="http://schemas.openxmlformats.org/drawingml/2006/main" xmlns:r="http://schemas.openxmlformats.org/officeDocument/2006/relationships" xmlns:mc="http://schemas.openxmlformats.org/markup-compatibility/2006" xmlns:mv="urn:schemas-microsoft-com:mac:vml" xmlns:p="http://schemas.openxmlformats.org/presentationml/2006/main" xmlns:c="http://schemas.openxmlformats.org/drawingml/2006/chart" xmlns:dgm="http://schemas.openxmlformats.org/drawingml/2006/diagram" xmlns:o="urn:schemas-microsoft-com:office:office" xmlns:v="urn:schemas-microsoft-com:vml" xmlns:pvml="urn:schemas-microsoft-com:office:powerpoint" xmlns:com="http://schemas.openxmlformats.org/drawingml/2006/compatibility" xmlns:p14="http://schemas.microsoft.com/office/powerpoint/2010/main" xmlns:p15="http://schemas.microsoft.com/office/powerpoint/2012/main" xmlns:ahyp="http://schemas.microsoft.com/office/drawing/2018/hyperlinkcolor" matchingName="Title and body" type="tx">
+<p:sldLayout xmlns:a="http://schemas.openxmlformats.org/drawingml/2006/main" xmlns:r="http://schemas.openxmlformats.org/officeDocument/2006/relationships" xmlns:p="http://schemas.openxmlformats.org/presentationml/2006/main" matchingName="Title and body" type="tx">
   <p:cSld name="TITLE_AND_BODY">
     <p:spTree>
       <p:nvGrpSpPr>
-        <p:cNvPr id="16" name="Shape 16"/>
+        <p:cNvPr id="1" name="Shape 16"/>
         <p:cNvGrpSpPr/>
         <p:nvPr/>
       </p:nvGrpSpPr>
@@ -3578,7 +3824,9 @@
       <p:sp>
         <p:nvSpPr>
           <p:cNvPr id="17" name="Google Shape;17;p4"/>
-          <p:cNvSpPr txBox="1"/>
+          <p:cNvSpPr txBox="1">
+            <a:spLocks noGrp="1"/>
+          </p:cNvSpPr>
           <p:nvPr>
             <p:ph type="title"/>
           </p:nvPr>
@@ -3593,7 +3841,7 @@
           </a:prstGeom>
         </p:spPr>
         <p:txBody>
-          <a:bodyPr anchorCtr="0" anchor="t" bIns="91425" lIns="91425" spcFirstLastPara="1" rIns="91425" wrap="square" tIns="91425">
+          <a:bodyPr spcFirstLastPara="1" wrap="square" lIns="91425" tIns="91425" rIns="91425" bIns="91425" anchor="t" anchorCtr="0">
             <a:normAutofit/>
           </a:bodyPr>
           <a:lstStyle>
@@ -3697,15 +3945,19 @@
               <a:defRPr/>
             </a:lvl9pPr>
           </a:lstStyle>
-          <a:p/>
+          <a:p>
+            <a:endParaRPr/>
+          </a:p>
         </p:txBody>
       </p:sp>
       <p:sp>
         <p:nvSpPr>
           <p:cNvPr id="18" name="Google Shape;18;p4"/>
-          <p:cNvSpPr txBox="1"/>
+          <p:cNvSpPr txBox="1">
+            <a:spLocks noGrp="1"/>
+          </p:cNvSpPr>
           <p:nvPr>
-            <p:ph idx="1" type="body"/>
+            <p:ph type="body" idx="1"/>
           </p:nvPr>
         </p:nvSpPr>
         <p:spPr>
@@ -3718,11 +3970,11 @@
           </a:prstGeom>
         </p:spPr>
         <p:txBody>
-          <a:bodyPr anchorCtr="0" anchor="t" bIns="91425" lIns="91425" spcFirstLastPara="1" rIns="91425" wrap="square" tIns="91425">
+          <a:bodyPr spcFirstLastPara="1" wrap="square" lIns="91425" tIns="91425" rIns="91425" bIns="91425" anchor="t" anchorCtr="0">
             <a:normAutofit/>
           </a:bodyPr>
           <a:lstStyle>
-            <a:lvl1pPr indent="-342900" lvl="0" marL="457200">
+            <a:lvl1pPr marL="457200" lvl="0" indent="-342900">
               <a:spcBef>
                 <a:spcPts val="0"/>
               </a:spcBef>
@@ -3733,7 +3985,7 @@
               <a:buChar char="●"/>
               <a:defRPr/>
             </a:lvl1pPr>
-            <a:lvl2pPr indent="-317500" lvl="1" marL="914400">
+            <a:lvl2pPr marL="914400" lvl="1" indent="-317500">
               <a:spcBef>
                 <a:spcPts val="0"/>
               </a:spcBef>
@@ -3744,7 +3996,7 @@
               <a:buChar char="○"/>
               <a:defRPr/>
             </a:lvl2pPr>
-            <a:lvl3pPr indent="-317500" lvl="2" marL="1371600">
+            <a:lvl3pPr marL="1371600" lvl="2" indent="-317500">
               <a:spcBef>
                 <a:spcPts val="0"/>
               </a:spcBef>
@@ -3755,7 +4007,7 @@
               <a:buChar char="■"/>
               <a:defRPr/>
             </a:lvl3pPr>
-            <a:lvl4pPr indent="-317500" lvl="3" marL="1828800">
+            <a:lvl4pPr marL="1828800" lvl="3" indent="-317500">
               <a:spcBef>
                 <a:spcPts val="0"/>
               </a:spcBef>
@@ -3766,7 +4018,7 @@
               <a:buChar char="●"/>
               <a:defRPr/>
             </a:lvl4pPr>
-            <a:lvl5pPr indent="-317500" lvl="4" marL="2286000">
+            <a:lvl5pPr marL="2286000" lvl="4" indent="-317500">
               <a:spcBef>
                 <a:spcPts val="0"/>
               </a:spcBef>
@@ -3777,7 +4029,7 @@
               <a:buChar char="○"/>
               <a:defRPr/>
             </a:lvl5pPr>
-            <a:lvl6pPr indent="-317500" lvl="5" marL="2743200">
+            <a:lvl6pPr marL="2743200" lvl="5" indent="-317500">
               <a:spcBef>
                 <a:spcPts val="0"/>
               </a:spcBef>
@@ -3788,7 +4040,7 @@
               <a:buChar char="■"/>
               <a:defRPr/>
             </a:lvl6pPr>
-            <a:lvl7pPr indent="-317500" lvl="6" marL="3200400">
+            <a:lvl7pPr marL="3200400" lvl="6" indent="-317500">
               <a:spcBef>
                 <a:spcPts val="0"/>
               </a:spcBef>
@@ -3799,7 +4051,7 @@
               <a:buChar char="●"/>
               <a:defRPr/>
             </a:lvl7pPr>
-            <a:lvl8pPr indent="-317500" lvl="7" marL="3657600">
+            <a:lvl8pPr marL="3657600" lvl="7" indent="-317500">
               <a:spcBef>
                 <a:spcPts val="0"/>
               </a:spcBef>
@@ -3810,7 +4062,7 @@
               <a:buChar char="○"/>
               <a:defRPr/>
             </a:lvl8pPr>
-            <a:lvl9pPr indent="-317500" lvl="8" marL="4114800">
+            <a:lvl9pPr marL="4114800" lvl="8" indent="-317500">
               <a:spcBef>
                 <a:spcPts val="0"/>
               </a:spcBef>
@@ -3822,15 +4074,19 @@
               <a:defRPr/>
             </a:lvl9pPr>
           </a:lstStyle>
-          <a:p/>
+          <a:p>
+            <a:endParaRPr/>
+          </a:p>
         </p:txBody>
       </p:sp>
       <p:sp>
         <p:nvSpPr>
           <p:cNvPr id="19" name="Google Shape;19;p4"/>
-          <p:cNvSpPr txBox="1"/>
+          <p:cNvSpPr txBox="1">
+            <a:spLocks noGrp="1"/>
+          </p:cNvSpPr>
           <p:nvPr>
-            <p:ph idx="12" type="sldNum"/>
+            <p:ph type="sldNum" idx="12"/>
           </p:nvPr>
         </p:nvSpPr>
         <p:spPr>
@@ -3843,7 +4099,7 @@
           </a:prstGeom>
         </p:spPr>
         <p:txBody>
-          <a:bodyPr anchorCtr="0" anchor="ctr" bIns="91425" lIns="91425" spcFirstLastPara="1" rIns="91425" wrap="square" tIns="91425">
+          <a:bodyPr spcFirstLastPara="1" wrap="square" lIns="91425" tIns="91425" rIns="91425" bIns="91425" anchor="ctr" anchorCtr="0">
             <a:normAutofit/>
           </a:bodyPr>
           <a:lstStyle>
@@ -3885,7 +4141,7 @@
             </a:lvl9pPr>
           </a:lstStyle>
           <a:p>
-            <a:pPr indent="0" lvl="0" marL="0" rtl="0" algn="r">
+            <a:pPr marL="0" lvl="0" indent="0" algn="r" rtl="0">
               <a:spcBef>
                 <a:spcPts val="0"/>
               </a:spcBef>
@@ -3911,11 +4167,11 @@
 </file>
 
 <file path=ppt/slideLayouts/slideLayout4.xml><?xml version="1.0" encoding="utf-8"?>
-<p:sldLayout xmlns:a="http://schemas.openxmlformats.org/drawingml/2006/main" xmlns:r="http://schemas.openxmlformats.org/officeDocument/2006/relationships" xmlns:mc="http://schemas.openxmlformats.org/markup-compatibility/2006" xmlns:mv="urn:schemas-microsoft-com:mac:vml" xmlns:p="http://schemas.openxmlformats.org/presentationml/2006/main" xmlns:c="http://schemas.openxmlformats.org/drawingml/2006/chart" xmlns:dgm="http://schemas.openxmlformats.org/drawingml/2006/diagram" xmlns:o="urn:schemas-microsoft-com:office:office" xmlns:v="urn:schemas-microsoft-com:vml" xmlns:pvml="urn:schemas-microsoft-com:office:powerpoint" xmlns:com="http://schemas.openxmlformats.org/drawingml/2006/compatibility" xmlns:p14="http://schemas.microsoft.com/office/powerpoint/2010/main" xmlns:p15="http://schemas.microsoft.com/office/powerpoint/2012/main" xmlns:ahyp="http://schemas.microsoft.com/office/drawing/2018/hyperlinkcolor" matchingName="Title and two columns" type="twoColTx">
+<p:sldLayout xmlns:a="http://schemas.openxmlformats.org/drawingml/2006/main" xmlns:r="http://schemas.openxmlformats.org/officeDocument/2006/relationships" xmlns:p="http://schemas.openxmlformats.org/presentationml/2006/main" matchingName="Title and two columns" type="twoColTx">
   <p:cSld name="TITLE_AND_TWO_COLUMNS">
     <p:spTree>
       <p:nvGrpSpPr>
-        <p:cNvPr id="20" name="Shape 20"/>
+        <p:cNvPr id="1" name="Shape 20"/>
         <p:cNvGrpSpPr/>
         <p:nvPr/>
       </p:nvGrpSpPr>
@@ -3930,7 +4186,9 @@
       <p:sp>
         <p:nvSpPr>
           <p:cNvPr id="21" name="Google Shape;21;p5"/>
-          <p:cNvSpPr txBox="1"/>
+          <p:cNvSpPr txBox="1">
+            <a:spLocks noGrp="1"/>
+          </p:cNvSpPr>
           <p:nvPr>
             <p:ph type="title"/>
           </p:nvPr>
@@ -3945,7 +4203,7 @@
           </a:prstGeom>
         </p:spPr>
         <p:txBody>
-          <a:bodyPr anchorCtr="0" anchor="t" bIns="91425" lIns="91425" spcFirstLastPara="1" rIns="91425" wrap="square" tIns="91425">
+          <a:bodyPr spcFirstLastPara="1" wrap="square" lIns="91425" tIns="91425" rIns="91425" bIns="91425" anchor="t" anchorCtr="0">
             <a:normAutofit/>
           </a:bodyPr>
           <a:lstStyle>
@@ -4049,15 +4307,19 @@
               <a:defRPr/>
             </a:lvl9pPr>
           </a:lstStyle>
-          <a:p/>
+          <a:p>
+            <a:endParaRPr/>
+          </a:p>
         </p:txBody>
       </p:sp>
       <p:sp>
         <p:nvSpPr>
           <p:cNvPr id="22" name="Google Shape;22;p5"/>
-          <p:cNvSpPr txBox="1"/>
+          <p:cNvSpPr txBox="1">
+            <a:spLocks noGrp="1"/>
+          </p:cNvSpPr>
           <p:nvPr>
-            <p:ph idx="1" type="body"/>
+            <p:ph type="body" idx="1"/>
           </p:nvPr>
         </p:nvSpPr>
         <p:spPr>
@@ -4070,11 +4332,11 @@
           </a:prstGeom>
         </p:spPr>
         <p:txBody>
-          <a:bodyPr anchorCtr="0" anchor="t" bIns="91425" lIns="91425" spcFirstLastPara="1" rIns="91425" wrap="square" tIns="91425">
+          <a:bodyPr spcFirstLastPara="1" wrap="square" lIns="91425" tIns="91425" rIns="91425" bIns="91425" anchor="t" anchorCtr="0">
             <a:normAutofit/>
           </a:bodyPr>
           <a:lstStyle>
-            <a:lvl1pPr indent="-317500" lvl="0" marL="457200">
+            <a:lvl1pPr marL="457200" lvl="0" indent="-317500">
               <a:spcBef>
                 <a:spcPts val="0"/>
               </a:spcBef>
@@ -4085,7 +4347,7 @@
               <a:buChar char="●"/>
               <a:defRPr sz="1400"/>
             </a:lvl1pPr>
-            <a:lvl2pPr indent="-304800" lvl="1" marL="914400">
+            <a:lvl2pPr marL="914400" lvl="1" indent="-304800">
               <a:spcBef>
                 <a:spcPts val="0"/>
               </a:spcBef>
@@ -4096,7 +4358,7 @@
               <a:buChar char="○"/>
               <a:defRPr sz="1200"/>
             </a:lvl2pPr>
-            <a:lvl3pPr indent="-304800" lvl="2" marL="1371600">
+            <a:lvl3pPr marL="1371600" lvl="2" indent="-304800">
               <a:spcBef>
                 <a:spcPts val="0"/>
               </a:spcBef>
@@ -4107,7 +4369,7 @@
               <a:buChar char="■"/>
               <a:defRPr sz="1200"/>
             </a:lvl3pPr>
-            <a:lvl4pPr indent="-304800" lvl="3" marL="1828800">
+            <a:lvl4pPr marL="1828800" lvl="3" indent="-304800">
               <a:spcBef>
                 <a:spcPts val="0"/>
               </a:spcBef>
@@ -4118,7 +4380,7 @@
               <a:buChar char="●"/>
               <a:defRPr sz="1200"/>
             </a:lvl4pPr>
-            <a:lvl5pPr indent="-304800" lvl="4" marL="2286000">
+            <a:lvl5pPr marL="2286000" lvl="4" indent="-304800">
               <a:spcBef>
                 <a:spcPts val="0"/>
               </a:spcBef>
@@ -4129,7 +4391,7 @@
               <a:buChar char="○"/>
               <a:defRPr sz="1200"/>
             </a:lvl5pPr>
-            <a:lvl6pPr indent="-304800" lvl="5" marL="2743200">
+            <a:lvl6pPr marL="2743200" lvl="5" indent="-304800">
               <a:spcBef>
                 <a:spcPts val="0"/>
               </a:spcBef>
@@ -4140,7 +4402,7 @@
               <a:buChar char="■"/>
               <a:defRPr sz="1200"/>
             </a:lvl6pPr>
-            <a:lvl7pPr indent="-304800" lvl="6" marL="3200400">
+            <a:lvl7pPr marL="3200400" lvl="6" indent="-304800">
               <a:spcBef>
                 <a:spcPts val="0"/>
               </a:spcBef>
@@ -4151,7 +4413,7 @@
               <a:buChar char="●"/>
               <a:defRPr sz="1200"/>
             </a:lvl7pPr>
-            <a:lvl8pPr indent="-304800" lvl="7" marL="3657600">
+            <a:lvl8pPr marL="3657600" lvl="7" indent="-304800">
               <a:spcBef>
                 <a:spcPts val="0"/>
               </a:spcBef>
@@ -4162,7 +4424,7 @@
               <a:buChar char="○"/>
               <a:defRPr sz="1200"/>
             </a:lvl8pPr>
-            <a:lvl9pPr indent="-304800" lvl="8" marL="4114800">
+            <a:lvl9pPr marL="4114800" lvl="8" indent="-304800">
               <a:spcBef>
                 <a:spcPts val="0"/>
               </a:spcBef>
@@ -4174,15 +4436,19 @@
               <a:defRPr sz="1200"/>
             </a:lvl9pPr>
           </a:lstStyle>
-          <a:p/>
+          <a:p>
+            <a:endParaRPr/>
+          </a:p>
         </p:txBody>
       </p:sp>
       <p:sp>
         <p:nvSpPr>
           <p:cNvPr id="23" name="Google Shape;23;p5"/>
-          <p:cNvSpPr txBox="1"/>
+          <p:cNvSpPr txBox="1">
+            <a:spLocks noGrp="1"/>
+          </p:cNvSpPr>
           <p:nvPr>
-            <p:ph idx="2" type="body"/>
+            <p:ph type="body" idx="2"/>
           </p:nvPr>
         </p:nvSpPr>
         <p:spPr>
@@ -4195,11 +4461,11 @@
           </a:prstGeom>
         </p:spPr>
         <p:txBody>
-          <a:bodyPr anchorCtr="0" anchor="t" bIns="91425" lIns="91425" spcFirstLastPara="1" rIns="91425" wrap="square" tIns="91425">
+          <a:bodyPr spcFirstLastPara="1" wrap="square" lIns="91425" tIns="91425" rIns="91425" bIns="91425" anchor="t" anchorCtr="0">
             <a:normAutofit/>
           </a:bodyPr>
           <a:lstStyle>
-            <a:lvl1pPr indent="-317500" lvl="0" marL="457200">
+            <a:lvl1pPr marL="457200" lvl="0" indent="-317500">
               <a:spcBef>
                 <a:spcPts val="0"/>
               </a:spcBef>
@@ -4210,7 +4476,7 @@
               <a:buChar char="●"/>
               <a:defRPr sz="1400"/>
             </a:lvl1pPr>
-            <a:lvl2pPr indent="-304800" lvl="1" marL="914400">
+            <a:lvl2pPr marL="914400" lvl="1" indent="-304800">
               <a:spcBef>
                 <a:spcPts val="0"/>
               </a:spcBef>
@@ -4221,7 +4487,7 @@
               <a:buChar char="○"/>
               <a:defRPr sz="1200"/>
             </a:lvl2pPr>
-            <a:lvl3pPr indent="-304800" lvl="2" marL="1371600">
+            <a:lvl3pPr marL="1371600" lvl="2" indent="-304800">
               <a:spcBef>
                 <a:spcPts val="0"/>
               </a:spcBef>
@@ -4232,7 +4498,7 @@
               <a:buChar char="■"/>
               <a:defRPr sz="1200"/>
             </a:lvl3pPr>
-            <a:lvl4pPr indent="-304800" lvl="3" marL="1828800">
+            <a:lvl4pPr marL="1828800" lvl="3" indent="-304800">
               <a:spcBef>
                 <a:spcPts val="0"/>
               </a:spcBef>
@@ -4243,7 +4509,7 @@
               <a:buChar char="●"/>
               <a:defRPr sz="1200"/>
             </a:lvl4pPr>
-            <a:lvl5pPr indent="-304800" lvl="4" marL="2286000">
+            <a:lvl5pPr marL="2286000" lvl="4" indent="-304800">
               <a:spcBef>
                 <a:spcPts val="0"/>
               </a:spcBef>
@@ -4254,7 +4520,7 @@
               <a:buChar char="○"/>
               <a:defRPr sz="1200"/>
             </a:lvl5pPr>
-            <a:lvl6pPr indent="-304800" lvl="5" marL="2743200">
+            <a:lvl6pPr marL="2743200" lvl="5" indent="-304800">
               <a:spcBef>
                 <a:spcPts val="0"/>
               </a:spcBef>
@@ -4265,7 +4531,7 @@
               <a:buChar char="■"/>
               <a:defRPr sz="1200"/>
             </a:lvl6pPr>
-            <a:lvl7pPr indent="-304800" lvl="6" marL="3200400">
+            <a:lvl7pPr marL="3200400" lvl="6" indent="-304800">
               <a:spcBef>
                 <a:spcPts val="0"/>
               </a:spcBef>
@@ -4276,7 +4542,7 @@
               <a:buChar char="●"/>
               <a:defRPr sz="1200"/>
             </a:lvl7pPr>
-            <a:lvl8pPr indent="-304800" lvl="7" marL="3657600">
+            <a:lvl8pPr marL="3657600" lvl="7" indent="-304800">
               <a:spcBef>
                 <a:spcPts val="0"/>
               </a:spcBef>
@@ -4287,7 +4553,7 @@
               <a:buChar char="○"/>
               <a:defRPr sz="1200"/>
             </a:lvl8pPr>
-            <a:lvl9pPr indent="-304800" lvl="8" marL="4114800">
+            <a:lvl9pPr marL="4114800" lvl="8" indent="-304800">
               <a:spcBef>
                 <a:spcPts val="0"/>
               </a:spcBef>
@@ -4299,15 +4565,19 @@
               <a:defRPr sz="1200"/>
             </a:lvl9pPr>
           </a:lstStyle>
-          <a:p/>
+          <a:p>
+            <a:endParaRPr/>
+          </a:p>
         </p:txBody>
       </p:sp>
       <p:sp>
         <p:nvSpPr>
           <p:cNvPr id="24" name="Google Shape;24;p5"/>
-          <p:cNvSpPr txBox="1"/>
+          <p:cNvSpPr txBox="1">
+            <a:spLocks noGrp="1"/>
+          </p:cNvSpPr>
           <p:nvPr>
-            <p:ph idx="12" type="sldNum"/>
+            <p:ph type="sldNum" idx="12"/>
           </p:nvPr>
         </p:nvSpPr>
         <p:spPr>
@@ -4320,7 +4590,7 @@
           </a:prstGeom>
         </p:spPr>
         <p:txBody>
-          <a:bodyPr anchorCtr="0" anchor="ctr" bIns="91425" lIns="91425" spcFirstLastPara="1" rIns="91425" wrap="square" tIns="91425">
+          <a:bodyPr spcFirstLastPara="1" wrap="square" lIns="91425" tIns="91425" rIns="91425" bIns="91425" anchor="ctr" anchorCtr="0">
             <a:normAutofit/>
           </a:bodyPr>
           <a:lstStyle>
@@ -4362,7 +4632,7 @@
             </a:lvl9pPr>
           </a:lstStyle>
           <a:p>
-            <a:pPr indent="0" lvl="0" marL="0" rtl="0" algn="r">
+            <a:pPr marL="0" lvl="0" indent="0" algn="r" rtl="0">
               <a:spcBef>
                 <a:spcPts val="0"/>
               </a:spcBef>
@@ -4388,11 +4658,11 @@
 </file>
 
 <file path=ppt/slideLayouts/slideLayout5.xml><?xml version="1.0" encoding="utf-8"?>
-<p:sldLayout xmlns:a="http://schemas.openxmlformats.org/drawingml/2006/main" xmlns:r="http://schemas.openxmlformats.org/officeDocument/2006/relationships" xmlns:mc="http://schemas.openxmlformats.org/markup-compatibility/2006" xmlns:mv="urn:schemas-microsoft-com:mac:vml" xmlns:p="http://schemas.openxmlformats.org/presentationml/2006/main" xmlns:c="http://schemas.openxmlformats.org/drawingml/2006/chart" xmlns:dgm="http://schemas.openxmlformats.org/drawingml/2006/diagram" xmlns:o="urn:schemas-microsoft-com:office:office" xmlns:v="urn:schemas-microsoft-com:vml" xmlns:pvml="urn:schemas-microsoft-com:office:powerpoint" xmlns:com="http://schemas.openxmlformats.org/drawingml/2006/compatibility" xmlns:p14="http://schemas.microsoft.com/office/powerpoint/2010/main" xmlns:p15="http://schemas.microsoft.com/office/powerpoint/2012/main" xmlns:ahyp="http://schemas.microsoft.com/office/drawing/2018/hyperlinkcolor" matchingName="Title only" type="titleOnly">
+<p:sldLayout xmlns:a="http://schemas.openxmlformats.org/drawingml/2006/main" xmlns:r="http://schemas.openxmlformats.org/officeDocument/2006/relationships" xmlns:p="http://schemas.openxmlformats.org/presentationml/2006/main" matchingName="Title only" type="titleOnly">
   <p:cSld name="TITLE_ONLY">
     <p:spTree>
       <p:nvGrpSpPr>
-        <p:cNvPr id="25" name="Shape 25"/>
+        <p:cNvPr id="1" name="Shape 25"/>
         <p:cNvGrpSpPr/>
         <p:nvPr/>
       </p:nvGrpSpPr>
@@ -4407,7 +4677,9 @@
       <p:sp>
         <p:nvSpPr>
           <p:cNvPr id="26" name="Google Shape;26;p6"/>
-          <p:cNvSpPr txBox="1"/>
+          <p:cNvSpPr txBox="1">
+            <a:spLocks noGrp="1"/>
+          </p:cNvSpPr>
           <p:nvPr>
             <p:ph type="title"/>
           </p:nvPr>
@@ -4422,7 +4694,7 @@
           </a:prstGeom>
         </p:spPr>
         <p:txBody>
-          <a:bodyPr anchorCtr="0" anchor="t" bIns="91425" lIns="91425" spcFirstLastPara="1" rIns="91425" wrap="square" tIns="91425">
+          <a:bodyPr spcFirstLastPara="1" wrap="square" lIns="91425" tIns="91425" rIns="91425" bIns="91425" anchor="t" anchorCtr="0">
             <a:normAutofit/>
           </a:bodyPr>
           <a:lstStyle>
@@ -4526,15 +4798,19 @@
               <a:defRPr/>
             </a:lvl9pPr>
           </a:lstStyle>
-          <a:p/>
+          <a:p>
+            <a:endParaRPr/>
+          </a:p>
         </p:txBody>
       </p:sp>
       <p:sp>
         <p:nvSpPr>
           <p:cNvPr id="27" name="Google Shape;27;p6"/>
-          <p:cNvSpPr txBox="1"/>
+          <p:cNvSpPr txBox="1">
+            <a:spLocks noGrp="1"/>
+          </p:cNvSpPr>
           <p:nvPr>
-            <p:ph idx="12" type="sldNum"/>
+            <p:ph type="sldNum" idx="12"/>
           </p:nvPr>
         </p:nvSpPr>
         <p:spPr>
@@ -4547,7 +4823,7 @@
           </a:prstGeom>
         </p:spPr>
         <p:txBody>
-          <a:bodyPr anchorCtr="0" anchor="ctr" bIns="91425" lIns="91425" spcFirstLastPara="1" rIns="91425" wrap="square" tIns="91425">
+          <a:bodyPr spcFirstLastPara="1" wrap="square" lIns="91425" tIns="91425" rIns="91425" bIns="91425" anchor="ctr" anchorCtr="0">
             <a:normAutofit/>
           </a:bodyPr>
           <a:lstStyle>
@@ -4589,7 +4865,7 @@
             </a:lvl9pPr>
           </a:lstStyle>
           <a:p>
-            <a:pPr indent="0" lvl="0" marL="0" rtl="0" algn="r">
+            <a:pPr marL="0" lvl="0" indent="0" algn="r" rtl="0">
               <a:spcBef>
                 <a:spcPts val="0"/>
               </a:spcBef>
@@ -4615,11 +4891,11 @@
 </file>
 
 <file path=ppt/slideLayouts/slideLayout6.xml><?xml version="1.0" encoding="utf-8"?>
-<p:sldLayout xmlns:a="http://schemas.openxmlformats.org/drawingml/2006/main" xmlns:r="http://schemas.openxmlformats.org/officeDocument/2006/relationships" xmlns:mc="http://schemas.openxmlformats.org/markup-compatibility/2006" xmlns:mv="urn:schemas-microsoft-com:mac:vml" xmlns:p="http://schemas.openxmlformats.org/presentationml/2006/main" xmlns:c="http://schemas.openxmlformats.org/drawingml/2006/chart" xmlns:dgm="http://schemas.openxmlformats.org/drawingml/2006/diagram" xmlns:o="urn:schemas-microsoft-com:office:office" xmlns:v="urn:schemas-microsoft-com:vml" xmlns:pvml="urn:schemas-microsoft-com:office:powerpoint" xmlns:com="http://schemas.openxmlformats.org/drawingml/2006/compatibility" xmlns:p14="http://schemas.microsoft.com/office/powerpoint/2010/main" xmlns:p15="http://schemas.microsoft.com/office/powerpoint/2012/main" xmlns:ahyp="http://schemas.microsoft.com/office/drawing/2018/hyperlinkcolor" matchingName="One column text">
+<p:sldLayout xmlns:a="http://schemas.openxmlformats.org/drawingml/2006/main" xmlns:r="http://schemas.openxmlformats.org/officeDocument/2006/relationships" xmlns:p="http://schemas.openxmlformats.org/presentationml/2006/main" matchingName="One column text">
   <p:cSld name="ONE_COLUMN_TEXT">
     <p:spTree>
       <p:nvGrpSpPr>
-        <p:cNvPr id="28" name="Shape 28"/>
+        <p:cNvPr id="1" name="Shape 28"/>
         <p:cNvGrpSpPr/>
         <p:nvPr/>
       </p:nvGrpSpPr>
@@ -4634,7 +4910,9 @@
       <p:sp>
         <p:nvSpPr>
           <p:cNvPr id="29" name="Google Shape;29;p7"/>
-          <p:cNvSpPr txBox="1"/>
+          <p:cNvSpPr txBox="1">
+            <a:spLocks noGrp="1"/>
+          </p:cNvSpPr>
           <p:nvPr>
             <p:ph type="title"/>
           </p:nvPr>
@@ -4649,7 +4927,7 @@
           </a:prstGeom>
         </p:spPr>
         <p:txBody>
-          <a:bodyPr anchorCtr="0" anchor="b" bIns="91425" lIns="91425" spcFirstLastPara="1" rIns="91425" wrap="square" tIns="91425">
+          <a:bodyPr spcFirstLastPara="1" wrap="square" lIns="91425" tIns="91425" rIns="91425" bIns="91425" anchor="b" anchorCtr="0">
             <a:normAutofit/>
           </a:bodyPr>
           <a:lstStyle>
@@ -4753,15 +5031,19 @@
               <a:defRPr sz="2400"/>
             </a:lvl9pPr>
           </a:lstStyle>
-          <a:p/>
+          <a:p>
+            <a:endParaRPr/>
+          </a:p>
         </p:txBody>
       </p:sp>
       <p:sp>
         <p:nvSpPr>
           <p:cNvPr id="30" name="Google Shape;30;p7"/>
-          <p:cNvSpPr txBox="1"/>
+          <p:cNvSpPr txBox="1">
+            <a:spLocks noGrp="1"/>
+          </p:cNvSpPr>
           <p:nvPr>
-            <p:ph idx="1" type="body"/>
+            <p:ph type="body" idx="1"/>
           </p:nvPr>
         </p:nvSpPr>
         <p:spPr>
@@ -4774,11 +5056,11 @@
           </a:prstGeom>
         </p:spPr>
         <p:txBody>
-          <a:bodyPr anchorCtr="0" anchor="t" bIns="91425" lIns="91425" spcFirstLastPara="1" rIns="91425" wrap="square" tIns="91425">
+          <a:bodyPr spcFirstLastPara="1" wrap="square" lIns="91425" tIns="91425" rIns="91425" bIns="91425" anchor="t" anchorCtr="0">
             <a:normAutofit/>
           </a:bodyPr>
           <a:lstStyle>
-            <a:lvl1pPr indent="-304800" lvl="0" marL="457200">
+            <a:lvl1pPr marL="457200" lvl="0" indent="-304800">
               <a:spcBef>
                 <a:spcPts val="0"/>
               </a:spcBef>
@@ -4789,7 +5071,7 @@
               <a:buChar char="●"/>
               <a:defRPr sz="1200"/>
             </a:lvl1pPr>
-            <a:lvl2pPr indent="-304800" lvl="1" marL="914400">
+            <a:lvl2pPr marL="914400" lvl="1" indent="-304800">
               <a:spcBef>
                 <a:spcPts val="0"/>
               </a:spcBef>
@@ -4800,7 +5082,7 @@
               <a:buChar char="○"/>
               <a:defRPr sz="1200"/>
             </a:lvl2pPr>
-            <a:lvl3pPr indent="-304800" lvl="2" marL="1371600">
+            <a:lvl3pPr marL="1371600" lvl="2" indent="-304800">
               <a:spcBef>
                 <a:spcPts val="0"/>
               </a:spcBef>
@@ -4811,7 +5093,7 @@
               <a:buChar char="■"/>
               <a:defRPr sz="1200"/>
             </a:lvl3pPr>
-            <a:lvl4pPr indent="-304800" lvl="3" marL="1828800">
+            <a:lvl4pPr marL="1828800" lvl="3" indent="-304800">
               <a:spcBef>
                 <a:spcPts val="0"/>
               </a:spcBef>
@@ -4822,7 +5104,7 @@
               <a:buChar char="●"/>
               <a:defRPr sz="1200"/>
             </a:lvl4pPr>
-            <a:lvl5pPr indent="-304800" lvl="4" marL="2286000">
+            <a:lvl5pPr marL="2286000" lvl="4" indent="-304800">
               <a:spcBef>
                 <a:spcPts val="0"/>
               </a:spcBef>
@@ -4833,7 +5115,7 @@
               <a:buChar char="○"/>
               <a:defRPr sz="1200"/>
             </a:lvl5pPr>
-            <a:lvl6pPr indent="-304800" lvl="5" marL="2743200">
+            <a:lvl6pPr marL="2743200" lvl="5" indent="-304800">
               <a:spcBef>
                 <a:spcPts val="0"/>
               </a:spcBef>
@@ -4844,7 +5126,7 @@
               <a:buChar char="■"/>
               <a:defRPr sz="1200"/>
             </a:lvl6pPr>
-            <a:lvl7pPr indent="-304800" lvl="6" marL="3200400">
+            <a:lvl7pPr marL="3200400" lvl="6" indent="-304800">
               <a:spcBef>
                 <a:spcPts val="0"/>
               </a:spcBef>
@@ -4855,7 +5137,7 @@
               <a:buChar char="●"/>
               <a:defRPr sz="1200"/>
             </a:lvl7pPr>
-            <a:lvl8pPr indent="-304800" lvl="7" marL="3657600">
+            <a:lvl8pPr marL="3657600" lvl="7" indent="-304800">
               <a:spcBef>
                 <a:spcPts val="0"/>
               </a:spcBef>
@@ -4866,7 +5148,7 @@
               <a:buChar char="○"/>
               <a:defRPr sz="1200"/>
             </a:lvl8pPr>
-            <a:lvl9pPr indent="-304800" lvl="8" marL="4114800">
+            <a:lvl9pPr marL="4114800" lvl="8" indent="-304800">
               <a:spcBef>
                 <a:spcPts val="0"/>
               </a:spcBef>
@@ -4878,15 +5160,19 @@
               <a:defRPr sz="1200"/>
             </a:lvl9pPr>
           </a:lstStyle>
-          <a:p/>
+          <a:p>
+            <a:endParaRPr/>
+          </a:p>
         </p:txBody>
       </p:sp>
       <p:sp>
         <p:nvSpPr>
           <p:cNvPr id="31" name="Google Shape;31;p7"/>
-          <p:cNvSpPr txBox="1"/>
+          <p:cNvSpPr txBox="1">
+            <a:spLocks noGrp="1"/>
+          </p:cNvSpPr>
           <p:nvPr>
-            <p:ph idx="12" type="sldNum"/>
+            <p:ph type="sldNum" idx="12"/>
           </p:nvPr>
         </p:nvSpPr>
         <p:spPr>
@@ -4899,7 +5185,7 @@
           </a:prstGeom>
         </p:spPr>
         <p:txBody>
-          <a:bodyPr anchorCtr="0" anchor="ctr" bIns="91425" lIns="91425" spcFirstLastPara="1" rIns="91425" wrap="square" tIns="91425">
+          <a:bodyPr spcFirstLastPara="1" wrap="square" lIns="91425" tIns="91425" rIns="91425" bIns="91425" anchor="ctr" anchorCtr="0">
             <a:normAutofit/>
           </a:bodyPr>
           <a:lstStyle>
@@ -4941,7 +5227,7 @@
             </a:lvl9pPr>
           </a:lstStyle>
           <a:p>
-            <a:pPr indent="0" lvl="0" marL="0" rtl="0" algn="r">
+            <a:pPr marL="0" lvl="0" indent="0" algn="r" rtl="0">
               <a:spcBef>
                 <a:spcPts val="0"/>
               </a:spcBef>
@@ -4967,11 +5253,11 @@
 </file>
 
 <file path=ppt/slideLayouts/slideLayout7.xml><?xml version="1.0" encoding="utf-8"?>
-<p:sldLayout xmlns:a="http://schemas.openxmlformats.org/drawingml/2006/main" xmlns:r="http://schemas.openxmlformats.org/officeDocument/2006/relationships" xmlns:mc="http://schemas.openxmlformats.org/markup-compatibility/2006" xmlns:mv="urn:schemas-microsoft-com:mac:vml" xmlns:p="http://schemas.openxmlformats.org/presentationml/2006/main" xmlns:c="http://schemas.openxmlformats.org/drawingml/2006/chart" xmlns:dgm="http://schemas.openxmlformats.org/drawingml/2006/diagram" xmlns:o="urn:schemas-microsoft-com:office:office" xmlns:v="urn:schemas-microsoft-com:vml" xmlns:pvml="urn:schemas-microsoft-com:office:powerpoint" xmlns:com="http://schemas.openxmlformats.org/drawingml/2006/compatibility" xmlns:p14="http://schemas.microsoft.com/office/powerpoint/2010/main" xmlns:p15="http://schemas.microsoft.com/office/powerpoint/2012/main" xmlns:ahyp="http://schemas.microsoft.com/office/drawing/2018/hyperlinkcolor" matchingName="Main point">
+<p:sldLayout xmlns:a="http://schemas.openxmlformats.org/drawingml/2006/main" xmlns:r="http://schemas.openxmlformats.org/officeDocument/2006/relationships" xmlns:p="http://schemas.openxmlformats.org/presentationml/2006/main" matchingName="Main point">
   <p:cSld name="MAIN_POINT">
     <p:spTree>
       <p:nvGrpSpPr>
-        <p:cNvPr id="32" name="Shape 32"/>
+        <p:cNvPr id="1" name="Shape 32"/>
         <p:cNvGrpSpPr/>
         <p:nvPr/>
       </p:nvGrpSpPr>
@@ -4986,7 +5272,9 @@
       <p:sp>
         <p:nvSpPr>
           <p:cNvPr id="33" name="Google Shape;33;p8"/>
-          <p:cNvSpPr txBox="1"/>
+          <p:cNvSpPr txBox="1">
+            <a:spLocks noGrp="1"/>
+          </p:cNvSpPr>
           <p:nvPr>
             <p:ph type="title"/>
           </p:nvPr>
@@ -5001,7 +5289,7 @@
           </a:prstGeom>
         </p:spPr>
         <p:txBody>
-          <a:bodyPr anchorCtr="0" anchor="ctr" bIns="91425" lIns="91425" spcFirstLastPara="1" rIns="91425" wrap="square" tIns="91425">
+          <a:bodyPr spcFirstLastPara="1" wrap="square" lIns="91425" tIns="91425" rIns="91425" bIns="91425" anchor="ctr" anchorCtr="0">
             <a:normAutofit/>
           </a:bodyPr>
           <a:lstStyle>
@@ -5105,15 +5393,19 @@
               <a:defRPr sz="4800"/>
             </a:lvl9pPr>
           </a:lstStyle>
-          <a:p/>
+          <a:p>
+            <a:endParaRPr/>
+          </a:p>
         </p:txBody>
       </p:sp>
       <p:sp>
         <p:nvSpPr>
           <p:cNvPr id="34" name="Google Shape;34;p8"/>
-          <p:cNvSpPr txBox="1"/>
+          <p:cNvSpPr txBox="1">
+            <a:spLocks noGrp="1"/>
+          </p:cNvSpPr>
           <p:nvPr>
-            <p:ph idx="12" type="sldNum"/>
+            <p:ph type="sldNum" idx="12"/>
           </p:nvPr>
         </p:nvSpPr>
         <p:spPr>
@@ -5126,7 +5418,7 @@
           </a:prstGeom>
         </p:spPr>
         <p:txBody>
-          <a:bodyPr anchorCtr="0" anchor="ctr" bIns="91425" lIns="91425" spcFirstLastPara="1" rIns="91425" wrap="square" tIns="91425">
+          <a:bodyPr spcFirstLastPara="1" wrap="square" lIns="91425" tIns="91425" rIns="91425" bIns="91425" anchor="ctr" anchorCtr="0">
             <a:normAutofit/>
           </a:bodyPr>
           <a:lstStyle>
@@ -5168,7 +5460,7 @@
             </a:lvl9pPr>
           </a:lstStyle>
           <a:p>
-            <a:pPr indent="0" lvl="0" marL="0" rtl="0" algn="r">
+            <a:pPr marL="0" lvl="0" indent="0" algn="r" rtl="0">
               <a:spcBef>
                 <a:spcPts val="0"/>
               </a:spcBef>
@@ -5194,11 +5486,11 @@
 </file>
 
 <file path=ppt/slideLayouts/slideLayout8.xml><?xml version="1.0" encoding="utf-8"?>
-<p:sldLayout xmlns:a="http://schemas.openxmlformats.org/drawingml/2006/main" xmlns:r="http://schemas.openxmlformats.org/officeDocument/2006/relationships" xmlns:mc="http://schemas.openxmlformats.org/markup-compatibility/2006" xmlns:mv="urn:schemas-microsoft-com:mac:vml" xmlns:p="http://schemas.openxmlformats.org/presentationml/2006/main" xmlns:c="http://schemas.openxmlformats.org/drawingml/2006/chart" xmlns:dgm="http://schemas.openxmlformats.org/drawingml/2006/diagram" xmlns:o="urn:schemas-microsoft-com:office:office" xmlns:v="urn:schemas-microsoft-com:vml" xmlns:pvml="urn:schemas-microsoft-com:office:powerpoint" xmlns:com="http://schemas.openxmlformats.org/drawingml/2006/compatibility" xmlns:p14="http://schemas.microsoft.com/office/powerpoint/2010/main" xmlns:p15="http://schemas.microsoft.com/office/powerpoint/2012/main" xmlns:ahyp="http://schemas.microsoft.com/office/drawing/2018/hyperlinkcolor" matchingName="Section title and description">
+<p:sldLayout xmlns:a="http://schemas.openxmlformats.org/drawingml/2006/main" xmlns:r="http://schemas.openxmlformats.org/officeDocument/2006/relationships" xmlns:p="http://schemas.openxmlformats.org/presentationml/2006/main" matchingName="Section title and description">
   <p:cSld name="SECTION_TITLE_AND_DESCRIPTION">
     <p:spTree>
       <p:nvGrpSpPr>
-        <p:cNvPr id="35" name="Shape 35"/>
+        <p:cNvPr id="1" name="Shape 35"/>
         <p:cNvGrpSpPr/>
         <p:nvPr/>
       </p:nvGrpSpPr>
@@ -5232,12 +5524,12 @@
           </a:ln>
         </p:spPr>
         <p:txBody>
-          <a:bodyPr anchorCtr="0" anchor="ctr" bIns="91425" lIns="91425" spcFirstLastPara="1" rIns="91425" wrap="square" tIns="91425">
+          <a:bodyPr spcFirstLastPara="1" wrap="square" lIns="91425" tIns="91425" rIns="91425" bIns="91425" anchor="ctr" anchorCtr="0">
             <a:noAutofit/>
           </a:bodyPr>
           <a:lstStyle/>
           <a:p>
-            <a:pPr indent="0" lvl="0" marL="0" rtl="0" algn="l">
+            <a:pPr marL="0" lvl="0" indent="0" algn="l" rtl="0">
               <a:spcBef>
                 <a:spcPts val="0"/>
               </a:spcBef>
@@ -5246,9 +5538,6 @@
               </a:spcAft>
               <a:buNone/>
             </a:pPr>
-            <a:r>
-              <a:t/>
-            </a:r>
             <a:endParaRPr/>
           </a:p>
         </p:txBody>
@@ -5256,7 +5545,9 @@
       <p:sp>
         <p:nvSpPr>
           <p:cNvPr id="37" name="Google Shape;37;p9"/>
-          <p:cNvSpPr txBox="1"/>
+          <p:cNvSpPr txBox="1">
+            <a:spLocks noGrp="1"/>
+          </p:cNvSpPr>
           <p:nvPr>
             <p:ph type="title"/>
           </p:nvPr>
@@ -5271,7 +5562,7 @@
           </a:prstGeom>
         </p:spPr>
         <p:txBody>
-          <a:bodyPr anchorCtr="0" anchor="b" bIns="91425" lIns="91425" spcFirstLastPara="1" rIns="91425" wrap="square" tIns="91425">
+          <a:bodyPr spcFirstLastPara="1" wrap="square" lIns="91425" tIns="91425" rIns="91425" bIns="91425" anchor="b" anchorCtr="0">
             <a:normAutofit/>
           </a:bodyPr>
           <a:lstStyle>
@@ -5375,15 +5666,19 @@
               <a:defRPr sz="4200"/>
             </a:lvl9pPr>
           </a:lstStyle>
-          <a:p/>
+          <a:p>
+            <a:endParaRPr/>
+          </a:p>
         </p:txBody>
       </p:sp>
       <p:sp>
         <p:nvSpPr>
           <p:cNvPr id="38" name="Google Shape;38;p9"/>
-          <p:cNvSpPr txBox="1"/>
+          <p:cNvSpPr txBox="1">
+            <a:spLocks noGrp="1"/>
+          </p:cNvSpPr>
           <p:nvPr>
-            <p:ph idx="1" type="subTitle"/>
+            <p:ph type="subTitle" idx="1"/>
           </p:nvPr>
         </p:nvSpPr>
         <p:spPr>
@@ -5396,7 +5691,7 @@
           </a:prstGeom>
         </p:spPr>
         <p:txBody>
-          <a:bodyPr anchorCtr="0" anchor="t" bIns="91425" lIns="91425" spcFirstLastPara="1" rIns="91425" wrap="square" tIns="91425">
+          <a:bodyPr spcFirstLastPara="1" wrap="square" lIns="91425" tIns="91425" rIns="91425" bIns="91425" anchor="t" anchorCtr="0">
             <a:normAutofit/>
           </a:bodyPr>
           <a:lstStyle>
@@ -5527,15 +5822,19 @@
               <a:defRPr sz="2100"/>
             </a:lvl9pPr>
           </a:lstStyle>
-          <a:p/>
+          <a:p>
+            <a:endParaRPr/>
+          </a:p>
         </p:txBody>
       </p:sp>
       <p:sp>
         <p:nvSpPr>
           <p:cNvPr id="39" name="Google Shape;39;p9"/>
-          <p:cNvSpPr txBox="1"/>
+          <p:cNvSpPr txBox="1">
+            <a:spLocks noGrp="1"/>
+          </p:cNvSpPr>
           <p:nvPr>
-            <p:ph idx="2" type="body"/>
+            <p:ph type="body" idx="2"/>
           </p:nvPr>
         </p:nvSpPr>
         <p:spPr>
@@ -5548,11 +5847,11 @@
           </a:prstGeom>
         </p:spPr>
         <p:txBody>
-          <a:bodyPr anchorCtr="0" anchor="ctr" bIns="91425" lIns="91425" spcFirstLastPara="1" rIns="91425" wrap="square" tIns="91425">
+          <a:bodyPr spcFirstLastPara="1" wrap="square" lIns="91425" tIns="91425" rIns="91425" bIns="91425" anchor="ctr" anchorCtr="0">
             <a:normAutofit/>
           </a:bodyPr>
           <a:lstStyle>
-            <a:lvl1pPr indent="-342900" lvl="0" marL="457200">
+            <a:lvl1pPr marL="457200" lvl="0" indent="-342900">
               <a:spcBef>
                 <a:spcPts val="0"/>
               </a:spcBef>
@@ -5563,7 +5862,7 @@
               <a:buChar char="●"/>
               <a:defRPr/>
             </a:lvl1pPr>
-            <a:lvl2pPr indent="-317500" lvl="1" marL="914400">
+            <a:lvl2pPr marL="914400" lvl="1" indent="-317500">
               <a:spcBef>
                 <a:spcPts val="0"/>
               </a:spcBef>
@@ -5574,7 +5873,7 @@
               <a:buChar char="○"/>
               <a:defRPr/>
             </a:lvl2pPr>
-            <a:lvl3pPr indent="-317500" lvl="2" marL="1371600">
+            <a:lvl3pPr marL="1371600" lvl="2" indent="-317500">
               <a:spcBef>
                 <a:spcPts val="0"/>
               </a:spcBef>
@@ -5585,7 +5884,7 @@
               <a:buChar char="■"/>
               <a:defRPr/>
             </a:lvl3pPr>
-            <a:lvl4pPr indent="-317500" lvl="3" marL="1828800">
+            <a:lvl4pPr marL="1828800" lvl="3" indent="-317500">
               <a:spcBef>
                 <a:spcPts val="0"/>
               </a:spcBef>
@@ -5596,7 +5895,7 @@
               <a:buChar char="●"/>
               <a:defRPr/>
             </a:lvl4pPr>
-            <a:lvl5pPr indent="-317500" lvl="4" marL="2286000">
+            <a:lvl5pPr marL="2286000" lvl="4" indent="-317500">
               <a:spcBef>
                 <a:spcPts val="0"/>
               </a:spcBef>
@@ -5607,7 +5906,7 @@
               <a:buChar char="○"/>
               <a:defRPr/>
             </a:lvl5pPr>
-            <a:lvl6pPr indent="-317500" lvl="5" marL="2743200">
+            <a:lvl6pPr marL="2743200" lvl="5" indent="-317500">
               <a:spcBef>
                 <a:spcPts val="0"/>
               </a:spcBef>
@@ -5618,7 +5917,7 @@
               <a:buChar char="■"/>
               <a:defRPr/>
             </a:lvl6pPr>
-            <a:lvl7pPr indent="-317500" lvl="6" marL="3200400">
+            <a:lvl7pPr marL="3200400" lvl="6" indent="-317500">
               <a:spcBef>
                 <a:spcPts val="0"/>
               </a:spcBef>
@@ -5629,7 +5928,7 @@
               <a:buChar char="●"/>
               <a:defRPr/>
             </a:lvl7pPr>
-            <a:lvl8pPr indent="-317500" lvl="7" marL="3657600">
+            <a:lvl8pPr marL="3657600" lvl="7" indent="-317500">
               <a:spcBef>
                 <a:spcPts val="0"/>
               </a:spcBef>
@@ -5640,7 +5939,7 @@
               <a:buChar char="○"/>
               <a:defRPr/>
             </a:lvl8pPr>
-            <a:lvl9pPr indent="-317500" lvl="8" marL="4114800">
+            <a:lvl9pPr marL="4114800" lvl="8" indent="-317500">
               <a:spcBef>
                 <a:spcPts val="0"/>
               </a:spcBef>
@@ -5652,15 +5951,19 @@
               <a:defRPr/>
             </a:lvl9pPr>
           </a:lstStyle>
-          <a:p/>
+          <a:p>
+            <a:endParaRPr/>
+          </a:p>
         </p:txBody>
       </p:sp>
       <p:sp>
         <p:nvSpPr>
           <p:cNvPr id="40" name="Google Shape;40;p9"/>
-          <p:cNvSpPr txBox="1"/>
+          <p:cNvSpPr txBox="1">
+            <a:spLocks noGrp="1"/>
+          </p:cNvSpPr>
           <p:nvPr>
-            <p:ph idx="12" type="sldNum"/>
+            <p:ph type="sldNum" idx="12"/>
           </p:nvPr>
         </p:nvSpPr>
         <p:spPr>
@@ -5673,7 +5976,7 @@
           </a:prstGeom>
         </p:spPr>
         <p:txBody>
-          <a:bodyPr anchorCtr="0" anchor="ctr" bIns="91425" lIns="91425" spcFirstLastPara="1" rIns="91425" wrap="square" tIns="91425">
+          <a:bodyPr spcFirstLastPara="1" wrap="square" lIns="91425" tIns="91425" rIns="91425" bIns="91425" anchor="ctr" anchorCtr="0">
             <a:normAutofit/>
           </a:bodyPr>
           <a:lstStyle>
@@ -5715,7 +6018,7 @@
             </a:lvl9pPr>
           </a:lstStyle>
           <a:p>
-            <a:pPr indent="0" lvl="0" marL="0" rtl="0" algn="r">
+            <a:pPr marL="0" lvl="0" indent="0" algn="r" rtl="0">
               <a:spcBef>
                 <a:spcPts val="0"/>
               </a:spcBef>
@@ -5741,11 +6044,11 @@
 </file>
 
 <file path=ppt/slideLayouts/slideLayout9.xml><?xml version="1.0" encoding="utf-8"?>
-<p:sldLayout xmlns:a="http://schemas.openxmlformats.org/drawingml/2006/main" xmlns:r="http://schemas.openxmlformats.org/officeDocument/2006/relationships" xmlns:mc="http://schemas.openxmlformats.org/markup-compatibility/2006" xmlns:mv="urn:schemas-microsoft-com:mac:vml" xmlns:p="http://schemas.openxmlformats.org/presentationml/2006/main" xmlns:c="http://schemas.openxmlformats.org/drawingml/2006/chart" xmlns:dgm="http://schemas.openxmlformats.org/drawingml/2006/diagram" xmlns:o="urn:schemas-microsoft-com:office:office" xmlns:v="urn:schemas-microsoft-com:vml" xmlns:pvml="urn:schemas-microsoft-com:office:powerpoint" xmlns:com="http://schemas.openxmlformats.org/drawingml/2006/compatibility" xmlns:p14="http://schemas.microsoft.com/office/powerpoint/2010/main" xmlns:p15="http://schemas.microsoft.com/office/powerpoint/2012/main" xmlns:ahyp="http://schemas.microsoft.com/office/drawing/2018/hyperlinkcolor" matchingName="Caption">
+<p:sldLayout xmlns:a="http://schemas.openxmlformats.org/drawingml/2006/main" xmlns:r="http://schemas.openxmlformats.org/officeDocument/2006/relationships" xmlns:p="http://schemas.openxmlformats.org/presentationml/2006/main" matchingName="Caption">
   <p:cSld name="CAPTION_ONLY">
     <p:spTree>
       <p:nvGrpSpPr>
-        <p:cNvPr id="41" name="Shape 41"/>
+        <p:cNvPr id="1" name="Shape 41"/>
         <p:cNvGrpSpPr/>
         <p:nvPr/>
       </p:nvGrpSpPr>
@@ -5760,9 +6063,11 @@
       <p:sp>
         <p:nvSpPr>
           <p:cNvPr id="42" name="Google Shape;42;p10"/>
-          <p:cNvSpPr txBox="1"/>
+          <p:cNvSpPr txBox="1">
+            <a:spLocks noGrp="1"/>
+          </p:cNvSpPr>
           <p:nvPr>
-            <p:ph idx="1" type="body"/>
+            <p:ph type="body" idx="1"/>
           </p:nvPr>
         </p:nvSpPr>
         <p:spPr>
@@ -5775,11 +6080,11 @@
           </a:prstGeom>
         </p:spPr>
         <p:txBody>
-          <a:bodyPr anchorCtr="0" anchor="ctr" bIns="91425" lIns="91425" spcFirstLastPara="1" rIns="91425" wrap="square" tIns="91425">
+          <a:bodyPr spcFirstLastPara="1" wrap="square" lIns="91425" tIns="91425" rIns="91425" bIns="91425" anchor="ctr" anchorCtr="0">
             <a:normAutofit/>
           </a:bodyPr>
           <a:lstStyle>
-            <a:lvl1pPr indent="-228600" lvl="0" marL="457200">
+            <a:lvl1pPr marL="457200" lvl="0" indent="-228600">
               <a:lnSpc>
                 <a:spcPct val="100000"/>
               </a:lnSpc>
@@ -5794,15 +6099,19 @@
               <a:defRPr/>
             </a:lvl1pPr>
           </a:lstStyle>
-          <a:p/>
+          <a:p>
+            <a:endParaRPr/>
+          </a:p>
         </p:txBody>
       </p:sp>
       <p:sp>
         <p:nvSpPr>
           <p:cNvPr id="43" name="Google Shape;43;p10"/>
-          <p:cNvSpPr txBox="1"/>
+          <p:cNvSpPr txBox="1">
+            <a:spLocks noGrp="1"/>
+          </p:cNvSpPr>
           <p:nvPr>
-            <p:ph idx="12" type="sldNum"/>
+            <p:ph type="sldNum" idx="12"/>
           </p:nvPr>
         </p:nvSpPr>
         <p:spPr>
@@ -5815,7 +6124,7 @@
           </a:prstGeom>
         </p:spPr>
         <p:txBody>
-          <a:bodyPr anchorCtr="0" anchor="ctr" bIns="91425" lIns="91425" spcFirstLastPara="1" rIns="91425" wrap="square" tIns="91425">
+          <a:bodyPr spcFirstLastPara="1" wrap="square" lIns="91425" tIns="91425" rIns="91425" bIns="91425" anchor="ctr" anchorCtr="0">
             <a:normAutofit/>
           </a:bodyPr>
           <a:lstStyle>
@@ -5857,7 +6166,7 @@
             </a:lvl9pPr>
           </a:lstStyle>
           <a:p>
-            <a:pPr indent="0" lvl="0" marL="0" rtl="0" algn="r">
+            <a:pPr marL="0" lvl="0" indent="0" algn="r" rtl="0">
               <a:spcBef>
                 <a:spcPts val="0"/>
               </a:spcBef>
@@ -5883,18 +6192,19 @@
 </file>
 
 <file path=ppt/slideMasters/slideMaster1.xml><?xml version="1.0" encoding="utf-8"?>
-<p:sldMaster xmlns:a="http://schemas.openxmlformats.org/drawingml/2006/main" xmlns:r="http://schemas.openxmlformats.org/officeDocument/2006/relationships" xmlns:mc="http://schemas.openxmlformats.org/markup-compatibility/2006" xmlns:mv="urn:schemas-microsoft-com:mac:vml" xmlns:p="http://schemas.openxmlformats.org/presentationml/2006/main" xmlns:c="http://schemas.openxmlformats.org/drawingml/2006/chart" xmlns:dgm="http://schemas.openxmlformats.org/drawingml/2006/diagram" xmlns:o="urn:schemas-microsoft-com:office:office" xmlns:v="urn:schemas-microsoft-com:vml" xmlns:pvml="urn:schemas-microsoft-com:office:powerpoint" xmlns:com="http://schemas.openxmlformats.org/drawingml/2006/compatibility" xmlns:p14="http://schemas.microsoft.com/office/powerpoint/2010/main" xmlns:p15="http://schemas.microsoft.com/office/powerpoint/2012/main" xmlns:ahyp="http://schemas.microsoft.com/office/drawing/2018/hyperlinkcolor">
+<p:sldMaster xmlns:a="http://schemas.openxmlformats.org/drawingml/2006/main" xmlns:r="http://schemas.openxmlformats.org/officeDocument/2006/relationships" xmlns:p="http://schemas.openxmlformats.org/presentationml/2006/main">
   <p:cSld name="simple-light-2">
     <p:bg>
       <p:bgPr>
         <a:solidFill>
           <a:schemeClr val="lt1"/>
         </a:solidFill>
+        <a:effectLst/>
       </p:bgPr>
     </p:bg>
     <p:spTree>
       <p:nvGrpSpPr>
-        <p:cNvPr id="5" name="Shape 5"/>
+        <p:cNvPr id="1" name="Shape 5"/>
         <p:cNvGrpSpPr/>
         <p:nvPr/>
       </p:nvGrpSpPr>
@@ -5909,7 +6219,9 @@
       <p:sp>
         <p:nvSpPr>
           <p:cNvPr id="6" name="Google Shape;6;p1"/>
-          <p:cNvSpPr txBox="1"/>
+          <p:cNvSpPr txBox="1">
+            <a:spLocks noGrp="1"/>
+          </p:cNvSpPr>
           <p:nvPr>
             <p:ph type="title"/>
           </p:nvPr>
@@ -5928,7 +6240,7 @@
           </a:ln>
         </p:spPr>
         <p:txBody>
-          <a:bodyPr anchorCtr="0" anchor="t" bIns="91425" lIns="91425" spcFirstLastPara="1" rIns="91425" wrap="square" tIns="91425">
+          <a:bodyPr spcFirstLastPara="1" wrap="square" lIns="91425" tIns="91425" rIns="91425" bIns="91425" anchor="t" anchorCtr="0">
             <a:normAutofit/>
           </a:bodyPr>
           <a:lstStyle>
@@ -6095,15 +6407,19 @@
               </a:defRPr>
             </a:lvl9pPr>
           </a:lstStyle>
-          <a:p/>
+          <a:p>
+            <a:endParaRPr/>
+          </a:p>
         </p:txBody>
       </p:sp>
       <p:sp>
         <p:nvSpPr>
           <p:cNvPr id="7" name="Google Shape;7;p1"/>
-          <p:cNvSpPr txBox="1"/>
+          <p:cNvSpPr txBox="1">
+            <a:spLocks noGrp="1"/>
+          </p:cNvSpPr>
           <p:nvPr>
-            <p:ph idx="1" type="body"/>
+            <p:ph type="body" idx="1"/>
           </p:nvPr>
         </p:nvSpPr>
         <p:spPr>
@@ -6120,11 +6436,11 @@
           </a:ln>
         </p:spPr>
         <p:txBody>
-          <a:bodyPr anchorCtr="0" anchor="t" bIns="91425" lIns="91425" spcFirstLastPara="1" rIns="91425" wrap="square" tIns="91425">
+          <a:bodyPr spcFirstLastPara="1" wrap="square" lIns="91425" tIns="91425" rIns="91425" bIns="91425" anchor="t" anchorCtr="0">
             <a:normAutofit/>
           </a:bodyPr>
           <a:lstStyle>
-            <a:lvl1pPr indent="-342900" lvl="0" marL="457200">
+            <a:lvl1pPr marL="457200" lvl="0" indent="-342900">
               <a:lnSpc>
                 <a:spcPct val="115000"/>
               </a:lnSpc>
@@ -6145,7 +6461,7 @@
                 </a:solidFill>
               </a:defRPr>
             </a:lvl1pPr>
-            <a:lvl2pPr indent="-317500" lvl="1" marL="914400">
+            <a:lvl2pPr marL="914400" lvl="1" indent="-317500">
               <a:lnSpc>
                 <a:spcPct val="115000"/>
               </a:lnSpc>
@@ -6166,7 +6482,7 @@
                 </a:solidFill>
               </a:defRPr>
             </a:lvl2pPr>
-            <a:lvl3pPr indent="-317500" lvl="2" marL="1371600">
+            <a:lvl3pPr marL="1371600" lvl="2" indent="-317500">
               <a:lnSpc>
                 <a:spcPct val="115000"/>
               </a:lnSpc>
@@ -6187,7 +6503,7 @@
                 </a:solidFill>
               </a:defRPr>
             </a:lvl3pPr>
-            <a:lvl4pPr indent="-317500" lvl="3" marL="1828800">
+            <a:lvl4pPr marL="1828800" lvl="3" indent="-317500">
               <a:lnSpc>
                 <a:spcPct val="115000"/>
               </a:lnSpc>
@@ -6208,7 +6524,7 @@
                 </a:solidFill>
               </a:defRPr>
             </a:lvl4pPr>
-            <a:lvl5pPr indent="-317500" lvl="4" marL="2286000">
+            <a:lvl5pPr marL="2286000" lvl="4" indent="-317500">
               <a:lnSpc>
                 <a:spcPct val="115000"/>
               </a:lnSpc>
@@ -6229,7 +6545,7 @@
                 </a:solidFill>
               </a:defRPr>
             </a:lvl5pPr>
-            <a:lvl6pPr indent="-317500" lvl="5" marL="2743200">
+            <a:lvl6pPr marL="2743200" lvl="5" indent="-317500">
               <a:lnSpc>
                 <a:spcPct val="115000"/>
               </a:lnSpc>
@@ -6250,7 +6566,7 @@
                 </a:solidFill>
               </a:defRPr>
             </a:lvl6pPr>
-            <a:lvl7pPr indent="-317500" lvl="6" marL="3200400">
+            <a:lvl7pPr marL="3200400" lvl="6" indent="-317500">
               <a:lnSpc>
                 <a:spcPct val="115000"/>
               </a:lnSpc>
@@ -6271,7 +6587,7 @@
                 </a:solidFill>
               </a:defRPr>
             </a:lvl7pPr>
-            <a:lvl8pPr indent="-317500" lvl="7" marL="3657600">
+            <a:lvl8pPr marL="3657600" lvl="7" indent="-317500">
               <a:lnSpc>
                 <a:spcPct val="115000"/>
               </a:lnSpc>
@@ -6292,7 +6608,7 @@
                 </a:solidFill>
               </a:defRPr>
             </a:lvl8pPr>
-            <a:lvl9pPr indent="-317500" lvl="8" marL="4114800">
+            <a:lvl9pPr marL="4114800" lvl="8" indent="-317500">
               <a:lnSpc>
                 <a:spcPct val="115000"/>
               </a:lnSpc>
@@ -6314,15 +6630,19 @@
               </a:defRPr>
             </a:lvl9pPr>
           </a:lstStyle>
-          <a:p/>
+          <a:p>
+            <a:endParaRPr/>
+          </a:p>
         </p:txBody>
       </p:sp>
       <p:sp>
         <p:nvSpPr>
           <p:cNvPr id="8" name="Google Shape;8;p1"/>
-          <p:cNvSpPr txBox="1"/>
+          <p:cNvSpPr txBox="1">
+            <a:spLocks noGrp="1"/>
+          </p:cNvSpPr>
           <p:nvPr>
-            <p:ph idx="12" type="sldNum"/>
+            <p:ph type="sldNum" idx="12"/>
           </p:nvPr>
         </p:nvSpPr>
         <p:spPr>
@@ -6339,7 +6659,7 @@
           </a:ln>
         </p:spPr>
         <p:txBody>
-          <a:bodyPr anchorCtr="0" anchor="ctr" bIns="91425" lIns="91425" spcFirstLastPara="1" rIns="91425" wrap="square" tIns="91425">
+          <a:bodyPr spcFirstLastPara="1" wrap="square" lIns="91425" tIns="91425" rIns="91425" bIns="91425" anchor="ctr" anchorCtr="0">
             <a:normAutofit/>
           </a:bodyPr>
           <a:lstStyle>
@@ -6417,7 +6737,7 @@
             </a:lvl9pPr>
           </a:lstStyle>
           <a:p>
-            <a:pPr indent="0" lvl="0" marL="0" rtl="0" algn="r">
+            <a:pPr marL="0" lvl="0" indent="0" algn="r" rtl="0">
               <a:spcBef>
                 <a:spcPts val="0"/>
               </a:spcBef>
@@ -6436,7 +6756,7 @@
       </p:sp>
     </p:spTree>
   </p:cSld>
-  <p:clrMap accent1="accent1" accent2="accent2" accent3="accent3" accent4="accent4" accent5="accent5" accent6="accent6" bg1="lt1" bg2="dk2" tx1="dk1" tx2="lt2" folHlink="folHlink" hlink="hlink"/>
+  <p:clrMap bg1="lt1" tx1="dk1" bg2="dk2" tx2="lt2" accent1="accent1" accent2="accent2" accent3="accent3" accent4="accent4" accent5="accent5" accent6="accent6" hlink="hlink" folHlink="folHlink"/>
   <p:sldLayoutIdLst>
     <p:sldLayoutId id="2147483648" r:id="rId1"/>
     <p:sldLayoutId id="2147483649" r:id="rId2"/>
@@ -6451,10 +6771,10 @@
     <p:sldLayoutId id="2147483658" r:id="rId11"/>
     <p:sldLayoutId id="2147483659" r:id="rId12"/>
   </p:sldLayoutIdLst>
-  <p:hf dt="0" ftr="0" hdr="0" sldNum="0"/>
+  <p:hf sldNum="0" hdr="0" ftr="0" dt="0"/>
   <p:txStyles>
     <p:titleStyle>
-      <a:defPPr lvl="0" marR="0" rtl="0" algn="l">
+      <a:defPPr marR="0" lvl="0" algn="l" rtl="0">
         <a:lnSpc>
           <a:spcPct val="100000"/>
         </a:lnSpc>
@@ -6465,7 +6785,7 @@
           <a:spcPts val="0"/>
         </a:spcAft>
       </a:defPPr>
-      <a:lvl1pPr lvl="0" marR="0" rtl="0" algn="l">
+      <a:lvl1pPr marR="0" lvl="0" algn="l" rtl="0">
         <a:lnSpc>
           <a:spcPct val="100000"/>
         </a:lnSpc>
@@ -6479,7 +6799,7 @@
           <a:srgbClr val="000000"/>
         </a:buClr>
         <a:buFont typeface="Arial"/>
-        <a:defRPr b="0" i="0" sz="1400" u="none" cap="none" strike="noStrike">
+        <a:defRPr sz="1400" b="0" i="0" u="none" strike="noStrike" cap="none">
           <a:solidFill>
             <a:srgbClr val="000000"/>
           </a:solidFill>
@@ -6489,7 +6809,7 @@
           <a:sym typeface="Arial"/>
         </a:defRPr>
       </a:lvl1pPr>
-      <a:lvl2pPr lvl="1" marR="0" rtl="0" algn="l">
+      <a:lvl2pPr marR="0" lvl="1" algn="l" rtl="0">
         <a:lnSpc>
           <a:spcPct val="100000"/>
         </a:lnSpc>
@@ -6503,7 +6823,7 @@
           <a:srgbClr val="000000"/>
         </a:buClr>
         <a:buFont typeface="Arial"/>
-        <a:defRPr b="0" i="0" sz="1400" u="none" cap="none" strike="noStrike">
+        <a:defRPr sz="1400" b="0" i="0" u="none" strike="noStrike" cap="none">
           <a:solidFill>
             <a:srgbClr val="000000"/>
           </a:solidFill>
@@ -6513,7 +6833,7 @@
           <a:sym typeface="Arial"/>
         </a:defRPr>
       </a:lvl2pPr>
-      <a:lvl3pPr lvl="2" marR="0" rtl="0" algn="l">
+      <a:lvl3pPr marR="0" lvl="2" algn="l" rtl="0">
         <a:lnSpc>
           <a:spcPct val="100000"/>
         </a:lnSpc>
@@ -6527,7 +6847,7 @@
           <a:srgbClr val="000000"/>
         </a:buClr>
         <a:buFont typeface="Arial"/>
-        <a:defRPr b="0" i="0" sz="1400" u="none" cap="none" strike="noStrike">
+        <a:defRPr sz="1400" b="0" i="0" u="none" strike="noStrike" cap="none">
           <a:solidFill>
             <a:srgbClr val="000000"/>
           </a:solidFill>
@@ -6537,7 +6857,7 @@
           <a:sym typeface="Arial"/>
         </a:defRPr>
       </a:lvl3pPr>
-      <a:lvl4pPr lvl="3" marR="0" rtl="0" algn="l">
+      <a:lvl4pPr marR="0" lvl="3" algn="l" rtl="0">
         <a:lnSpc>
           <a:spcPct val="100000"/>
         </a:lnSpc>
@@ -6551,7 +6871,7 @@
           <a:srgbClr val="000000"/>
         </a:buClr>
         <a:buFont typeface="Arial"/>
-        <a:defRPr b="0" i="0" sz="1400" u="none" cap="none" strike="noStrike">
+        <a:defRPr sz="1400" b="0" i="0" u="none" strike="noStrike" cap="none">
           <a:solidFill>
             <a:srgbClr val="000000"/>
           </a:solidFill>
@@ -6561,7 +6881,7 @@
           <a:sym typeface="Arial"/>
         </a:defRPr>
       </a:lvl4pPr>
-      <a:lvl5pPr lvl="4" marR="0" rtl="0" algn="l">
+      <a:lvl5pPr marR="0" lvl="4" algn="l" rtl="0">
         <a:lnSpc>
           <a:spcPct val="100000"/>
         </a:lnSpc>
@@ -6575,7 +6895,7 @@
           <a:srgbClr val="000000"/>
         </a:buClr>
         <a:buFont typeface="Arial"/>
-        <a:defRPr b="0" i="0" sz="1400" u="none" cap="none" strike="noStrike">
+        <a:defRPr sz="1400" b="0" i="0" u="none" strike="noStrike" cap="none">
           <a:solidFill>
             <a:srgbClr val="000000"/>
           </a:solidFill>
@@ -6585,7 +6905,7 @@
           <a:sym typeface="Arial"/>
         </a:defRPr>
       </a:lvl5pPr>
-      <a:lvl6pPr lvl="5" marR="0" rtl="0" algn="l">
+      <a:lvl6pPr marR="0" lvl="5" algn="l" rtl="0">
         <a:lnSpc>
           <a:spcPct val="100000"/>
         </a:lnSpc>
@@ -6599,7 +6919,7 @@
           <a:srgbClr val="000000"/>
         </a:buClr>
         <a:buFont typeface="Arial"/>
-        <a:defRPr b="0" i="0" sz="1400" u="none" cap="none" strike="noStrike">
+        <a:defRPr sz="1400" b="0" i="0" u="none" strike="noStrike" cap="none">
           <a:solidFill>
             <a:srgbClr val="000000"/>
           </a:solidFill>
@@ -6609,7 +6929,7 @@
           <a:sym typeface="Arial"/>
         </a:defRPr>
       </a:lvl6pPr>
-      <a:lvl7pPr lvl="6" marR="0" rtl="0" algn="l">
+      <a:lvl7pPr marR="0" lvl="6" algn="l" rtl="0">
         <a:lnSpc>
           <a:spcPct val="100000"/>
         </a:lnSpc>
@@ -6623,7 +6943,7 @@
           <a:srgbClr val="000000"/>
         </a:buClr>
         <a:buFont typeface="Arial"/>
-        <a:defRPr b="0" i="0" sz="1400" u="none" cap="none" strike="noStrike">
+        <a:defRPr sz="1400" b="0" i="0" u="none" strike="noStrike" cap="none">
           <a:solidFill>
             <a:srgbClr val="000000"/>
           </a:solidFill>
@@ -6633,7 +6953,7 @@
           <a:sym typeface="Arial"/>
         </a:defRPr>
       </a:lvl7pPr>
-      <a:lvl8pPr lvl="7" marR="0" rtl="0" algn="l">
+      <a:lvl8pPr marR="0" lvl="7" algn="l" rtl="0">
         <a:lnSpc>
           <a:spcPct val="100000"/>
         </a:lnSpc>
@@ -6647,7 +6967,7 @@
           <a:srgbClr val="000000"/>
         </a:buClr>
         <a:buFont typeface="Arial"/>
-        <a:defRPr b="0" i="0" sz="1400" u="none" cap="none" strike="noStrike">
+        <a:defRPr sz="1400" b="0" i="0" u="none" strike="noStrike" cap="none">
           <a:solidFill>
             <a:srgbClr val="000000"/>
           </a:solidFill>
@@ -6657,7 +6977,7 @@
           <a:sym typeface="Arial"/>
         </a:defRPr>
       </a:lvl8pPr>
-      <a:lvl9pPr lvl="8" marR="0" rtl="0" algn="l">
+      <a:lvl9pPr marR="0" lvl="8" algn="l" rtl="0">
         <a:lnSpc>
           <a:spcPct val="100000"/>
         </a:lnSpc>
@@ -6671,7 +6991,7 @@
           <a:srgbClr val="000000"/>
         </a:buClr>
         <a:buFont typeface="Arial"/>
-        <a:defRPr b="0" i="0" sz="1400" u="none" cap="none" strike="noStrike">
+        <a:defRPr sz="1400" b="0" i="0" u="none" strike="noStrike" cap="none">
           <a:solidFill>
             <a:srgbClr val="000000"/>
           </a:solidFill>
@@ -6683,7 +7003,7 @@
       </a:lvl9pPr>
     </p:titleStyle>
     <p:bodyStyle>
-      <a:defPPr lvl="0" marR="0" rtl="0" algn="l">
+      <a:defPPr marR="0" lvl="0" algn="l" rtl="0">
         <a:lnSpc>
           <a:spcPct val="100000"/>
         </a:lnSpc>
@@ -6694,7 +7014,7 @@
           <a:spcPts val="0"/>
         </a:spcAft>
       </a:defPPr>
-      <a:lvl1pPr lvl="0" marR="0" rtl="0" algn="l">
+      <a:lvl1pPr marR="0" lvl="0" algn="l" rtl="0">
         <a:lnSpc>
           <a:spcPct val="100000"/>
         </a:lnSpc>
@@ -6708,7 +7028,7 @@
           <a:srgbClr val="000000"/>
         </a:buClr>
         <a:buFont typeface="Arial"/>
-        <a:defRPr b="0" i="0" sz="1400" u="none" cap="none" strike="noStrike">
+        <a:defRPr sz="1400" b="0" i="0" u="none" strike="noStrike" cap="none">
           <a:solidFill>
             <a:srgbClr val="000000"/>
           </a:solidFill>
@@ -6718,7 +7038,7 @@
           <a:sym typeface="Arial"/>
         </a:defRPr>
       </a:lvl1pPr>
-      <a:lvl2pPr lvl="1" marR="0" rtl="0" algn="l">
+      <a:lvl2pPr marR="0" lvl="1" algn="l" rtl="0">
         <a:lnSpc>
           <a:spcPct val="100000"/>
         </a:lnSpc>
@@ -6732,7 +7052,7 @@
           <a:srgbClr val="000000"/>
         </a:buClr>
         <a:buFont typeface="Arial"/>
-        <a:defRPr b="0" i="0" sz="1400" u="none" cap="none" strike="noStrike">
+        <a:defRPr sz="1400" b="0" i="0" u="none" strike="noStrike" cap="none">
           <a:solidFill>
             <a:srgbClr val="000000"/>
           </a:solidFill>
@@ -6742,7 +7062,7 @@
           <a:sym typeface="Arial"/>
         </a:defRPr>
       </a:lvl2pPr>
-      <a:lvl3pPr lvl="2" marR="0" rtl="0" algn="l">
+      <a:lvl3pPr marR="0" lvl="2" algn="l" rtl="0">
         <a:lnSpc>
           <a:spcPct val="100000"/>
         </a:lnSpc>
@@ -6756,7 +7076,7 @@
           <a:srgbClr val="000000"/>
         </a:buClr>
         <a:buFont typeface="Arial"/>
-        <a:defRPr b="0" i="0" sz="1400" u="none" cap="none" strike="noStrike">
+        <a:defRPr sz="1400" b="0" i="0" u="none" strike="noStrike" cap="none">
           <a:solidFill>
             <a:srgbClr val="000000"/>
           </a:solidFill>
@@ -6766,7 +7086,7 @@
           <a:sym typeface="Arial"/>
         </a:defRPr>
       </a:lvl3pPr>
-      <a:lvl4pPr lvl="3" marR="0" rtl="0" algn="l">
+      <a:lvl4pPr marR="0" lvl="3" algn="l" rtl="0">
         <a:lnSpc>
           <a:spcPct val="100000"/>
         </a:lnSpc>
@@ -6780,7 +7100,7 @@
           <a:srgbClr val="000000"/>
         </a:buClr>
         <a:buFont typeface="Arial"/>
-        <a:defRPr b="0" i="0" sz="1400" u="none" cap="none" strike="noStrike">
+        <a:defRPr sz="1400" b="0" i="0" u="none" strike="noStrike" cap="none">
           <a:solidFill>
             <a:srgbClr val="000000"/>
           </a:solidFill>
@@ -6790,7 +7110,7 @@
           <a:sym typeface="Arial"/>
         </a:defRPr>
       </a:lvl4pPr>
-      <a:lvl5pPr lvl="4" marR="0" rtl="0" algn="l">
+      <a:lvl5pPr marR="0" lvl="4" algn="l" rtl="0">
         <a:lnSpc>
           <a:spcPct val="100000"/>
         </a:lnSpc>
@@ -6804,7 +7124,7 @@
           <a:srgbClr val="000000"/>
         </a:buClr>
         <a:buFont typeface="Arial"/>
-        <a:defRPr b="0" i="0" sz="1400" u="none" cap="none" strike="noStrike">
+        <a:defRPr sz="1400" b="0" i="0" u="none" strike="noStrike" cap="none">
           <a:solidFill>
             <a:srgbClr val="000000"/>
           </a:solidFill>
@@ -6814,7 +7134,7 @@
           <a:sym typeface="Arial"/>
         </a:defRPr>
       </a:lvl5pPr>
-      <a:lvl6pPr lvl="5" marR="0" rtl="0" algn="l">
+      <a:lvl6pPr marR="0" lvl="5" algn="l" rtl="0">
         <a:lnSpc>
           <a:spcPct val="100000"/>
         </a:lnSpc>
@@ -6828,7 +7148,7 @@
           <a:srgbClr val="000000"/>
         </a:buClr>
         <a:buFont typeface="Arial"/>
-        <a:defRPr b="0" i="0" sz="1400" u="none" cap="none" strike="noStrike">
+        <a:defRPr sz="1400" b="0" i="0" u="none" strike="noStrike" cap="none">
           <a:solidFill>
             <a:srgbClr val="000000"/>
           </a:solidFill>
@@ -6838,7 +7158,7 @@
           <a:sym typeface="Arial"/>
         </a:defRPr>
       </a:lvl6pPr>
-      <a:lvl7pPr lvl="6" marR="0" rtl="0" algn="l">
+      <a:lvl7pPr marR="0" lvl="6" algn="l" rtl="0">
         <a:lnSpc>
           <a:spcPct val="100000"/>
         </a:lnSpc>
@@ -6852,7 +7172,7 @@
           <a:srgbClr val="000000"/>
         </a:buClr>
         <a:buFont typeface="Arial"/>
-        <a:defRPr b="0" i="0" sz="1400" u="none" cap="none" strike="noStrike">
+        <a:defRPr sz="1400" b="0" i="0" u="none" strike="noStrike" cap="none">
           <a:solidFill>
             <a:srgbClr val="000000"/>
           </a:solidFill>
@@ -6862,7 +7182,7 @@
           <a:sym typeface="Arial"/>
         </a:defRPr>
       </a:lvl7pPr>
-      <a:lvl8pPr lvl="7" marR="0" rtl="0" algn="l">
+      <a:lvl8pPr marR="0" lvl="7" algn="l" rtl="0">
         <a:lnSpc>
           <a:spcPct val="100000"/>
         </a:lnSpc>
@@ -6876,7 +7196,7 @@
           <a:srgbClr val="000000"/>
         </a:buClr>
         <a:buFont typeface="Arial"/>
-        <a:defRPr b="0" i="0" sz="1400" u="none" cap="none" strike="noStrike">
+        <a:defRPr sz="1400" b="0" i="0" u="none" strike="noStrike" cap="none">
           <a:solidFill>
             <a:srgbClr val="000000"/>
           </a:solidFill>
@@ -6886,7 +7206,7 @@
           <a:sym typeface="Arial"/>
         </a:defRPr>
       </a:lvl8pPr>
-      <a:lvl9pPr lvl="8" marR="0" rtl="0" algn="l">
+      <a:lvl9pPr marR="0" lvl="8" algn="l" rtl="0">
         <a:lnSpc>
           <a:spcPct val="100000"/>
         </a:lnSpc>
@@ -6900,7 +7220,7 @@
           <a:srgbClr val="000000"/>
         </a:buClr>
         <a:buFont typeface="Arial"/>
-        <a:defRPr b="0" i="0" sz="1400" u="none" cap="none" strike="noStrike">
+        <a:defRPr sz="1400" b="0" i="0" u="none" strike="noStrike" cap="none">
           <a:solidFill>
             <a:srgbClr val="000000"/>
           </a:solidFill>
@@ -6912,7 +7232,7 @@
       </a:lvl9pPr>
     </p:bodyStyle>
     <p:otherStyle>
-      <a:defPPr lvl="0" marR="0" rtl="0" algn="l">
+      <a:defPPr marR="0" lvl="0" algn="l" rtl="0">
         <a:lnSpc>
           <a:spcPct val="100000"/>
         </a:lnSpc>
@@ -6923,7 +7243,7 @@
           <a:spcPts val="0"/>
         </a:spcAft>
       </a:defPPr>
-      <a:lvl1pPr lvl="0" marR="0" rtl="0" algn="l">
+      <a:lvl1pPr marR="0" lvl="0" algn="l" rtl="0">
         <a:lnSpc>
           <a:spcPct val="100000"/>
         </a:lnSpc>
@@ -6937,7 +7257,7 @@
           <a:srgbClr val="000000"/>
         </a:buClr>
         <a:buFont typeface="Arial"/>
-        <a:defRPr b="0" i="0" sz="1400" u="none" cap="none" strike="noStrike">
+        <a:defRPr sz="1400" b="0" i="0" u="none" strike="noStrike" cap="none">
           <a:solidFill>
             <a:srgbClr val="000000"/>
           </a:solidFill>
@@ -6947,7 +7267,7 @@
           <a:sym typeface="Arial"/>
         </a:defRPr>
       </a:lvl1pPr>
-      <a:lvl2pPr lvl="1" marR="0" rtl="0" algn="l">
+      <a:lvl2pPr marR="0" lvl="1" algn="l" rtl="0">
         <a:lnSpc>
           <a:spcPct val="100000"/>
         </a:lnSpc>
@@ -6961,7 +7281,7 @@
           <a:srgbClr val="000000"/>
         </a:buClr>
         <a:buFont typeface="Arial"/>
-        <a:defRPr b="0" i="0" sz="1400" u="none" cap="none" strike="noStrike">
+        <a:defRPr sz="1400" b="0" i="0" u="none" strike="noStrike" cap="none">
           <a:solidFill>
             <a:srgbClr val="000000"/>
           </a:solidFill>
@@ -6971,7 +7291,7 @@
           <a:sym typeface="Arial"/>
         </a:defRPr>
       </a:lvl2pPr>
-      <a:lvl3pPr lvl="2" marR="0" rtl="0" algn="l">
+      <a:lvl3pPr marR="0" lvl="2" algn="l" rtl="0">
         <a:lnSpc>
           <a:spcPct val="100000"/>
         </a:lnSpc>
@@ -6985,7 +7305,7 @@
           <a:srgbClr val="000000"/>
         </a:buClr>
         <a:buFont typeface="Arial"/>
-        <a:defRPr b="0" i="0" sz="1400" u="none" cap="none" strike="noStrike">
+        <a:defRPr sz="1400" b="0" i="0" u="none" strike="noStrike" cap="none">
           <a:solidFill>
             <a:srgbClr val="000000"/>
           </a:solidFill>
@@ -6995,7 +7315,7 @@
           <a:sym typeface="Arial"/>
         </a:defRPr>
       </a:lvl3pPr>
-      <a:lvl4pPr lvl="3" marR="0" rtl="0" algn="l">
+      <a:lvl4pPr marR="0" lvl="3" algn="l" rtl="0">
         <a:lnSpc>
           <a:spcPct val="100000"/>
         </a:lnSpc>
@@ -7009,7 +7329,7 @@
           <a:srgbClr val="000000"/>
         </a:buClr>
         <a:buFont typeface="Arial"/>
-        <a:defRPr b="0" i="0" sz="1400" u="none" cap="none" strike="noStrike">
+        <a:defRPr sz="1400" b="0" i="0" u="none" strike="noStrike" cap="none">
           <a:solidFill>
             <a:srgbClr val="000000"/>
           </a:solidFill>
@@ -7019,7 +7339,7 @@
           <a:sym typeface="Arial"/>
         </a:defRPr>
       </a:lvl4pPr>
-      <a:lvl5pPr lvl="4" marR="0" rtl="0" algn="l">
+      <a:lvl5pPr marR="0" lvl="4" algn="l" rtl="0">
         <a:lnSpc>
           <a:spcPct val="100000"/>
         </a:lnSpc>
@@ -7033,7 +7353,7 @@
           <a:srgbClr val="000000"/>
         </a:buClr>
         <a:buFont typeface="Arial"/>
-        <a:defRPr b="0" i="0" sz="1400" u="none" cap="none" strike="noStrike">
+        <a:defRPr sz="1400" b="0" i="0" u="none" strike="noStrike" cap="none">
           <a:solidFill>
             <a:srgbClr val="000000"/>
           </a:solidFill>
@@ -7043,7 +7363,7 @@
           <a:sym typeface="Arial"/>
         </a:defRPr>
       </a:lvl5pPr>
-      <a:lvl6pPr lvl="5" marR="0" rtl="0" algn="l">
+      <a:lvl6pPr marR="0" lvl="5" algn="l" rtl="0">
         <a:lnSpc>
           <a:spcPct val="100000"/>
         </a:lnSpc>
@@ -7057,7 +7377,7 @@
           <a:srgbClr val="000000"/>
         </a:buClr>
         <a:buFont typeface="Arial"/>
-        <a:defRPr b="0" i="0" sz="1400" u="none" cap="none" strike="noStrike">
+        <a:defRPr sz="1400" b="0" i="0" u="none" strike="noStrike" cap="none">
           <a:solidFill>
             <a:srgbClr val="000000"/>
           </a:solidFill>
@@ -7067,7 +7387,7 @@
           <a:sym typeface="Arial"/>
         </a:defRPr>
       </a:lvl6pPr>
-      <a:lvl7pPr lvl="6" marR="0" rtl="0" algn="l">
+      <a:lvl7pPr marR="0" lvl="6" algn="l" rtl="0">
         <a:lnSpc>
           <a:spcPct val="100000"/>
         </a:lnSpc>
@@ -7081,7 +7401,7 @@
           <a:srgbClr val="000000"/>
         </a:buClr>
         <a:buFont typeface="Arial"/>
-        <a:defRPr b="0" i="0" sz="1400" u="none" cap="none" strike="noStrike">
+        <a:defRPr sz="1400" b="0" i="0" u="none" strike="noStrike" cap="none">
           <a:solidFill>
             <a:srgbClr val="000000"/>
           </a:solidFill>
@@ -7091,7 +7411,7 @@
           <a:sym typeface="Arial"/>
         </a:defRPr>
       </a:lvl7pPr>
-      <a:lvl8pPr lvl="7" marR="0" rtl="0" algn="l">
+      <a:lvl8pPr marR="0" lvl="7" algn="l" rtl="0">
         <a:lnSpc>
           <a:spcPct val="100000"/>
         </a:lnSpc>
@@ -7105,7 +7425,7 @@
           <a:srgbClr val="000000"/>
         </a:buClr>
         <a:buFont typeface="Arial"/>
-        <a:defRPr b="0" i="0" sz="1400" u="none" cap="none" strike="noStrike">
+        <a:defRPr sz="1400" b="0" i="0" u="none" strike="noStrike" cap="none">
           <a:solidFill>
             <a:srgbClr val="000000"/>
           </a:solidFill>
@@ -7115,7 +7435,7 @@
           <a:sym typeface="Arial"/>
         </a:defRPr>
       </a:lvl8pPr>
-      <a:lvl9pPr lvl="8" marR="0" rtl="0" algn="l">
+      <a:lvl9pPr marR="0" lvl="8" algn="l" rtl="0">
         <a:lnSpc>
           <a:spcPct val="100000"/>
         </a:lnSpc>
@@ -7129,7 +7449,7 @@
           <a:srgbClr val="000000"/>
         </a:buClr>
         <a:buFont typeface="Arial"/>
-        <a:defRPr b="0" i="0" sz="1400" u="none" cap="none" strike="noStrike">
+        <a:defRPr sz="1400" b="0" i="0" u="none" strike="noStrike" cap="none">
           <a:solidFill>
             <a:srgbClr val="000000"/>
           </a:solidFill>
@@ -7145,11 +7465,11 @@
 </file>
 
 <file path=ppt/slides/slide1.xml><?xml version="1.0" encoding="utf-8"?>
-<p:sld xmlns:a="http://schemas.openxmlformats.org/drawingml/2006/main" xmlns:r="http://schemas.openxmlformats.org/officeDocument/2006/relationships" xmlns:mc="http://schemas.openxmlformats.org/markup-compatibility/2006" xmlns:mv="urn:schemas-microsoft-com:mac:vml" xmlns:p="http://schemas.openxmlformats.org/presentationml/2006/main" xmlns:c="http://schemas.openxmlformats.org/drawingml/2006/chart" xmlns:dgm="http://schemas.openxmlformats.org/drawingml/2006/diagram" xmlns:o="urn:schemas-microsoft-com:office:office" xmlns:v="urn:schemas-microsoft-com:vml" xmlns:pvml="urn:schemas-microsoft-com:office:powerpoint" xmlns:com="http://schemas.openxmlformats.org/drawingml/2006/compatibility" xmlns:p14="http://schemas.microsoft.com/office/powerpoint/2010/main" xmlns:p15="http://schemas.microsoft.com/office/powerpoint/2012/main" xmlns:ahyp="http://schemas.microsoft.com/office/drawing/2018/hyperlinkcolor">
+<p:sld xmlns:a="http://schemas.openxmlformats.org/drawingml/2006/main" xmlns:r="http://schemas.openxmlformats.org/officeDocument/2006/relationships" xmlns:p="http://schemas.openxmlformats.org/presentationml/2006/main">
   <p:cSld>
     <p:spTree>
       <p:nvGrpSpPr>
-        <p:cNvPr id="59" name="Shape 59"/>
+        <p:cNvPr id="1" name="Shape 59"/>
         <p:cNvGrpSpPr/>
         <p:nvPr/>
       </p:nvGrpSpPr>
@@ -7164,7 +7484,9 @@
       <p:sp>
         <p:nvSpPr>
           <p:cNvPr id="60" name="Google Shape;60;p14"/>
-          <p:cNvSpPr txBox="1"/>
+          <p:cNvSpPr txBox="1">
+            <a:spLocks noGrp="1"/>
+          </p:cNvSpPr>
           <p:nvPr>
             <p:ph type="title"/>
           </p:nvPr>
@@ -7179,12 +7501,12 @@
           </a:prstGeom>
         </p:spPr>
         <p:txBody>
-          <a:bodyPr anchorCtr="0" anchor="t" bIns="91425" lIns="91425" spcFirstLastPara="1" rIns="91425" wrap="square" tIns="91425">
+          <a:bodyPr spcFirstLastPara="1" wrap="square" lIns="91425" tIns="91425" rIns="91425" bIns="91425" anchor="t" anchorCtr="0">
             <a:normAutofit fontScale="90000"/>
           </a:bodyPr>
           <a:lstStyle/>
           <a:p>
-            <a:pPr indent="0" lvl="0" marL="0" rtl="0" algn="l">
+            <a:pPr marL="0" lvl="0" indent="0" algn="l" rtl="0">
               <a:spcBef>
                 <a:spcPts val="0"/>
               </a:spcBef>
@@ -7204,9 +7526,11 @@
       <p:sp>
         <p:nvSpPr>
           <p:cNvPr id="61" name="Google Shape;61;p14"/>
-          <p:cNvSpPr txBox="1"/>
+          <p:cNvSpPr txBox="1">
+            <a:spLocks noGrp="1"/>
+          </p:cNvSpPr>
           <p:nvPr>
-            <p:ph idx="1" type="body"/>
+            <p:ph type="body" idx="1"/>
           </p:nvPr>
         </p:nvSpPr>
         <p:spPr>
@@ -7219,12 +7543,12 @@
           </a:prstGeom>
         </p:spPr>
         <p:txBody>
-          <a:bodyPr anchorCtr="0" anchor="t" bIns="91425" lIns="91425" spcFirstLastPara="1" rIns="91425" wrap="square" tIns="91425">
-            <a:normAutofit lnSpcReduction="10000"/>
+          <a:bodyPr spcFirstLastPara="1" wrap="square" lIns="91425" tIns="91425" rIns="91425" bIns="91425" anchor="t" anchorCtr="0">
+            <a:normAutofit/>
           </a:bodyPr>
           <a:lstStyle/>
           <a:p>
-            <a:pPr indent="0" lvl="0" marL="0" rtl="0" algn="l">
+            <a:pPr marL="0" lvl="0" indent="0" algn="l" rtl="0">
               <a:lnSpc>
                 <a:spcPct val="90000"/>
               </a:lnSpc>
@@ -7256,7 +7580,7 @@
             </a:endParaRPr>
           </a:p>
           <a:p>
-            <a:pPr indent="0" lvl="0" marL="0" rtl="0" algn="l">
+            <a:pPr marL="0" lvl="0" indent="0" algn="l" rtl="0">
               <a:lnSpc>
                 <a:spcPct val="90000"/>
               </a:lnSpc>
@@ -7288,7 +7612,7 @@
             </a:endParaRPr>
           </a:p>
           <a:p>
-            <a:pPr indent="0" lvl="0" marL="12700" rtl="0" algn="l">
+            <a:pPr marL="12700" lvl="0" indent="0" algn="l" rtl="0">
               <a:lnSpc>
                 <a:spcPct val="90000"/>
               </a:lnSpc>
@@ -7320,7 +7644,7 @@
             </a:endParaRPr>
           </a:p>
           <a:p>
-            <a:pPr indent="0" lvl="0" marL="0" rtl="0" algn="l">
+            <a:pPr marL="0" lvl="0" indent="0" algn="l" rtl="0">
               <a:lnSpc>
                 <a:spcPct val="90000"/>
               </a:lnSpc>
@@ -7352,7 +7676,7 @@
             </a:endParaRPr>
           </a:p>
           <a:p>
-            <a:pPr indent="0" lvl="0" marL="0" rtl="0" algn="l">
+            <a:pPr marL="0" lvl="0" indent="0" algn="l" rtl="0">
               <a:spcBef>
                 <a:spcPts val="0"/>
               </a:spcBef>
@@ -7361,9 +7685,6 @@
               </a:spcAft>
               <a:buNone/>
             </a:pPr>
-            <a:r>
-              <a:t/>
-            </a:r>
             <a:endParaRPr/>
           </a:p>
         </p:txBody>
@@ -7377,11 +7698,11 @@
 </file>
 
 <file path=ppt/slides/slide10.xml><?xml version="1.0" encoding="utf-8"?>
-<p:sld xmlns:a="http://schemas.openxmlformats.org/drawingml/2006/main" xmlns:r="http://schemas.openxmlformats.org/officeDocument/2006/relationships" xmlns:mc="http://schemas.openxmlformats.org/markup-compatibility/2006" xmlns:mv="urn:schemas-microsoft-com:mac:vml" xmlns:p="http://schemas.openxmlformats.org/presentationml/2006/main" xmlns:c="http://schemas.openxmlformats.org/drawingml/2006/chart" xmlns:dgm="http://schemas.openxmlformats.org/drawingml/2006/diagram" xmlns:o="urn:schemas-microsoft-com:office:office" xmlns:v="urn:schemas-microsoft-com:vml" xmlns:pvml="urn:schemas-microsoft-com:office:powerpoint" xmlns:com="http://schemas.openxmlformats.org/drawingml/2006/compatibility" xmlns:p14="http://schemas.microsoft.com/office/powerpoint/2010/main" xmlns:p15="http://schemas.microsoft.com/office/powerpoint/2012/main" xmlns:ahyp="http://schemas.microsoft.com/office/drawing/2018/hyperlinkcolor">
+<p:sld xmlns:a="http://schemas.openxmlformats.org/drawingml/2006/main" xmlns:r="http://schemas.openxmlformats.org/officeDocument/2006/relationships" xmlns:p="http://schemas.openxmlformats.org/presentationml/2006/main">
   <p:cSld>
     <p:spTree>
       <p:nvGrpSpPr>
-        <p:cNvPr id="121" name="Shape 121"/>
+        <p:cNvPr id="1" name="Shape 121"/>
         <p:cNvGrpSpPr/>
         <p:nvPr/>
       </p:nvGrpSpPr>
@@ -7396,9 +7717,11 @@
       <p:sp>
         <p:nvSpPr>
           <p:cNvPr id="122" name="Google Shape;122;p23"/>
-          <p:cNvSpPr txBox="1"/>
+          <p:cNvSpPr txBox="1">
+            <a:spLocks noGrp="1"/>
+          </p:cNvSpPr>
           <p:nvPr>
-            <p:ph idx="1" type="body"/>
+            <p:ph type="body" idx="1"/>
           </p:nvPr>
         </p:nvSpPr>
         <p:spPr>
@@ -7411,12 +7734,12 @@
           </a:prstGeom>
         </p:spPr>
         <p:txBody>
-          <a:bodyPr anchorCtr="0" anchor="t" bIns="91425" lIns="91425" spcFirstLastPara="1" rIns="91425" wrap="square" tIns="91425">
+          <a:bodyPr spcFirstLastPara="1" wrap="square" lIns="91425" tIns="91425" rIns="91425" bIns="91425" anchor="t" anchorCtr="0">
             <a:normAutofit/>
           </a:bodyPr>
           <a:lstStyle/>
           <a:p>
-            <a:pPr indent="-342900" lvl="0" marL="457200" rtl="0" algn="l">
+            <a:pPr marL="457200" lvl="0" indent="-342900" algn="l" rtl="0">
               <a:spcBef>
                 <a:spcPts val="0"/>
               </a:spcBef>
@@ -7444,7 +7767,7 @@
             </a:endParaRPr>
           </a:p>
           <a:p>
-            <a:pPr indent="-342900" lvl="0" marL="457200" rtl="0" algn="l">
+            <a:pPr marL="457200" lvl="0" indent="-342900" algn="l" rtl="0">
               <a:spcBef>
                 <a:spcPts val="0"/>
               </a:spcBef>
@@ -7482,11 +7805,164 @@
 </file>
 
 <file path=ppt/slides/slide11.xml><?xml version="1.0" encoding="utf-8"?>
-<p:sld xmlns:a="http://schemas.openxmlformats.org/drawingml/2006/main" xmlns:r="http://schemas.openxmlformats.org/officeDocument/2006/relationships" xmlns:mc="http://schemas.openxmlformats.org/markup-compatibility/2006" xmlns:mv="urn:schemas-microsoft-com:mac:vml" xmlns:p="http://schemas.openxmlformats.org/presentationml/2006/main" xmlns:c="http://schemas.openxmlformats.org/drawingml/2006/chart" xmlns:dgm="http://schemas.openxmlformats.org/drawingml/2006/diagram" xmlns:o="urn:schemas-microsoft-com:office:office" xmlns:v="urn:schemas-microsoft-com:vml" xmlns:pvml="urn:schemas-microsoft-com:office:powerpoint" xmlns:com="http://schemas.openxmlformats.org/drawingml/2006/compatibility" xmlns:p14="http://schemas.microsoft.com/office/powerpoint/2010/main" xmlns:p15="http://schemas.microsoft.com/office/powerpoint/2012/main" xmlns:ahyp="http://schemas.microsoft.com/office/drawing/2018/hyperlinkcolor">
+<p:sld xmlns:a="http://schemas.openxmlformats.org/drawingml/2006/main" xmlns:r="http://schemas.openxmlformats.org/officeDocument/2006/relationships" xmlns:p="http://schemas.openxmlformats.org/presentationml/2006/main">
   <p:cSld>
     <p:spTree>
       <p:nvGrpSpPr>
-        <p:cNvPr id="126" name="Shape 126"/>
+        <p:cNvPr id="1" name="Shape 121"/>
+        <p:cNvGrpSpPr/>
+        <p:nvPr/>
+      </p:nvGrpSpPr>
+      <p:grpSpPr>
+        <a:xfrm>
+          <a:off x="0" y="0"/>
+          <a:ext cx="0" cy="0"/>
+          <a:chOff x="0" y="0"/>
+          <a:chExt cx="0" cy="0"/>
+        </a:xfrm>
+      </p:grpSpPr>
+      <p:sp>
+        <p:nvSpPr>
+          <p:cNvPr id="3" name="文本占位符 2">
+            <a:extLst>
+              <a:ext uri="{FF2B5EF4-FFF2-40B4-BE49-F238E27FC236}">
+                <a16:creationId xmlns:a16="http://schemas.microsoft.com/office/drawing/2014/main" id="{9F856F23-4670-BBF0-3A95-46B6D93FB943}"/>
+              </a:ext>
+            </a:extLst>
+          </p:cNvPr>
+          <p:cNvSpPr>
+            <a:spLocks noGrp="1"/>
+          </p:cNvSpPr>
+          <p:nvPr>
+            <p:ph type="body" idx="1"/>
+          </p:nvPr>
+        </p:nvSpPr>
+        <p:spPr/>
+        <p:txBody>
+          <a:bodyPr/>
+          <a:lstStyle/>
+          <a:p>
+            <a:endParaRPr lang="zh-CN" altLang="en-US"/>
+          </a:p>
+        </p:txBody>
+      </p:sp>
+      <p:pic>
+        <p:nvPicPr>
+          <p:cNvPr id="5" name="图片 4" descr="图示&#10;&#10;描述已自动生成">
+            <a:extLst>
+              <a:ext uri="{FF2B5EF4-FFF2-40B4-BE49-F238E27FC236}">
+                <a16:creationId xmlns:a16="http://schemas.microsoft.com/office/drawing/2014/main" id="{A352E3B3-ACCC-0A9B-FE8A-E4EE5F5C31A5}"/>
+              </a:ext>
+            </a:extLst>
+          </p:cNvPr>
+          <p:cNvPicPr>
+            <a:picLocks noChangeAspect="1"/>
+          </p:cNvPicPr>
+          <p:nvPr/>
+        </p:nvPicPr>
+        <p:blipFill>
+          <a:blip r:embed="rId3"/>
+          <a:stretch>
+            <a:fillRect/>
+          </a:stretch>
+        </p:blipFill>
+        <p:spPr>
+          <a:xfrm>
+            <a:off x="0" y="1065929"/>
+            <a:ext cx="8832300" cy="3846497"/>
+          </a:xfrm>
+          <a:prstGeom prst="rect">
+            <a:avLst/>
+          </a:prstGeom>
+        </p:spPr>
+      </p:pic>
+      <p:sp>
+        <p:nvSpPr>
+          <p:cNvPr id="6" name="文本框 5">
+            <a:extLst>
+              <a:ext uri="{FF2B5EF4-FFF2-40B4-BE49-F238E27FC236}">
+                <a16:creationId xmlns:a16="http://schemas.microsoft.com/office/drawing/2014/main" id="{1B715D13-C711-8F6B-4AEC-D46F2FAB81F7}"/>
+              </a:ext>
+            </a:extLst>
+          </p:cNvPr>
+          <p:cNvSpPr txBox="1"/>
+          <p:nvPr/>
+        </p:nvSpPr>
+        <p:spPr>
+          <a:xfrm>
+            <a:off x="146304" y="360535"/>
+            <a:ext cx="3887506" cy="307777"/>
+          </a:xfrm>
+          <a:prstGeom prst="rect">
+            <a:avLst/>
+          </a:prstGeom>
+          <a:noFill/>
+        </p:spPr>
+        <p:txBody>
+          <a:bodyPr wrap="square" rtlCol="0">
+            <a:spAutoFit/>
+          </a:bodyPr>
+          <a:lstStyle/>
+          <a:p>
+            <a:r>
+              <a:rPr lang="en-US" altLang="zh-CN" dirty="0"/>
+              <a:t>The</a:t>
+            </a:r>
+            <a:r>
+              <a:rPr lang="zh-CN" altLang="en-US" dirty="0"/>
+              <a:t> </a:t>
+            </a:r>
+            <a:r>
+              <a:rPr lang="en-US" altLang="zh-CN" dirty="0"/>
+              <a:t>Structure</a:t>
+            </a:r>
+            <a:r>
+              <a:rPr lang="zh-CN" altLang="en-US" dirty="0"/>
+              <a:t> </a:t>
+            </a:r>
+            <a:r>
+              <a:rPr lang="en-US" altLang="zh-CN" dirty="0"/>
+              <a:t>of</a:t>
+            </a:r>
+            <a:r>
+              <a:rPr lang="zh-CN" altLang="en-US" dirty="0"/>
+              <a:t> </a:t>
+            </a:r>
+            <a:r>
+              <a:rPr lang="en-US" altLang="zh-CN" dirty="0"/>
+              <a:t>Neural</a:t>
+            </a:r>
+            <a:r>
+              <a:rPr lang="zh-CN" altLang="en-US" dirty="0"/>
+              <a:t> </a:t>
+            </a:r>
+            <a:r>
+              <a:rPr lang="en-US" altLang="zh-CN" dirty="0"/>
+              <a:t>Network</a:t>
+            </a:r>
+            <a:endParaRPr lang="zh-CN" altLang="en-US" dirty="0"/>
+          </a:p>
+        </p:txBody>
+      </p:sp>
+    </p:spTree>
+    <p:extLst>
+      <p:ext uri="{BB962C8B-B14F-4D97-AF65-F5344CB8AC3E}">
+        <p14:creationId xmlns:p14="http://schemas.microsoft.com/office/powerpoint/2010/main" val="74178682"/>
+      </p:ext>
+    </p:extLst>
+  </p:cSld>
+  <p:clrMapOvr>
+    <a:masterClrMapping/>
+  </p:clrMapOvr>
+</p:sld>
+</file>
+
+<file path=ppt/slides/slide12.xml><?xml version="1.0" encoding="utf-8"?>
+<p:sld xmlns:a="http://schemas.openxmlformats.org/drawingml/2006/main" xmlns:r="http://schemas.openxmlformats.org/officeDocument/2006/relationships" xmlns:p="http://schemas.openxmlformats.org/presentationml/2006/main">
+  <p:cSld>
+    <p:spTree>
+      <p:nvGrpSpPr>
+        <p:cNvPr id="1" name="Shape 126"/>
         <p:cNvGrpSpPr/>
         <p:nvPr/>
       </p:nvGrpSpPr>
@@ -7501,7 +7977,9 @@
       <p:sp>
         <p:nvSpPr>
           <p:cNvPr id="127" name="Google Shape;127;p24"/>
-          <p:cNvSpPr txBox="1"/>
+          <p:cNvSpPr txBox="1">
+            <a:spLocks noGrp="1"/>
+          </p:cNvSpPr>
           <p:nvPr>
             <p:ph type="title"/>
           </p:nvPr>
@@ -7520,12 +7998,12 @@
           </a:ln>
         </p:spPr>
         <p:txBody>
-          <a:bodyPr anchorCtr="0" anchor="ctr" bIns="34275" lIns="68575" spcFirstLastPara="1" rIns="68575" wrap="square" tIns="34275">
+          <a:bodyPr spcFirstLastPara="1" wrap="square" lIns="68575" tIns="34275" rIns="68575" bIns="34275" anchor="ctr" anchorCtr="0">
             <a:normAutofit/>
           </a:bodyPr>
           <a:lstStyle/>
           <a:p>
-            <a:pPr indent="0" lvl="0" marL="0" rtl="0" algn="l">
+            <a:pPr marL="0" lvl="0" indent="0" algn="l" rtl="0">
               <a:lnSpc>
                 <a:spcPct val="90000"/>
               </a:lnSpc>
@@ -7567,23 +8045,23 @@
           <a:solidFill>
             <a:schemeClr val="lt1"/>
           </a:solidFill>
-          <a:ln cap="flat" cmpd="sng" w="12700">
+          <a:ln w="12700" cap="flat" cmpd="sng">
             <a:solidFill>
               <a:schemeClr val="dk1"/>
             </a:solidFill>
             <a:prstDash val="solid"/>
             <a:miter lim="800000"/>
-            <a:headEnd len="sm" w="sm" type="none"/>
-            <a:tailEnd len="sm" w="sm" type="none"/>
+            <a:headEnd type="none" w="sm" len="sm"/>
+            <a:tailEnd type="none" w="sm" len="sm"/>
           </a:ln>
         </p:spPr>
         <p:txBody>
-          <a:bodyPr anchorCtr="0" anchor="ctr" bIns="34275" lIns="68575" spcFirstLastPara="1" rIns="68575" wrap="square" tIns="34275">
+          <a:bodyPr spcFirstLastPara="1" wrap="square" lIns="68575" tIns="34275" rIns="68575" bIns="34275" anchor="ctr" anchorCtr="0">
             <a:noAutofit/>
           </a:bodyPr>
           <a:lstStyle/>
           <a:p>
-            <a:pPr indent="0" lvl="0" marL="0" marR="0" rtl="0" algn="ctr">
+            <a:pPr marL="0" marR="0" lvl="0" indent="0" algn="ctr" rtl="0">
               <a:spcBef>
                 <a:spcPts val="0"/>
               </a:spcBef>
@@ -7592,9 +8070,6 @@
               </a:spcAft>
               <a:buNone/>
             </a:pPr>
-            <a:r>
-              <a:t/>
-            </a:r>
             <a:endParaRPr sz="1400">
               <a:solidFill>
                 <a:schemeClr val="dk1"/>
@@ -7624,23 +8099,23 @@
           <a:solidFill>
             <a:schemeClr val="lt1"/>
           </a:solidFill>
-          <a:ln cap="flat" cmpd="sng" w="12700">
+          <a:ln w="12700" cap="flat" cmpd="sng">
             <a:solidFill>
               <a:schemeClr val="dk1"/>
             </a:solidFill>
             <a:prstDash val="solid"/>
             <a:miter lim="800000"/>
-            <a:headEnd len="sm" w="sm" type="none"/>
-            <a:tailEnd len="sm" w="sm" type="none"/>
+            <a:headEnd type="none" w="sm" len="sm"/>
+            <a:tailEnd type="none" w="sm" len="sm"/>
           </a:ln>
         </p:spPr>
         <p:txBody>
-          <a:bodyPr anchorCtr="0" anchor="ctr" bIns="34275" lIns="68575" spcFirstLastPara="1" rIns="68575" wrap="square" tIns="34275">
+          <a:bodyPr spcFirstLastPara="1" wrap="square" lIns="68575" tIns="34275" rIns="68575" bIns="34275" anchor="ctr" anchorCtr="0">
             <a:noAutofit/>
           </a:bodyPr>
           <a:lstStyle/>
           <a:p>
-            <a:pPr indent="0" lvl="0" marL="0" marR="0" rtl="0" algn="ctr">
+            <a:pPr marL="0" marR="0" lvl="0" indent="0" algn="ctr" rtl="0">
               <a:spcBef>
                 <a:spcPts val="0"/>
               </a:spcBef>
@@ -7649,9 +8124,6 @@
               </a:spcAft>
               <a:buNone/>
             </a:pPr>
-            <a:r>
-              <a:t/>
-            </a:r>
             <a:endParaRPr sz="1400">
               <a:solidFill>
                 <a:schemeClr val="dk1"/>
@@ -7681,23 +8153,23 @@
           <a:solidFill>
             <a:schemeClr val="lt1"/>
           </a:solidFill>
-          <a:ln cap="flat" cmpd="sng" w="12700">
+          <a:ln w="12700" cap="flat" cmpd="sng">
             <a:solidFill>
               <a:schemeClr val="dk1"/>
             </a:solidFill>
             <a:prstDash val="solid"/>
             <a:miter lim="800000"/>
-            <a:headEnd len="sm" w="sm" type="none"/>
-            <a:tailEnd len="sm" w="sm" type="none"/>
+            <a:headEnd type="none" w="sm" len="sm"/>
+            <a:tailEnd type="none" w="sm" len="sm"/>
           </a:ln>
         </p:spPr>
         <p:txBody>
-          <a:bodyPr anchorCtr="0" anchor="ctr" bIns="34275" lIns="68575" spcFirstLastPara="1" rIns="68575" wrap="square" tIns="34275">
+          <a:bodyPr spcFirstLastPara="1" wrap="square" lIns="68575" tIns="34275" rIns="68575" bIns="34275" anchor="ctr" anchorCtr="0">
             <a:noAutofit/>
           </a:bodyPr>
           <a:lstStyle/>
           <a:p>
-            <a:pPr indent="0" lvl="0" marL="0" marR="0" rtl="0" algn="ctr">
+            <a:pPr marL="0" marR="0" lvl="0" indent="0" algn="ctr" rtl="0">
               <a:spcBef>
                 <a:spcPts val="0"/>
               </a:spcBef>
@@ -7706,9 +8178,6 @@
               </a:spcAft>
               <a:buNone/>
             </a:pPr>
-            <a:r>
-              <a:t/>
-            </a:r>
             <a:endParaRPr sz="1400">
               <a:solidFill>
                 <a:schemeClr val="dk1"/>
@@ -7738,23 +8207,23 @@
           <a:solidFill>
             <a:schemeClr val="lt1"/>
           </a:solidFill>
-          <a:ln cap="flat" cmpd="sng" w="12700">
+          <a:ln w="12700" cap="flat" cmpd="sng">
             <a:solidFill>
               <a:schemeClr val="dk1"/>
             </a:solidFill>
             <a:prstDash val="solid"/>
             <a:miter lim="800000"/>
-            <a:headEnd len="sm" w="sm" type="none"/>
-            <a:tailEnd len="sm" w="sm" type="none"/>
+            <a:headEnd type="none" w="sm" len="sm"/>
+            <a:tailEnd type="none" w="sm" len="sm"/>
           </a:ln>
         </p:spPr>
         <p:txBody>
-          <a:bodyPr anchorCtr="0" anchor="ctr" bIns="34275" lIns="68575" spcFirstLastPara="1" rIns="68575" wrap="square" tIns="34275">
+          <a:bodyPr spcFirstLastPara="1" wrap="square" lIns="68575" tIns="34275" rIns="68575" bIns="34275" anchor="ctr" anchorCtr="0">
             <a:noAutofit/>
           </a:bodyPr>
           <a:lstStyle/>
           <a:p>
-            <a:pPr indent="0" lvl="0" marL="0" marR="0" rtl="0" algn="ctr">
+            <a:pPr marL="0" marR="0" lvl="0" indent="0" algn="ctr" rtl="0">
               <a:spcBef>
                 <a:spcPts val="0"/>
               </a:spcBef>
@@ -7763,9 +8232,6 @@
               </a:spcAft>
               <a:buNone/>
             </a:pPr>
-            <a:r>
-              <a:t/>
-            </a:r>
             <a:endParaRPr sz="1400">
               <a:solidFill>
                 <a:schemeClr val="dk1"/>
@@ -7795,23 +8261,23 @@
           <a:solidFill>
             <a:schemeClr val="lt1"/>
           </a:solidFill>
-          <a:ln cap="flat" cmpd="sng" w="12700">
+          <a:ln w="12700" cap="flat" cmpd="sng">
             <a:solidFill>
               <a:schemeClr val="dk1"/>
             </a:solidFill>
             <a:prstDash val="solid"/>
             <a:miter lim="800000"/>
-            <a:headEnd len="sm" w="sm" type="none"/>
-            <a:tailEnd len="sm" w="sm" type="none"/>
+            <a:headEnd type="none" w="sm" len="sm"/>
+            <a:tailEnd type="none" w="sm" len="sm"/>
           </a:ln>
         </p:spPr>
         <p:txBody>
-          <a:bodyPr anchorCtr="0" anchor="ctr" bIns="34275" lIns="68575" spcFirstLastPara="1" rIns="68575" wrap="square" tIns="34275">
+          <a:bodyPr spcFirstLastPara="1" wrap="square" lIns="68575" tIns="34275" rIns="68575" bIns="34275" anchor="ctr" anchorCtr="0">
             <a:noAutofit/>
           </a:bodyPr>
           <a:lstStyle/>
           <a:p>
-            <a:pPr indent="0" lvl="0" marL="0" marR="0" rtl="0" algn="ctr">
+            <a:pPr marL="0" marR="0" lvl="0" indent="0" algn="ctr" rtl="0">
               <a:spcBef>
                 <a:spcPts val="0"/>
               </a:spcBef>
@@ -7820,9 +8286,6 @@
               </a:spcAft>
               <a:buNone/>
             </a:pPr>
-            <a:r>
-              <a:t/>
-            </a:r>
             <a:endParaRPr sz="1400">
               <a:solidFill>
                 <a:schemeClr val="dk1"/>
@@ -7852,23 +8315,23 @@
           <a:solidFill>
             <a:schemeClr val="lt1"/>
           </a:solidFill>
-          <a:ln cap="flat" cmpd="sng" w="12700">
+          <a:ln w="12700" cap="flat" cmpd="sng">
             <a:solidFill>
               <a:schemeClr val="dk1"/>
             </a:solidFill>
             <a:prstDash val="solid"/>
             <a:miter lim="800000"/>
-            <a:headEnd len="sm" w="sm" type="none"/>
-            <a:tailEnd len="sm" w="sm" type="none"/>
+            <a:headEnd type="none" w="sm" len="sm"/>
+            <a:tailEnd type="none" w="sm" len="sm"/>
           </a:ln>
         </p:spPr>
         <p:txBody>
-          <a:bodyPr anchorCtr="0" anchor="ctr" bIns="34275" lIns="68575" spcFirstLastPara="1" rIns="68575" wrap="square" tIns="34275">
+          <a:bodyPr spcFirstLastPara="1" wrap="square" lIns="68575" tIns="34275" rIns="68575" bIns="34275" anchor="ctr" anchorCtr="0">
             <a:noAutofit/>
           </a:bodyPr>
           <a:lstStyle/>
           <a:p>
-            <a:pPr indent="0" lvl="0" marL="0" marR="0" rtl="0" algn="ctr">
+            <a:pPr marL="0" marR="0" lvl="0" indent="0" algn="ctr" rtl="0">
               <a:spcBef>
                 <a:spcPts val="0"/>
               </a:spcBef>
@@ -7877,9 +8340,6 @@
               </a:spcAft>
               <a:buNone/>
             </a:pPr>
-            <a:r>
-              <a:t/>
-            </a:r>
             <a:endParaRPr sz="1400">
               <a:solidFill>
                 <a:schemeClr val="dk1"/>
@@ -7909,23 +8369,23 @@
           <a:solidFill>
             <a:schemeClr val="lt1"/>
           </a:solidFill>
-          <a:ln cap="flat" cmpd="sng" w="12700">
+          <a:ln w="12700" cap="flat" cmpd="sng">
             <a:solidFill>
               <a:schemeClr val="dk1"/>
             </a:solidFill>
             <a:prstDash val="solid"/>
             <a:miter lim="800000"/>
-            <a:headEnd len="sm" w="sm" type="none"/>
-            <a:tailEnd len="sm" w="sm" type="none"/>
+            <a:headEnd type="none" w="sm" len="sm"/>
+            <a:tailEnd type="none" w="sm" len="sm"/>
           </a:ln>
         </p:spPr>
         <p:txBody>
-          <a:bodyPr anchorCtr="0" anchor="ctr" bIns="34275" lIns="68575" spcFirstLastPara="1" rIns="68575" wrap="square" tIns="34275">
+          <a:bodyPr spcFirstLastPara="1" wrap="square" lIns="68575" tIns="34275" rIns="68575" bIns="34275" anchor="ctr" anchorCtr="0">
             <a:noAutofit/>
           </a:bodyPr>
           <a:lstStyle/>
           <a:p>
-            <a:pPr indent="0" lvl="0" marL="0" marR="0" rtl="0" algn="ctr">
+            <a:pPr marL="0" marR="0" lvl="0" indent="0" algn="ctr" rtl="0">
               <a:spcBef>
                 <a:spcPts val="0"/>
               </a:spcBef>
@@ -7934,9 +8394,6 @@
               </a:spcAft>
               <a:buNone/>
             </a:pPr>
-            <a:r>
-              <a:t/>
-            </a:r>
             <a:endParaRPr sz="1400">
               <a:solidFill>
                 <a:schemeClr val="dk1"/>
@@ -7966,23 +8423,23 @@
           <a:solidFill>
             <a:schemeClr val="lt1"/>
           </a:solidFill>
-          <a:ln cap="flat" cmpd="sng" w="12700">
+          <a:ln w="12700" cap="flat" cmpd="sng">
             <a:solidFill>
               <a:schemeClr val="dk1"/>
             </a:solidFill>
             <a:prstDash val="solid"/>
             <a:miter lim="800000"/>
-            <a:headEnd len="sm" w="sm" type="none"/>
-            <a:tailEnd len="sm" w="sm" type="none"/>
+            <a:headEnd type="none" w="sm" len="sm"/>
+            <a:tailEnd type="none" w="sm" len="sm"/>
           </a:ln>
         </p:spPr>
         <p:txBody>
-          <a:bodyPr anchorCtr="0" anchor="ctr" bIns="34275" lIns="68575" spcFirstLastPara="1" rIns="68575" wrap="square" tIns="34275">
+          <a:bodyPr spcFirstLastPara="1" wrap="square" lIns="68575" tIns="34275" rIns="68575" bIns="34275" anchor="ctr" anchorCtr="0">
             <a:noAutofit/>
           </a:bodyPr>
           <a:lstStyle/>
           <a:p>
-            <a:pPr indent="0" lvl="0" marL="0" marR="0" rtl="0" algn="ctr">
+            <a:pPr marL="0" marR="0" lvl="0" indent="0" algn="ctr" rtl="0">
               <a:spcBef>
                 <a:spcPts val="0"/>
               </a:spcBef>
@@ -7991,9 +8448,6 @@
               </a:spcAft>
               <a:buNone/>
             </a:pPr>
-            <a:r>
-              <a:t/>
-            </a:r>
             <a:endParaRPr sz="1400">
               <a:solidFill>
                 <a:schemeClr val="dk1"/>
@@ -8023,23 +8477,23 @@
           <a:solidFill>
             <a:schemeClr val="lt1"/>
           </a:solidFill>
-          <a:ln cap="flat" cmpd="sng" w="12700">
+          <a:ln w="12700" cap="flat" cmpd="sng">
             <a:solidFill>
               <a:schemeClr val="dk1"/>
             </a:solidFill>
             <a:prstDash val="solid"/>
             <a:miter lim="800000"/>
-            <a:headEnd len="sm" w="sm" type="none"/>
-            <a:tailEnd len="sm" w="sm" type="none"/>
+            <a:headEnd type="none" w="sm" len="sm"/>
+            <a:tailEnd type="none" w="sm" len="sm"/>
           </a:ln>
         </p:spPr>
         <p:txBody>
-          <a:bodyPr anchorCtr="0" anchor="ctr" bIns="34275" lIns="68575" spcFirstLastPara="1" rIns="68575" wrap="square" tIns="34275">
+          <a:bodyPr spcFirstLastPara="1" wrap="square" lIns="68575" tIns="34275" rIns="68575" bIns="34275" anchor="ctr" anchorCtr="0">
             <a:noAutofit/>
           </a:bodyPr>
           <a:lstStyle/>
           <a:p>
-            <a:pPr indent="0" lvl="0" marL="0" marR="0" rtl="0" algn="ctr">
+            <a:pPr marL="0" marR="0" lvl="0" indent="0" algn="ctr" rtl="0">
               <a:spcBef>
                 <a:spcPts val="0"/>
               </a:spcBef>
@@ -8048,9 +8502,6 @@
               </a:spcAft>
               <a:buNone/>
             </a:pPr>
-            <a:r>
-              <a:t/>
-            </a:r>
             <a:endParaRPr sz="1400">
               <a:solidFill>
                 <a:schemeClr val="dk1"/>
@@ -8080,23 +8531,23 @@
           <a:solidFill>
             <a:schemeClr val="lt1"/>
           </a:solidFill>
-          <a:ln cap="flat" cmpd="sng" w="12700">
+          <a:ln w="12700" cap="flat" cmpd="sng">
             <a:solidFill>
               <a:schemeClr val="dk1"/>
             </a:solidFill>
             <a:prstDash val="solid"/>
             <a:miter lim="800000"/>
-            <a:headEnd len="sm" w="sm" type="none"/>
-            <a:tailEnd len="sm" w="sm" type="none"/>
+            <a:headEnd type="none" w="sm" len="sm"/>
+            <a:tailEnd type="none" w="sm" len="sm"/>
           </a:ln>
         </p:spPr>
         <p:txBody>
-          <a:bodyPr anchorCtr="0" anchor="ctr" bIns="34275" lIns="68575" spcFirstLastPara="1" rIns="68575" wrap="square" tIns="34275">
+          <a:bodyPr spcFirstLastPara="1" wrap="square" lIns="68575" tIns="34275" rIns="68575" bIns="34275" anchor="ctr" anchorCtr="0">
             <a:noAutofit/>
           </a:bodyPr>
           <a:lstStyle/>
           <a:p>
-            <a:pPr indent="0" lvl="0" marL="0" marR="0" rtl="0" algn="ctr">
+            <a:pPr marL="0" marR="0" lvl="0" indent="0" algn="ctr" rtl="0">
               <a:spcBef>
                 <a:spcPts val="0"/>
               </a:spcBef>
@@ -8105,9 +8556,6 @@
               </a:spcAft>
               <a:buNone/>
             </a:pPr>
-            <a:r>
-              <a:t/>
-            </a:r>
             <a:endParaRPr sz="1400">
               <a:solidFill>
                 <a:schemeClr val="dk1"/>
@@ -8137,23 +8585,23 @@
           <a:solidFill>
             <a:schemeClr val="lt1"/>
           </a:solidFill>
-          <a:ln cap="flat" cmpd="sng" w="12700">
+          <a:ln w="12700" cap="flat" cmpd="sng">
             <a:solidFill>
               <a:schemeClr val="dk1"/>
             </a:solidFill>
             <a:prstDash val="solid"/>
             <a:miter lim="800000"/>
-            <a:headEnd len="sm" w="sm" type="none"/>
-            <a:tailEnd len="sm" w="sm" type="none"/>
+            <a:headEnd type="none" w="sm" len="sm"/>
+            <a:tailEnd type="none" w="sm" len="sm"/>
           </a:ln>
         </p:spPr>
         <p:txBody>
-          <a:bodyPr anchorCtr="0" anchor="ctr" bIns="34275" lIns="68575" spcFirstLastPara="1" rIns="68575" wrap="square" tIns="34275">
+          <a:bodyPr spcFirstLastPara="1" wrap="square" lIns="68575" tIns="34275" rIns="68575" bIns="34275" anchor="ctr" anchorCtr="0">
             <a:noAutofit/>
           </a:bodyPr>
           <a:lstStyle/>
           <a:p>
-            <a:pPr indent="0" lvl="0" marL="0" marR="0" rtl="0" algn="ctr">
+            <a:pPr marL="0" marR="0" lvl="0" indent="0" algn="ctr" rtl="0">
               <a:spcBef>
                 <a:spcPts val="0"/>
               </a:spcBef>
@@ -8162,9 +8610,6 @@
               </a:spcAft>
               <a:buNone/>
             </a:pPr>
-            <a:r>
-              <a:t/>
-            </a:r>
             <a:endParaRPr sz="1400">
               <a:solidFill>
                 <a:schemeClr val="dk1"/>
@@ -8194,23 +8639,23 @@
           <a:solidFill>
             <a:schemeClr val="lt1"/>
           </a:solidFill>
-          <a:ln cap="flat" cmpd="sng" w="12700">
+          <a:ln w="12700" cap="flat" cmpd="sng">
             <a:solidFill>
               <a:schemeClr val="dk1"/>
             </a:solidFill>
             <a:prstDash val="solid"/>
             <a:miter lim="800000"/>
-            <a:headEnd len="sm" w="sm" type="none"/>
-            <a:tailEnd len="sm" w="sm" type="none"/>
+            <a:headEnd type="none" w="sm" len="sm"/>
+            <a:tailEnd type="none" w="sm" len="sm"/>
           </a:ln>
         </p:spPr>
         <p:txBody>
-          <a:bodyPr anchorCtr="0" anchor="ctr" bIns="34275" lIns="68575" spcFirstLastPara="1" rIns="68575" wrap="square" tIns="34275">
+          <a:bodyPr spcFirstLastPara="1" wrap="square" lIns="68575" tIns="34275" rIns="68575" bIns="34275" anchor="ctr" anchorCtr="0">
             <a:noAutofit/>
           </a:bodyPr>
           <a:lstStyle/>
           <a:p>
-            <a:pPr indent="0" lvl="0" marL="0" marR="0" rtl="0" algn="ctr">
+            <a:pPr marL="0" marR="0" lvl="0" indent="0" algn="ctr" rtl="0">
               <a:spcBef>
                 <a:spcPts val="0"/>
               </a:spcBef>
@@ -8219,9 +8664,6 @@
               </a:spcAft>
               <a:buNone/>
             </a:pPr>
-            <a:r>
-              <a:t/>
-            </a:r>
             <a:endParaRPr sz="1400">
               <a:solidFill>
                 <a:schemeClr val="dk1"/>
@@ -8251,23 +8693,23 @@
           <a:solidFill>
             <a:schemeClr val="lt1"/>
           </a:solidFill>
-          <a:ln cap="flat" cmpd="sng" w="12700">
+          <a:ln w="12700" cap="flat" cmpd="sng">
             <a:solidFill>
               <a:schemeClr val="dk1"/>
             </a:solidFill>
             <a:prstDash val="solid"/>
             <a:miter lim="800000"/>
-            <a:headEnd len="sm" w="sm" type="none"/>
-            <a:tailEnd len="sm" w="sm" type="none"/>
+            <a:headEnd type="none" w="sm" len="sm"/>
+            <a:tailEnd type="none" w="sm" len="sm"/>
           </a:ln>
         </p:spPr>
         <p:txBody>
-          <a:bodyPr anchorCtr="0" anchor="ctr" bIns="34275" lIns="68575" spcFirstLastPara="1" rIns="68575" wrap="square" tIns="34275">
+          <a:bodyPr spcFirstLastPara="1" wrap="square" lIns="68575" tIns="34275" rIns="68575" bIns="34275" anchor="ctr" anchorCtr="0">
             <a:noAutofit/>
           </a:bodyPr>
           <a:lstStyle/>
           <a:p>
-            <a:pPr indent="0" lvl="0" marL="0" marR="0" rtl="0" algn="ctr">
+            <a:pPr marL="0" marR="0" lvl="0" indent="0" algn="ctr" rtl="0">
               <a:spcBef>
                 <a:spcPts val="0"/>
               </a:spcBef>
@@ -8276,9 +8718,6 @@
               </a:spcAft>
               <a:buNone/>
             </a:pPr>
-            <a:r>
-              <a:t/>
-            </a:r>
             <a:endParaRPr sz="1400">
               <a:solidFill>
                 <a:schemeClr val="dk1"/>
@@ -8308,23 +8747,23 @@
           <a:solidFill>
             <a:schemeClr val="accent5"/>
           </a:solidFill>
-          <a:ln cap="flat" cmpd="sng" w="12700">
+          <a:ln w="12700" cap="flat" cmpd="sng">
             <a:solidFill>
               <a:srgbClr val="42719B"/>
             </a:solidFill>
             <a:prstDash val="solid"/>
             <a:miter lim="800000"/>
-            <a:headEnd len="sm" w="sm" type="none"/>
-            <a:tailEnd len="sm" w="sm" type="none"/>
+            <a:headEnd type="none" w="sm" len="sm"/>
+            <a:tailEnd type="none" w="sm" len="sm"/>
           </a:ln>
         </p:spPr>
         <p:txBody>
-          <a:bodyPr anchorCtr="0" anchor="ctr" bIns="34275" lIns="68575" spcFirstLastPara="1" rIns="68575" wrap="square" tIns="34275">
+          <a:bodyPr spcFirstLastPara="1" wrap="square" lIns="68575" tIns="34275" rIns="68575" bIns="34275" anchor="ctr" anchorCtr="0">
             <a:noAutofit/>
           </a:bodyPr>
           <a:lstStyle/>
           <a:p>
-            <a:pPr indent="0" lvl="0" marL="0" marR="0" rtl="0" algn="ctr">
+            <a:pPr marL="0" marR="0" lvl="0" indent="0" algn="ctr" rtl="0">
               <a:spcBef>
                 <a:spcPts val="0"/>
               </a:spcBef>
@@ -8333,9 +8772,6 @@
               </a:spcAft>
               <a:buNone/>
             </a:pPr>
-            <a:r>
-              <a:t/>
-            </a:r>
             <a:endParaRPr sz="1400">
               <a:solidFill>
                 <a:schemeClr val="lt1"/>
@@ -8365,23 +8801,23 @@
           <a:solidFill>
             <a:schemeClr val="accent5"/>
           </a:solidFill>
-          <a:ln cap="flat" cmpd="sng" w="12700">
+          <a:ln w="12700" cap="flat" cmpd="sng">
             <a:solidFill>
               <a:srgbClr val="42719B"/>
             </a:solidFill>
             <a:prstDash val="solid"/>
             <a:miter lim="800000"/>
-            <a:headEnd len="sm" w="sm" type="none"/>
-            <a:tailEnd len="sm" w="sm" type="none"/>
+            <a:headEnd type="none" w="sm" len="sm"/>
+            <a:tailEnd type="none" w="sm" len="sm"/>
           </a:ln>
         </p:spPr>
         <p:txBody>
-          <a:bodyPr anchorCtr="0" anchor="ctr" bIns="34275" lIns="68575" spcFirstLastPara="1" rIns="68575" wrap="square" tIns="34275">
+          <a:bodyPr spcFirstLastPara="1" wrap="square" lIns="68575" tIns="34275" rIns="68575" bIns="34275" anchor="ctr" anchorCtr="0">
             <a:noAutofit/>
           </a:bodyPr>
           <a:lstStyle/>
           <a:p>
-            <a:pPr indent="0" lvl="0" marL="0" marR="0" rtl="0" algn="ctr">
+            <a:pPr marL="0" marR="0" lvl="0" indent="0" algn="ctr" rtl="0">
               <a:spcBef>
                 <a:spcPts val="0"/>
               </a:spcBef>
@@ -8390,9 +8826,6 @@
               </a:spcAft>
               <a:buNone/>
             </a:pPr>
-            <a:r>
-              <a:t/>
-            </a:r>
             <a:endParaRPr sz="1400">
               <a:solidFill>
                 <a:schemeClr val="lt1"/>
@@ -8422,23 +8855,23 @@
           <a:solidFill>
             <a:schemeClr val="accent5"/>
           </a:solidFill>
-          <a:ln cap="flat" cmpd="sng" w="12700">
+          <a:ln w="12700" cap="flat" cmpd="sng">
             <a:solidFill>
               <a:srgbClr val="42719B"/>
             </a:solidFill>
             <a:prstDash val="solid"/>
             <a:miter lim="800000"/>
-            <a:headEnd len="sm" w="sm" type="none"/>
-            <a:tailEnd len="sm" w="sm" type="none"/>
+            <a:headEnd type="none" w="sm" len="sm"/>
+            <a:tailEnd type="none" w="sm" len="sm"/>
           </a:ln>
         </p:spPr>
         <p:txBody>
-          <a:bodyPr anchorCtr="0" anchor="ctr" bIns="34275" lIns="68575" spcFirstLastPara="1" rIns="68575" wrap="square" tIns="34275">
+          <a:bodyPr spcFirstLastPara="1" wrap="square" lIns="68575" tIns="34275" rIns="68575" bIns="34275" anchor="ctr" anchorCtr="0">
             <a:noAutofit/>
           </a:bodyPr>
           <a:lstStyle/>
           <a:p>
-            <a:pPr indent="0" lvl="0" marL="0" marR="0" rtl="0" algn="ctr">
+            <a:pPr marL="0" marR="0" lvl="0" indent="0" algn="ctr" rtl="0">
               <a:spcBef>
                 <a:spcPts val="0"/>
               </a:spcBef>
@@ -8447,9 +8880,6 @@
               </a:spcAft>
               <a:buNone/>
             </a:pPr>
-            <a:r>
-              <a:t/>
-            </a:r>
             <a:endParaRPr sz="1400">
               <a:solidFill>
                 <a:schemeClr val="lt1"/>
@@ -8479,23 +8909,23 @@
           <a:solidFill>
             <a:schemeClr val="accent5"/>
           </a:solidFill>
-          <a:ln cap="flat" cmpd="sng" w="12700">
+          <a:ln w="12700" cap="flat" cmpd="sng">
             <a:solidFill>
               <a:srgbClr val="42719B"/>
             </a:solidFill>
             <a:prstDash val="solid"/>
             <a:miter lim="800000"/>
-            <a:headEnd len="sm" w="sm" type="none"/>
-            <a:tailEnd len="sm" w="sm" type="none"/>
+            <a:headEnd type="none" w="sm" len="sm"/>
+            <a:tailEnd type="none" w="sm" len="sm"/>
           </a:ln>
         </p:spPr>
         <p:txBody>
-          <a:bodyPr anchorCtr="0" anchor="ctr" bIns="34275" lIns="68575" spcFirstLastPara="1" rIns="68575" wrap="square" tIns="34275">
+          <a:bodyPr spcFirstLastPara="1" wrap="square" lIns="68575" tIns="34275" rIns="68575" bIns="34275" anchor="ctr" anchorCtr="0">
             <a:noAutofit/>
           </a:bodyPr>
           <a:lstStyle/>
           <a:p>
-            <a:pPr indent="0" lvl="0" marL="0" marR="0" rtl="0" algn="ctr">
+            <a:pPr marL="0" marR="0" lvl="0" indent="0" algn="ctr" rtl="0">
               <a:spcBef>
                 <a:spcPts val="0"/>
               </a:spcBef>
@@ -8504,9 +8934,6 @@
               </a:spcAft>
               <a:buNone/>
             </a:pPr>
-            <a:r>
-              <a:t/>
-            </a:r>
             <a:endParaRPr sz="1400">
               <a:solidFill>
                 <a:schemeClr val="lt1"/>
@@ -8536,23 +8963,23 @@
           <a:solidFill>
             <a:schemeClr val="lt1"/>
           </a:solidFill>
-          <a:ln cap="flat" cmpd="sng" w="12700">
+          <a:ln w="12700" cap="flat" cmpd="sng">
             <a:solidFill>
               <a:schemeClr val="dk1"/>
             </a:solidFill>
             <a:prstDash val="solid"/>
             <a:miter lim="800000"/>
-            <a:headEnd len="sm" w="sm" type="none"/>
-            <a:tailEnd len="sm" w="sm" type="none"/>
+            <a:headEnd type="none" w="sm" len="sm"/>
+            <a:tailEnd type="none" w="sm" len="sm"/>
           </a:ln>
         </p:spPr>
         <p:txBody>
-          <a:bodyPr anchorCtr="0" anchor="ctr" bIns="34275" lIns="68575" spcFirstLastPara="1" rIns="68575" wrap="square" tIns="34275">
+          <a:bodyPr spcFirstLastPara="1" wrap="square" lIns="68575" tIns="34275" rIns="68575" bIns="34275" anchor="ctr" anchorCtr="0">
             <a:noAutofit/>
           </a:bodyPr>
           <a:lstStyle/>
           <a:p>
-            <a:pPr indent="0" lvl="0" marL="0" marR="0" rtl="0" algn="ctr">
+            <a:pPr marL="0" marR="0" lvl="0" indent="0" algn="ctr" rtl="0">
               <a:spcBef>
                 <a:spcPts val="0"/>
               </a:spcBef>
@@ -8561,9 +8988,6 @@
               </a:spcAft>
               <a:buNone/>
             </a:pPr>
-            <a:r>
-              <a:t/>
-            </a:r>
             <a:endParaRPr sz="1400">
               <a:solidFill>
                 <a:schemeClr val="dk1"/>
@@ -8593,23 +9017,23 @@
           <a:solidFill>
             <a:schemeClr val="lt1"/>
           </a:solidFill>
-          <a:ln cap="flat" cmpd="sng" w="12700">
+          <a:ln w="12700" cap="flat" cmpd="sng">
             <a:solidFill>
               <a:schemeClr val="dk1"/>
             </a:solidFill>
             <a:prstDash val="solid"/>
             <a:miter lim="800000"/>
-            <a:headEnd len="sm" w="sm" type="none"/>
-            <a:tailEnd len="sm" w="sm" type="none"/>
+            <a:headEnd type="none" w="sm" len="sm"/>
+            <a:tailEnd type="none" w="sm" len="sm"/>
           </a:ln>
         </p:spPr>
         <p:txBody>
-          <a:bodyPr anchorCtr="0" anchor="ctr" bIns="34275" lIns="68575" spcFirstLastPara="1" rIns="68575" wrap="square" tIns="34275">
+          <a:bodyPr spcFirstLastPara="1" wrap="square" lIns="68575" tIns="34275" rIns="68575" bIns="34275" anchor="ctr" anchorCtr="0">
             <a:noAutofit/>
           </a:bodyPr>
           <a:lstStyle/>
           <a:p>
-            <a:pPr indent="0" lvl="0" marL="0" marR="0" rtl="0" algn="ctr">
+            <a:pPr marL="0" marR="0" lvl="0" indent="0" algn="ctr" rtl="0">
               <a:spcBef>
                 <a:spcPts val="0"/>
               </a:spcBef>
@@ -8618,9 +9042,6 @@
               </a:spcAft>
               <a:buNone/>
             </a:pPr>
-            <a:r>
-              <a:t/>
-            </a:r>
             <a:endParaRPr sz="1400">
               <a:solidFill>
                 <a:schemeClr val="dk1"/>
@@ -8650,23 +9071,23 @@
           <a:solidFill>
             <a:schemeClr val="lt1"/>
           </a:solidFill>
-          <a:ln cap="flat" cmpd="sng" w="12700">
+          <a:ln w="12700" cap="flat" cmpd="sng">
             <a:solidFill>
               <a:schemeClr val="dk1"/>
             </a:solidFill>
             <a:prstDash val="solid"/>
             <a:miter lim="800000"/>
-            <a:headEnd len="sm" w="sm" type="none"/>
-            <a:tailEnd len="sm" w="sm" type="none"/>
+            <a:headEnd type="none" w="sm" len="sm"/>
+            <a:tailEnd type="none" w="sm" len="sm"/>
           </a:ln>
         </p:spPr>
         <p:txBody>
-          <a:bodyPr anchorCtr="0" anchor="ctr" bIns="34275" lIns="68575" spcFirstLastPara="1" rIns="68575" wrap="square" tIns="34275">
+          <a:bodyPr spcFirstLastPara="1" wrap="square" lIns="68575" tIns="34275" rIns="68575" bIns="34275" anchor="ctr" anchorCtr="0">
             <a:noAutofit/>
           </a:bodyPr>
           <a:lstStyle/>
           <a:p>
-            <a:pPr indent="0" lvl="0" marL="0" marR="0" rtl="0" algn="ctr">
+            <a:pPr marL="0" marR="0" lvl="0" indent="0" algn="ctr" rtl="0">
               <a:spcBef>
                 <a:spcPts val="0"/>
               </a:spcBef>
@@ -8675,9 +9096,6 @@
               </a:spcAft>
               <a:buNone/>
             </a:pPr>
-            <a:r>
-              <a:t/>
-            </a:r>
             <a:endParaRPr sz="1400">
               <a:solidFill>
                 <a:schemeClr val="dk1"/>
@@ -8707,23 +9125,23 @@
           <a:solidFill>
             <a:schemeClr val="lt1"/>
           </a:solidFill>
-          <a:ln cap="flat" cmpd="sng" w="12700">
+          <a:ln w="12700" cap="flat" cmpd="sng">
             <a:solidFill>
               <a:schemeClr val="dk1"/>
             </a:solidFill>
             <a:prstDash val="solid"/>
             <a:miter lim="800000"/>
-            <a:headEnd len="sm" w="sm" type="none"/>
-            <a:tailEnd len="sm" w="sm" type="none"/>
+            <a:headEnd type="none" w="sm" len="sm"/>
+            <a:tailEnd type="none" w="sm" len="sm"/>
           </a:ln>
         </p:spPr>
         <p:txBody>
-          <a:bodyPr anchorCtr="0" anchor="ctr" bIns="34275" lIns="68575" spcFirstLastPara="1" rIns="68575" wrap="square" tIns="34275">
+          <a:bodyPr spcFirstLastPara="1" wrap="square" lIns="68575" tIns="34275" rIns="68575" bIns="34275" anchor="ctr" anchorCtr="0">
             <a:noAutofit/>
           </a:bodyPr>
           <a:lstStyle/>
           <a:p>
-            <a:pPr indent="0" lvl="0" marL="0" marR="0" rtl="0" algn="ctr">
+            <a:pPr marL="0" marR="0" lvl="0" indent="0" algn="ctr" rtl="0">
               <a:spcBef>
                 <a:spcPts val="0"/>
               </a:spcBef>
@@ -8732,9 +9150,6 @@
               </a:spcAft>
               <a:buNone/>
             </a:pPr>
-            <a:r>
-              <a:t/>
-            </a:r>
             <a:endParaRPr sz="1400">
               <a:solidFill>
                 <a:schemeClr val="dk1"/>
@@ -8764,23 +9179,23 @@
           <a:solidFill>
             <a:schemeClr val="lt1"/>
           </a:solidFill>
-          <a:ln cap="flat" cmpd="sng" w="12700">
+          <a:ln w="12700" cap="flat" cmpd="sng">
             <a:solidFill>
               <a:schemeClr val="dk1"/>
             </a:solidFill>
             <a:prstDash val="solid"/>
             <a:miter lim="800000"/>
-            <a:headEnd len="sm" w="sm" type="none"/>
-            <a:tailEnd len="sm" w="sm" type="none"/>
+            <a:headEnd type="none" w="sm" len="sm"/>
+            <a:tailEnd type="none" w="sm" len="sm"/>
           </a:ln>
         </p:spPr>
         <p:txBody>
-          <a:bodyPr anchorCtr="0" anchor="ctr" bIns="34275" lIns="68575" spcFirstLastPara="1" rIns="68575" wrap="square" tIns="34275">
+          <a:bodyPr spcFirstLastPara="1" wrap="square" lIns="68575" tIns="34275" rIns="68575" bIns="34275" anchor="ctr" anchorCtr="0">
             <a:noAutofit/>
           </a:bodyPr>
           <a:lstStyle/>
           <a:p>
-            <a:pPr indent="0" lvl="0" marL="0" marR="0" rtl="0" algn="ctr">
+            <a:pPr marL="0" marR="0" lvl="0" indent="0" algn="ctr" rtl="0">
               <a:spcBef>
                 <a:spcPts val="0"/>
               </a:spcBef>
@@ -8789,9 +9204,6 @@
               </a:spcAft>
               <a:buNone/>
             </a:pPr>
-            <a:r>
-              <a:t/>
-            </a:r>
             <a:endParaRPr sz="1400">
               <a:solidFill>
                 <a:schemeClr val="dk1"/>
@@ -8821,23 +9233,23 @@
           <a:solidFill>
             <a:schemeClr val="lt1"/>
           </a:solidFill>
-          <a:ln cap="flat" cmpd="sng" w="12700">
+          <a:ln w="12700" cap="flat" cmpd="sng">
             <a:solidFill>
               <a:schemeClr val="dk1"/>
             </a:solidFill>
             <a:prstDash val="solid"/>
             <a:miter lim="800000"/>
-            <a:headEnd len="sm" w="sm" type="none"/>
-            <a:tailEnd len="sm" w="sm" type="none"/>
+            <a:headEnd type="none" w="sm" len="sm"/>
+            <a:tailEnd type="none" w="sm" len="sm"/>
           </a:ln>
         </p:spPr>
         <p:txBody>
-          <a:bodyPr anchorCtr="0" anchor="ctr" bIns="34275" lIns="68575" spcFirstLastPara="1" rIns="68575" wrap="square" tIns="34275">
+          <a:bodyPr spcFirstLastPara="1" wrap="square" lIns="68575" tIns="34275" rIns="68575" bIns="34275" anchor="ctr" anchorCtr="0">
             <a:noAutofit/>
           </a:bodyPr>
           <a:lstStyle/>
           <a:p>
-            <a:pPr indent="0" lvl="0" marL="0" marR="0" rtl="0" algn="ctr">
+            <a:pPr marL="0" marR="0" lvl="0" indent="0" algn="ctr" rtl="0">
               <a:spcBef>
                 <a:spcPts val="0"/>
               </a:spcBef>
@@ -8846,9 +9258,6 @@
               </a:spcAft>
               <a:buNone/>
             </a:pPr>
-            <a:r>
-              <a:t/>
-            </a:r>
             <a:endParaRPr sz="1400">
               <a:solidFill>
                 <a:schemeClr val="dk1"/>
@@ -8878,23 +9287,23 @@
           <a:solidFill>
             <a:schemeClr val="lt1"/>
           </a:solidFill>
-          <a:ln cap="flat" cmpd="sng" w="12700">
+          <a:ln w="12700" cap="flat" cmpd="sng">
             <a:solidFill>
               <a:schemeClr val="dk1"/>
             </a:solidFill>
             <a:prstDash val="solid"/>
             <a:miter lim="800000"/>
-            <a:headEnd len="sm" w="sm" type="none"/>
-            <a:tailEnd len="sm" w="sm" type="none"/>
+            <a:headEnd type="none" w="sm" len="sm"/>
+            <a:tailEnd type="none" w="sm" len="sm"/>
           </a:ln>
         </p:spPr>
         <p:txBody>
-          <a:bodyPr anchorCtr="0" anchor="ctr" bIns="34275" lIns="68575" spcFirstLastPara="1" rIns="68575" wrap="square" tIns="34275">
+          <a:bodyPr spcFirstLastPara="1" wrap="square" lIns="68575" tIns="34275" rIns="68575" bIns="34275" anchor="ctr" anchorCtr="0">
             <a:noAutofit/>
           </a:bodyPr>
           <a:lstStyle/>
           <a:p>
-            <a:pPr indent="0" lvl="0" marL="0" marR="0" rtl="0" algn="ctr">
+            <a:pPr marL="0" marR="0" lvl="0" indent="0" algn="ctr" rtl="0">
               <a:spcBef>
                 <a:spcPts val="0"/>
               </a:spcBef>
@@ -8903,9 +9312,6 @@
               </a:spcAft>
               <a:buNone/>
             </a:pPr>
-            <a:r>
-              <a:t/>
-            </a:r>
             <a:endParaRPr sz="1400">
               <a:solidFill>
                 <a:schemeClr val="dk1"/>
@@ -8935,23 +9341,23 @@
           <a:solidFill>
             <a:schemeClr val="lt1"/>
           </a:solidFill>
-          <a:ln cap="flat" cmpd="sng" w="12700">
+          <a:ln w="12700" cap="flat" cmpd="sng">
             <a:solidFill>
               <a:schemeClr val="dk1"/>
             </a:solidFill>
             <a:prstDash val="solid"/>
             <a:miter lim="800000"/>
-            <a:headEnd len="sm" w="sm" type="none"/>
-            <a:tailEnd len="sm" w="sm" type="none"/>
+            <a:headEnd type="none" w="sm" len="sm"/>
+            <a:tailEnd type="none" w="sm" len="sm"/>
           </a:ln>
         </p:spPr>
         <p:txBody>
-          <a:bodyPr anchorCtr="0" anchor="ctr" bIns="34275" lIns="68575" spcFirstLastPara="1" rIns="68575" wrap="square" tIns="34275">
+          <a:bodyPr spcFirstLastPara="1" wrap="square" lIns="68575" tIns="34275" rIns="68575" bIns="34275" anchor="ctr" anchorCtr="0">
             <a:noAutofit/>
           </a:bodyPr>
           <a:lstStyle/>
           <a:p>
-            <a:pPr indent="0" lvl="0" marL="0" marR="0" rtl="0" algn="ctr">
+            <a:pPr marL="0" marR="0" lvl="0" indent="0" algn="ctr" rtl="0">
               <a:spcBef>
                 <a:spcPts val="0"/>
               </a:spcBef>
@@ -8960,9 +9366,6 @@
               </a:spcAft>
               <a:buNone/>
             </a:pPr>
-            <a:r>
-              <a:t/>
-            </a:r>
             <a:endParaRPr sz="1400">
               <a:solidFill>
                 <a:schemeClr val="dk1"/>
@@ -8992,23 +9395,23 @@
           <a:solidFill>
             <a:schemeClr val="lt1"/>
           </a:solidFill>
-          <a:ln cap="flat" cmpd="sng" w="12700">
+          <a:ln w="12700" cap="flat" cmpd="sng">
             <a:solidFill>
               <a:schemeClr val="dk1"/>
             </a:solidFill>
             <a:prstDash val="solid"/>
             <a:miter lim="800000"/>
-            <a:headEnd len="sm" w="sm" type="none"/>
-            <a:tailEnd len="sm" w="sm" type="none"/>
+            <a:headEnd type="none" w="sm" len="sm"/>
+            <a:tailEnd type="none" w="sm" len="sm"/>
           </a:ln>
         </p:spPr>
         <p:txBody>
-          <a:bodyPr anchorCtr="0" anchor="ctr" bIns="34275" lIns="68575" spcFirstLastPara="1" rIns="68575" wrap="square" tIns="34275">
+          <a:bodyPr spcFirstLastPara="1" wrap="square" lIns="68575" tIns="34275" rIns="68575" bIns="34275" anchor="ctr" anchorCtr="0">
             <a:noAutofit/>
           </a:bodyPr>
           <a:lstStyle/>
           <a:p>
-            <a:pPr indent="0" lvl="0" marL="0" marR="0" rtl="0" algn="ctr">
+            <a:pPr marL="0" marR="0" lvl="0" indent="0" algn="ctr" rtl="0">
               <a:spcBef>
                 <a:spcPts val="0"/>
               </a:spcBef>
@@ -9017,9 +9420,6 @@
               </a:spcAft>
               <a:buNone/>
             </a:pPr>
-            <a:r>
-              <a:t/>
-            </a:r>
             <a:endParaRPr sz="1400">
               <a:solidFill>
                 <a:schemeClr val="dk1"/>
@@ -9047,14 +9447,14 @@
             <a:avLst/>
           </a:prstGeom>
           <a:noFill/>
-          <a:ln cap="flat" cmpd="sng" w="9525">
+          <a:ln w="9525" cap="flat" cmpd="sng">
             <a:solidFill>
               <a:schemeClr val="accent1"/>
             </a:solidFill>
             <a:prstDash val="solid"/>
             <a:miter lim="800000"/>
-            <a:headEnd len="sm" w="sm" type="none"/>
-            <a:tailEnd len="med" w="med" type="triangle"/>
+            <a:headEnd type="none" w="sm" len="sm"/>
+            <a:tailEnd type="triangle" w="med" len="med"/>
           </a:ln>
         </p:spPr>
       </p:cxnSp>
@@ -9078,12 +9478,12 @@
           </a:ln>
         </p:spPr>
         <p:txBody>
-          <a:bodyPr anchorCtr="0" anchor="t" bIns="34275" lIns="68575" spcFirstLastPara="1" rIns="68575" wrap="square" tIns="34275">
+          <a:bodyPr spcFirstLastPara="1" wrap="square" lIns="68575" tIns="34275" rIns="68575" bIns="34275" anchor="t" anchorCtr="0">
             <a:spAutoFit/>
           </a:bodyPr>
           <a:lstStyle/>
           <a:p>
-            <a:pPr indent="0" lvl="0" marL="0" marR="0" rtl="0" algn="l">
+            <a:pPr marL="0" marR="0" lvl="0" indent="0" algn="l" rtl="0">
               <a:spcBef>
                 <a:spcPts val="0"/>
               </a:spcBef>
@@ -9136,12 +9536,12 @@
           </a:ln>
         </p:spPr>
         <p:txBody>
-          <a:bodyPr anchorCtr="0" anchor="t" bIns="34275" lIns="68575" spcFirstLastPara="1" rIns="68575" wrap="square" tIns="34275">
+          <a:bodyPr spcFirstLastPara="1" wrap="square" lIns="68575" tIns="34275" rIns="68575" bIns="34275" anchor="t" anchorCtr="0">
             <a:spAutoFit/>
           </a:bodyPr>
           <a:lstStyle/>
           <a:p>
-            <a:pPr indent="0" lvl="0" marL="0" marR="0" rtl="0" algn="l">
+            <a:pPr marL="0" marR="0" lvl="0" indent="0" algn="l" rtl="0">
               <a:spcBef>
                 <a:spcPts val="0"/>
               </a:spcBef>
@@ -9191,23 +9591,23 @@
           <a:solidFill>
             <a:schemeClr val="accent5"/>
           </a:solidFill>
-          <a:ln cap="flat" cmpd="sng" w="12700">
+          <a:ln w="12700" cap="flat" cmpd="sng">
             <a:solidFill>
               <a:srgbClr val="42719B"/>
             </a:solidFill>
             <a:prstDash val="solid"/>
             <a:miter lim="800000"/>
-            <a:headEnd len="sm" w="sm" type="none"/>
-            <a:tailEnd len="sm" w="sm" type="none"/>
+            <a:headEnd type="none" w="sm" len="sm"/>
+            <a:tailEnd type="none" w="sm" len="sm"/>
           </a:ln>
         </p:spPr>
         <p:txBody>
-          <a:bodyPr anchorCtr="0" anchor="ctr" bIns="34275" lIns="68575" spcFirstLastPara="1" rIns="68575" wrap="square" tIns="34275">
+          <a:bodyPr spcFirstLastPara="1" wrap="square" lIns="68575" tIns="34275" rIns="68575" bIns="34275" anchor="ctr" anchorCtr="0">
             <a:noAutofit/>
           </a:bodyPr>
           <a:lstStyle/>
           <a:p>
-            <a:pPr indent="0" lvl="0" marL="0" marR="0" rtl="0" algn="ctr">
+            <a:pPr marL="0" marR="0" lvl="0" indent="0" algn="ctr" rtl="0">
               <a:spcBef>
                 <a:spcPts val="0"/>
               </a:spcBef>
@@ -9216,9 +9616,6 @@
               </a:spcAft>
               <a:buNone/>
             </a:pPr>
-            <a:r>
-              <a:t/>
-            </a:r>
             <a:endParaRPr sz="1400">
               <a:solidFill>
                 <a:schemeClr val="lt1"/>
@@ -9246,23 +9643,23 @@
             <a:avLst/>
           </a:prstGeom>
           <a:noFill/>
-          <a:ln cap="flat" cmpd="sng" w="38100">
+          <a:ln w="38100" cap="flat" cmpd="sng">
             <a:solidFill>
               <a:srgbClr val="FF0000"/>
             </a:solidFill>
             <a:prstDash val="solid"/>
             <a:miter lim="800000"/>
-            <a:headEnd len="sm" w="sm" type="none"/>
-            <a:tailEnd len="sm" w="sm" type="none"/>
+            <a:headEnd type="none" w="sm" len="sm"/>
+            <a:tailEnd type="none" w="sm" len="sm"/>
           </a:ln>
         </p:spPr>
         <p:txBody>
-          <a:bodyPr anchorCtr="0" anchor="ctr" bIns="34275" lIns="68575" spcFirstLastPara="1" rIns="68575" wrap="square" tIns="34275">
+          <a:bodyPr spcFirstLastPara="1" wrap="square" lIns="68575" tIns="34275" rIns="68575" bIns="34275" anchor="ctr" anchorCtr="0">
             <a:noAutofit/>
           </a:bodyPr>
           <a:lstStyle/>
           <a:p>
-            <a:pPr indent="0" lvl="0" marL="0" marR="0" rtl="0" algn="ctr">
+            <a:pPr marL="0" marR="0" lvl="0" indent="0" algn="ctr" rtl="0">
               <a:spcBef>
                 <a:spcPts val="0"/>
               </a:spcBef>
@@ -9271,9 +9668,6 @@
               </a:spcAft>
               <a:buNone/>
             </a:pPr>
-            <a:r>
-              <a:t/>
-            </a:r>
             <a:endParaRPr sz="1400">
               <a:solidFill>
                 <a:schemeClr val="dk1"/>
@@ -9299,28 +9693,28 @@
           </a:xfrm>
           <a:prstGeom prst="leftBrace">
             <a:avLst>
-              <a:gd fmla="val 60803" name="adj1"/>
-              <a:gd fmla="val 50000" name="adj2"/>
+              <a:gd name="adj1" fmla="val 60803"/>
+              <a:gd name="adj2" fmla="val 50000"/>
             </a:avLst>
           </a:prstGeom>
           <a:noFill/>
-          <a:ln cap="flat" cmpd="sng" w="19050">
+          <a:ln w="19050" cap="flat" cmpd="sng">
             <a:solidFill>
               <a:srgbClr val="FF0000"/>
             </a:solidFill>
             <a:prstDash val="solid"/>
             <a:miter lim="800000"/>
-            <a:headEnd len="sm" w="sm" type="none"/>
-            <a:tailEnd len="sm" w="sm" type="none"/>
+            <a:headEnd type="none" w="sm" len="sm"/>
+            <a:tailEnd type="none" w="sm" len="sm"/>
           </a:ln>
         </p:spPr>
         <p:txBody>
-          <a:bodyPr anchorCtr="0" anchor="ctr" bIns="34275" lIns="68575" spcFirstLastPara="1" rIns="68575" wrap="square" tIns="34275">
+          <a:bodyPr spcFirstLastPara="1" wrap="square" lIns="68575" tIns="34275" rIns="68575" bIns="34275" anchor="ctr" anchorCtr="0">
             <a:noAutofit/>
           </a:bodyPr>
           <a:lstStyle/>
           <a:p>
-            <a:pPr indent="0" lvl="0" marL="0" marR="0" rtl="0" algn="ctr">
+            <a:pPr marL="0" marR="0" lvl="0" indent="0" algn="ctr" rtl="0">
               <a:spcBef>
                 <a:spcPts val="0"/>
               </a:spcBef>
@@ -9329,9 +9723,6 @@
               </a:spcAft>
               <a:buNone/>
             </a:pPr>
-            <a:r>
-              <a:t/>
-            </a:r>
             <a:endParaRPr sz="1400">
               <a:solidFill>
                 <a:schemeClr val="dk1"/>
@@ -9357,9 +9748,9 @@
           </a:xfrm>
           <a:prstGeom prst="wedgeRoundRectCallout">
             <a:avLst>
-              <a:gd fmla="val -51841" name="adj1"/>
-              <a:gd fmla="val 77453" name="adj2"/>
-              <a:gd fmla="val 16667" name="adj3"/>
+              <a:gd name="adj1" fmla="val -51841"/>
+              <a:gd name="adj2" fmla="val 77453"/>
+              <a:gd name="adj3" fmla="val 16667"/>
             </a:avLst>
           </a:prstGeom>
           <a:solidFill>
@@ -9372,12 +9763,12 @@
           </a:ln>
         </p:spPr>
         <p:txBody>
-          <a:bodyPr anchorCtr="0" anchor="ctr" bIns="34275" lIns="68575" spcFirstLastPara="1" rIns="68575" wrap="square" tIns="34275">
+          <a:bodyPr spcFirstLastPara="1" wrap="square" lIns="68575" tIns="34275" rIns="68575" bIns="34275" anchor="ctr" anchorCtr="0">
             <a:noAutofit/>
           </a:bodyPr>
           <a:lstStyle/>
           <a:p>
-            <a:pPr indent="0" lvl="0" marL="0" marR="0" rtl="0" algn="ctr">
+            <a:pPr marL="0" marR="0" lvl="0" indent="0" algn="ctr" rtl="0">
               <a:spcBef>
                 <a:spcPts val="0"/>
               </a:spcBef>
@@ -9423,9 +9814,9 @@
           </a:xfrm>
           <a:prstGeom prst="wedgeRoundRectCallout">
             <a:avLst>
-              <a:gd fmla="val -75976" name="adj1"/>
-              <a:gd fmla="val -68807" name="adj2"/>
-              <a:gd fmla="val 16667" name="adj3"/>
+              <a:gd name="adj1" fmla="val -75976"/>
+              <a:gd name="adj2" fmla="val -68807"/>
+              <a:gd name="adj3" fmla="val 16667"/>
             </a:avLst>
           </a:prstGeom>
           <a:solidFill>
@@ -9438,12 +9829,12 @@
           </a:ln>
         </p:spPr>
         <p:txBody>
-          <a:bodyPr anchorCtr="0" anchor="ctr" bIns="34275" lIns="68575" spcFirstLastPara="1" rIns="68575" wrap="square" tIns="34275">
+          <a:bodyPr spcFirstLastPara="1" wrap="square" lIns="68575" tIns="34275" rIns="68575" bIns="34275" anchor="ctr" anchorCtr="0">
             <a:noAutofit/>
           </a:bodyPr>
           <a:lstStyle/>
           <a:p>
-            <a:pPr indent="0" lvl="0" marL="0" marR="0" rtl="0" algn="ctr">
+            <a:pPr marL="0" marR="0" lvl="0" indent="0" algn="ctr" rtl="0">
               <a:spcBef>
                 <a:spcPts val="0"/>
               </a:spcBef>
@@ -9489,7 +9880,7 @@
           </a:xfrm>
           <a:prstGeom prst="roundRect">
             <a:avLst>
-              <a:gd fmla="val 16667" name="adj"/>
+              <a:gd name="adj" fmla="val 16667"/>
             </a:avLst>
           </a:prstGeom>
           <a:solidFill>
@@ -9502,12 +9893,12 @@
           </a:ln>
         </p:spPr>
         <p:txBody>
-          <a:bodyPr anchorCtr="0" anchor="ctr" bIns="34275" lIns="68575" spcFirstLastPara="1" rIns="68575" wrap="square" tIns="34275">
+          <a:bodyPr spcFirstLastPara="1" wrap="square" lIns="68575" tIns="34275" rIns="68575" bIns="34275" anchor="ctr" anchorCtr="0">
             <a:noAutofit/>
           </a:bodyPr>
           <a:lstStyle/>
           <a:p>
-            <a:pPr indent="0" lvl="0" marL="0" marR="0" rtl="0" algn="l">
+            <a:pPr marL="0" marR="0" lvl="0" indent="0" algn="l" rtl="0">
               <a:spcBef>
                 <a:spcPts val="0"/>
               </a:spcBef>
@@ -9531,7 +9922,7 @@
             <a:endParaRPr sz="1100"/>
           </a:p>
           <a:p>
-            <a:pPr indent="0" lvl="0" marL="0" marR="0" rtl="0" algn="l">
+            <a:pPr marL="0" marR="0" lvl="0" indent="0" algn="l" rtl="0">
               <a:spcBef>
                 <a:spcPts val="0"/>
               </a:spcBef>
@@ -9540,9 +9931,6 @@
               </a:spcAft>
               <a:buNone/>
             </a:pPr>
-            <a:r>
-              <a:t/>
-            </a:r>
             <a:endParaRPr sz="1400">
               <a:solidFill>
                 <a:schemeClr val="dk1"/>
@@ -9554,7 +9942,7 @@
             </a:endParaRPr>
           </a:p>
           <a:p>
-            <a:pPr indent="-215900" lvl="0" marL="215900" marR="0" rtl="0" algn="l">
+            <a:pPr marL="215900" marR="0" lvl="0" indent="-215900" algn="l" rtl="0">
               <a:spcBef>
                 <a:spcPts val="0"/>
               </a:spcBef>
@@ -9583,7 +9971,7 @@
             <a:endParaRPr sz="1100"/>
           </a:p>
           <a:p>
-            <a:pPr indent="-215900" lvl="0" marL="215900" marR="0" rtl="0" algn="l">
+            <a:pPr marL="215900" marR="0" lvl="0" indent="-215900" algn="l" rtl="0">
               <a:spcBef>
                 <a:spcPts val="0"/>
               </a:spcBef>
@@ -9620,7 +10008,7 @@
             </a:endParaRPr>
           </a:p>
           <a:p>
-            <a:pPr indent="0" lvl="0" marL="0" marR="0" rtl="0" algn="l">
+            <a:pPr marL="0" marR="0" lvl="0" indent="0" algn="l" rtl="0">
               <a:spcBef>
                 <a:spcPts val="0"/>
               </a:spcBef>
@@ -9666,7 +10054,7 @@
           </a:xfrm>
           <a:prstGeom prst="roundRect">
             <a:avLst>
-              <a:gd fmla="val 16667" name="adj"/>
+              <a:gd name="adj" fmla="val 16667"/>
             </a:avLst>
           </a:prstGeom>
           <a:solidFill>
@@ -9679,12 +10067,12 @@
           </a:ln>
         </p:spPr>
         <p:txBody>
-          <a:bodyPr anchorCtr="0" anchor="ctr" bIns="34275" lIns="68575" spcFirstLastPara="1" rIns="68575" wrap="square" tIns="34275">
+          <a:bodyPr spcFirstLastPara="1" wrap="square" lIns="68575" tIns="34275" rIns="68575" bIns="34275" anchor="ctr" anchorCtr="0">
             <a:noAutofit/>
           </a:bodyPr>
           <a:lstStyle/>
           <a:p>
-            <a:pPr indent="0" lvl="0" marL="0" marR="0" rtl="0" algn="l">
+            <a:pPr marL="0" marR="0" lvl="0" indent="0" algn="l" rtl="0">
               <a:spcBef>
                 <a:spcPts val="0"/>
               </a:spcBef>
@@ -9708,7 +10096,7 @@
             <a:endParaRPr sz="1100"/>
           </a:p>
           <a:p>
-            <a:pPr indent="0" lvl="0" marL="0" marR="0" rtl="0" algn="l">
+            <a:pPr marL="0" marR="0" lvl="0" indent="0" algn="l" rtl="0">
               <a:spcBef>
                 <a:spcPts val="0"/>
               </a:spcBef>
@@ -9749,32 +10137,32 @@
   <p:timing>
     <p:tnLst>
       <p:par>
-        <p:cTn dur="indefinite" nodeType="tmRoot" restart="never">
+        <p:cTn id="1" dur="indefinite" restart="never" nodeType="tmRoot">
           <p:childTnLst>
             <p:seq concurrent="1" nextAc="seek">
-              <p:cTn dur="indefinite" id="2" nodeType="mainSeq">
+              <p:cTn id="2" dur="indefinite" nodeType="mainSeq">
                 <p:childTnLst>
                   <p:par>
-                    <p:cTn fill="hold">
+                    <p:cTn id="3" fill="hold">
                       <p:stCondLst>
                         <p:cond delay="indefinite"/>
                       </p:stCondLst>
                       <p:childTnLst>
                         <p:par>
-                          <p:cTn fill="hold">
+                          <p:cTn id="4" fill="hold">
                             <p:stCondLst>
                               <p:cond delay="0"/>
                             </p:stCondLst>
                             <p:childTnLst>
                               <p:par>
-                                <p:cTn fill="hold" nodeType="clickEffect" presetClass="entr" presetID="1" presetSubtype="0">
+                                <p:cTn id="5" presetID="1" presetClass="entr" presetSubtype="0" fill="hold" nodeType="clickEffect">
                                   <p:stCondLst>
                                     <p:cond delay="0"/>
                                   </p:stCondLst>
                                   <p:childTnLst>
                                     <p:set>
                                       <p:cBhvr>
-                                        <p:cTn dur="1" fill="hold">
+                                        <p:cTn id="6" dur="1" fill="hold">
                                           <p:stCondLst>
                                             <p:cond delay="0"/>
                                           </p:stCondLst>
@@ -9794,14 +10182,14 @@
                                 </p:cTn>
                               </p:par>
                               <p:par>
-                                <p:cTn fill="hold" nodeType="withEffect" presetClass="entr" presetID="10" presetSubtype="0">
+                                <p:cTn id="7" presetID="10" presetClass="entr" presetSubtype="0" fill="hold" nodeType="withEffect">
                                   <p:stCondLst>
                                     <p:cond delay="0"/>
                                   </p:stCondLst>
                                   <p:childTnLst>
                                     <p:set>
                                       <p:cBhvr>
-                                        <p:cTn dur="1" fill="hold">
+                                        <p:cTn id="8" dur="1" fill="hold">
                                           <p:stCondLst>
                                             <p:cond delay="0"/>
                                           </p:stCondLst>
@@ -9817,9 +10205,9 @@
                                         <p:strVal val="visible"/>
                                       </p:to>
                                     </p:set>
-                                    <p:animEffect filter="fade" transition="in">
+                                    <p:animEffect transition="in" filter="fade">
                                       <p:cBhvr>
-                                        <p:cTn dur="500"/>
+                                        <p:cTn id="9" dur="500"/>
                                         <p:tgtEl>
                                           <p:spTgt spid="159"/>
                                         </p:tgtEl>
@@ -9835,26 +10223,26 @@
                     </p:cTn>
                   </p:par>
                   <p:par>
-                    <p:cTn fill="hold">
+                    <p:cTn id="10" fill="hold">
                       <p:stCondLst>
                         <p:cond delay="indefinite"/>
                       </p:stCondLst>
                       <p:childTnLst>
                         <p:par>
-                          <p:cTn fill="hold">
+                          <p:cTn id="11" fill="hold">
                             <p:stCondLst>
                               <p:cond delay="0"/>
                             </p:stCondLst>
                             <p:childTnLst>
                               <p:par>
-                                <p:cTn fill="hold" nodeType="clickEffect" presetClass="entr" presetID="1" presetSubtype="0">
+                                <p:cTn id="12" presetID="1" presetClass="entr" presetSubtype="0" fill="hold" nodeType="clickEffect">
                                   <p:stCondLst>
                                     <p:cond delay="0"/>
                                   </p:stCondLst>
                                   <p:childTnLst>
                                     <p:set>
                                       <p:cBhvr>
-                                        <p:cTn dur="1" fill="hold">
+                                        <p:cTn id="13" dur="1" fill="hold">
                                           <p:stCondLst>
                                             <p:cond delay="0"/>
                                           </p:stCondLst>
@@ -9880,26 +10268,26 @@
                     </p:cTn>
                   </p:par>
                   <p:par>
-                    <p:cTn fill="hold">
+                    <p:cTn id="14" fill="hold">
                       <p:stCondLst>
                         <p:cond delay="indefinite"/>
                       </p:stCondLst>
                       <p:childTnLst>
                         <p:par>
-                          <p:cTn fill="hold">
+                          <p:cTn id="15" fill="hold">
                             <p:stCondLst>
                               <p:cond delay="0"/>
                             </p:stCondLst>
                             <p:childTnLst>
                               <p:par>
-                                <p:cTn fill="hold" nodeType="clickEffect" presetClass="entr" presetID="10" presetSubtype="0">
+                                <p:cTn id="16" presetID="10" presetClass="entr" presetSubtype="0" fill="hold" nodeType="clickEffect">
                                   <p:stCondLst>
                                     <p:cond delay="0"/>
                                   </p:stCondLst>
                                   <p:childTnLst>
                                     <p:set>
                                       <p:cBhvr>
-                                        <p:cTn dur="1" fill="hold">
+                                        <p:cTn id="17" dur="1" fill="hold">
                                           <p:stCondLst>
                                             <p:cond delay="0"/>
                                           </p:stCondLst>
@@ -9915,9 +10303,9 @@
                                         <p:strVal val="visible"/>
                                       </p:to>
                                     </p:set>
-                                    <p:animEffect filter="fade" transition="in">
+                                    <p:animEffect transition="in" filter="fade">
                                       <p:cBhvr>
-                                        <p:cTn dur="500"/>
+                                        <p:cTn id="18" dur="500"/>
                                         <p:tgtEl>
                                           <p:spTgt spid="158"/>
                                         </p:tgtEl>
@@ -9930,20 +10318,20 @@
                           </p:cTn>
                         </p:par>
                         <p:par>
-                          <p:cTn fill="hold">
+                          <p:cTn id="19" fill="hold">
                             <p:stCondLst>
                               <p:cond delay="500"/>
                             </p:stCondLst>
                             <p:childTnLst>
                               <p:par>
-                                <p:cTn fill="hold" nodeType="afterEffect" presetClass="entr" presetID="1" presetSubtype="0">
+                                <p:cTn id="20" presetID="1" presetClass="entr" presetSubtype="0" fill="hold" nodeType="afterEffect">
                                   <p:stCondLst>
                                     <p:cond delay="0"/>
                                   </p:stCondLst>
                                   <p:childTnLst>
                                     <p:set>
                                       <p:cBhvr>
-                                        <p:cTn dur="1" fill="hold">
+                                        <p:cTn id="21" dur="1" fill="hold">
                                           <p:stCondLst>
                                             <p:cond delay="0"/>
                                           </p:stCondLst>
@@ -9971,14 +10359,14 @@
                 </p:childTnLst>
               </p:cTn>
               <p:prevCondLst>
-                <p:cond evt="onPrev">
+                <p:cond evt="onPrev" delay="0">
                   <p:tgtEl>
                     <p:sldTgt/>
                   </p:tgtEl>
                 </p:cond>
               </p:prevCondLst>
               <p:nextCondLst>
-                <p:cond evt="onNext">
+                <p:cond evt="onNext" delay="0">
                   <p:tgtEl>
                     <p:sldTgt/>
                   </p:tgtEl>
@@ -9993,12 +10381,144 @@
 </p:sld>
 </file>
 
-<file path=ppt/slides/slide2.xml><?xml version="1.0" encoding="utf-8"?>
-<p:sld xmlns:a="http://schemas.openxmlformats.org/drawingml/2006/main" xmlns:r="http://schemas.openxmlformats.org/officeDocument/2006/relationships" xmlns:mc="http://schemas.openxmlformats.org/markup-compatibility/2006" xmlns:mv="urn:schemas-microsoft-com:mac:vml" xmlns:p="http://schemas.openxmlformats.org/presentationml/2006/main" xmlns:c="http://schemas.openxmlformats.org/drawingml/2006/chart" xmlns:dgm="http://schemas.openxmlformats.org/drawingml/2006/diagram" xmlns:o="urn:schemas-microsoft-com:office:office" xmlns:v="urn:schemas-microsoft-com:vml" xmlns:pvml="urn:schemas-microsoft-com:office:powerpoint" xmlns:com="http://schemas.openxmlformats.org/drawingml/2006/compatibility" xmlns:p14="http://schemas.microsoft.com/office/powerpoint/2010/main" xmlns:p15="http://schemas.microsoft.com/office/powerpoint/2012/main" xmlns:ahyp="http://schemas.microsoft.com/office/drawing/2018/hyperlinkcolor">
+<file path=ppt/slides/slide13.xml><?xml version="1.0" encoding="utf-8"?>
+<p:sld xmlns:a="http://schemas.openxmlformats.org/drawingml/2006/main" xmlns:r="http://schemas.openxmlformats.org/officeDocument/2006/relationships" xmlns:p="http://schemas.openxmlformats.org/presentationml/2006/main">
   <p:cSld>
     <p:spTree>
       <p:nvGrpSpPr>
-        <p:cNvPr id="65" name="Shape 65"/>
+        <p:cNvPr id="1" name=""/>
+        <p:cNvGrpSpPr/>
+        <p:nvPr/>
+      </p:nvGrpSpPr>
+      <p:grpSpPr>
+        <a:xfrm>
+          <a:off x="0" y="0"/>
+          <a:ext cx="0" cy="0"/>
+          <a:chOff x="0" y="0"/>
+          <a:chExt cx="0" cy="0"/>
+        </a:xfrm>
+      </p:grpSpPr>
+      <p:sp>
+        <p:nvSpPr>
+          <p:cNvPr id="2" name="标题 1">
+            <a:extLst>
+              <a:ext uri="{FF2B5EF4-FFF2-40B4-BE49-F238E27FC236}">
+                <a16:creationId xmlns:a16="http://schemas.microsoft.com/office/drawing/2014/main" id="{086E61C4-53F3-F270-8002-BA1F16B6FB02}"/>
+              </a:ext>
+            </a:extLst>
+          </p:cNvPr>
+          <p:cNvSpPr>
+            <a:spLocks noGrp="1"/>
+          </p:cNvSpPr>
+          <p:nvPr>
+            <p:ph type="title"/>
+          </p:nvPr>
+        </p:nvSpPr>
+        <p:spPr/>
+        <p:txBody>
+          <a:bodyPr/>
+          <a:lstStyle/>
+          <a:p>
+            <a:endParaRPr lang="zh-CN" altLang="en-US"/>
+          </a:p>
+        </p:txBody>
+      </p:sp>
+      <p:sp>
+        <p:nvSpPr>
+          <p:cNvPr id="3" name="文本占位符 2">
+            <a:extLst>
+              <a:ext uri="{FF2B5EF4-FFF2-40B4-BE49-F238E27FC236}">
+                <a16:creationId xmlns:a16="http://schemas.microsoft.com/office/drawing/2014/main" id="{D3068F2E-3BF2-A08F-F793-38A2C9F7F24A}"/>
+              </a:ext>
+            </a:extLst>
+          </p:cNvPr>
+          <p:cNvSpPr>
+            <a:spLocks noGrp="1"/>
+          </p:cNvSpPr>
+          <p:nvPr>
+            <p:ph type="body" idx="1"/>
+          </p:nvPr>
+        </p:nvSpPr>
+        <p:spPr>
+          <a:xfrm>
+            <a:off x="1093688" y="940917"/>
+            <a:ext cx="3785616" cy="1361288"/>
+          </a:xfrm>
+        </p:spPr>
+        <p:txBody>
+          <a:bodyPr/>
+          <a:lstStyle/>
+          <a:p>
+            <a:endParaRPr lang="zh-CN" altLang="en-US" dirty="0"/>
+          </a:p>
+        </p:txBody>
+      </p:sp>
+      <p:pic>
+        <p:nvPicPr>
+          <p:cNvPr id="1026" name="Picture 2" descr="卷积为什么如此强大？理解深度学习中的卷积_map">
+            <a:extLst>
+              <a:ext uri="{FF2B5EF4-FFF2-40B4-BE49-F238E27FC236}">
+                <a16:creationId xmlns:a16="http://schemas.microsoft.com/office/drawing/2014/main" id="{3E62F5FB-B918-C6B1-C981-FE7AC8F34A2C}"/>
+              </a:ext>
+            </a:extLst>
+          </p:cNvPr>
+          <p:cNvPicPr>
+            <a:picLocks noChangeAspect="1" noChangeArrowheads="1"/>
+          </p:cNvPicPr>
+          <p:nvPr/>
+        </p:nvPicPr>
+        <p:blipFill>
+          <a:blip r:embed="rId2">
+            <a:extLst>
+              <a:ext uri="{28A0092B-C50C-407E-A947-70E740481C1C}">
+                <a14:useLocalDpi xmlns:a14="http://schemas.microsoft.com/office/drawing/2010/main" val="0"/>
+              </a:ext>
+            </a:extLst>
+          </a:blip>
+          <a:srcRect/>
+          <a:stretch>
+            <a:fillRect/>
+          </a:stretch>
+        </p:blipFill>
+        <p:spPr bwMode="auto">
+          <a:xfrm>
+            <a:off x="465038" y="311123"/>
+            <a:ext cx="4389120" cy="1693926"/>
+          </a:xfrm>
+          <a:prstGeom prst="rect">
+            <a:avLst/>
+          </a:prstGeom>
+          <a:noFill/>
+          <a:extLst>
+            <a:ext uri="{909E8E84-426E-40DD-AFC4-6F175D3DCCD1}">
+              <a14:hiddenFill xmlns:a14="http://schemas.microsoft.com/office/drawing/2010/main">
+                <a:solidFill>
+                  <a:srgbClr val="FFFFFF"/>
+                </a:solidFill>
+              </a14:hiddenFill>
+            </a:ext>
+          </a:extLst>
+        </p:spPr>
+      </p:pic>
+    </p:spTree>
+    <p:extLst>
+      <p:ext uri="{BB962C8B-B14F-4D97-AF65-F5344CB8AC3E}">
+        <p14:creationId xmlns:p14="http://schemas.microsoft.com/office/powerpoint/2010/main" val="1309216796"/>
+      </p:ext>
+    </p:extLst>
+  </p:cSld>
+  <p:clrMapOvr>
+    <a:masterClrMapping/>
+  </p:clrMapOvr>
+</p:sld>
+</file>
+
+<file path=ppt/slides/slide2.xml><?xml version="1.0" encoding="utf-8"?>
+<p:sld xmlns:a="http://schemas.openxmlformats.org/drawingml/2006/main" xmlns:r="http://schemas.openxmlformats.org/officeDocument/2006/relationships" xmlns:p="http://schemas.openxmlformats.org/presentationml/2006/main">
+  <p:cSld>
+    <p:spTree>
+      <p:nvGrpSpPr>
+        <p:cNvPr id="1" name="Shape 65"/>
         <p:cNvGrpSpPr/>
         <p:nvPr/>
       </p:nvGrpSpPr>
@@ -10013,7 +10533,9 @@
       <p:sp>
         <p:nvSpPr>
           <p:cNvPr id="66" name="Google Shape;66;p15"/>
-          <p:cNvSpPr txBox="1"/>
+          <p:cNvSpPr txBox="1">
+            <a:spLocks noGrp="1"/>
+          </p:cNvSpPr>
           <p:nvPr>
             <p:ph type="title"/>
           </p:nvPr>
@@ -10028,12 +10550,12 @@
           </a:prstGeom>
         </p:spPr>
         <p:txBody>
-          <a:bodyPr anchorCtr="0" anchor="t" bIns="91425" lIns="91425" spcFirstLastPara="1" rIns="91425" wrap="square" tIns="91425">
+          <a:bodyPr spcFirstLastPara="1" wrap="square" lIns="91425" tIns="91425" rIns="91425" bIns="91425" anchor="t" anchorCtr="0">
             <a:normAutofit fontScale="90000"/>
           </a:bodyPr>
           <a:lstStyle/>
           <a:p>
-            <a:pPr indent="0" lvl="0" marL="0" rtl="0" algn="l">
+            <a:pPr marL="0" lvl="0" indent="0" algn="l" rtl="0">
               <a:spcBef>
                 <a:spcPts val="0"/>
               </a:spcBef>
@@ -10044,11 +10566,7 @@
             </a:pPr>
             <a:r>
               <a:rPr lang="zh-CN"/>
-              <a:t>M</a:t>
-            </a:r>
-            <a:r>
-              <a:rPr lang="zh-CN"/>
-              <a:t>otivation: The Firearm Detection Problem in CCTV</a:t>
+              <a:t>Motivation: The Firearm Detection Problem in CCTV</a:t>
             </a:r>
             <a:endParaRPr/>
           </a:p>
@@ -10057,9 +10575,11 @@
       <p:sp>
         <p:nvSpPr>
           <p:cNvPr id="67" name="Google Shape;67;p15"/>
-          <p:cNvSpPr txBox="1"/>
+          <p:cNvSpPr txBox="1">
+            <a:spLocks noGrp="1"/>
+          </p:cNvSpPr>
           <p:nvPr>
-            <p:ph idx="1" type="body"/>
+            <p:ph type="body" idx="1"/>
           </p:nvPr>
         </p:nvSpPr>
         <p:spPr>
@@ -10072,12 +10592,12 @@
           </a:prstGeom>
         </p:spPr>
         <p:txBody>
-          <a:bodyPr anchorCtr="0" anchor="t" bIns="91425" lIns="91425" spcFirstLastPara="1" rIns="91425" wrap="square" tIns="91425">
+          <a:bodyPr spcFirstLastPara="1" wrap="square" lIns="91425" tIns="91425" rIns="91425" bIns="91425" anchor="t" anchorCtr="0">
             <a:normAutofit/>
           </a:bodyPr>
           <a:lstStyle/>
           <a:p>
-            <a:pPr indent="-342900" lvl="0" marL="457200" rtl="0" algn="l">
+            <a:pPr marL="457200" lvl="0" indent="-342900" algn="l" rtl="0">
               <a:spcBef>
                 <a:spcPts val="0"/>
               </a:spcBef>
@@ -10105,7 +10625,7 @@
             </a:endParaRPr>
           </a:p>
           <a:p>
-            <a:pPr indent="-342900" lvl="0" marL="457200" rtl="0" algn="l">
+            <a:pPr marL="457200" lvl="0" indent="-342900" algn="l" rtl="0">
               <a:spcBef>
                 <a:spcPts val="0"/>
               </a:spcBef>
@@ -10171,11 +10691,11 @@
 </file>
 
 <file path=ppt/slides/slide3.xml><?xml version="1.0" encoding="utf-8"?>
-<p:sld xmlns:a="http://schemas.openxmlformats.org/drawingml/2006/main" xmlns:r="http://schemas.openxmlformats.org/officeDocument/2006/relationships" xmlns:mc="http://schemas.openxmlformats.org/markup-compatibility/2006" xmlns:mv="urn:schemas-microsoft-com:mac:vml" xmlns:p="http://schemas.openxmlformats.org/presentationml/2006/main" xmlns:c="http://schemas.openxmlformats.org/drawingml/2006/chart" xmlns:dgm="http://schemas.openxmlformats.org/drawingml/2006/diagram" xmlns:o="urn:schemas-microsoft-com:office:office" xmlns:v="urn:schemas-microsoft-com:vml" xmlns:pvml="urn:schemas-microsoft-com:office:powerpoint" xmlns:com="http://schemas.openxmlformats.org/drawingml/2006/compatibility" xmlns:p14="http://schemas.microsoft.com/office/powerpoint/2010/main" xmlns:p15="http://schemas.microsoft.com/office/powerpoint/2012/main" xmlns:ahyp="http://schemas.microsoft.com/office/drawing/2018/hyperlinkcolor">
+<p:sld xmlns:a="http://schemas.openxmlformats.org/drawingml/2006/main" xmlns:r="http://schemas.openxmlformats.org/officeDocument/2006/relationships" xmlns:p="http://schemas.openxmlformats.org/presentationml/2006/main">
   <p:cSld>
     <p:spTree>
       <p:nvGrpSpPr>
-        <p:cNvPr id="72" name="Shape 72"/>
+        <p:cNvPr id="1" name="Shape 72"/>
         <p:cNvGrpSpPr/>
         <p:nvPr/>
       </p:nvGrpSpPr>
@@ -10190,7 +10710,9 @@
       <p:sp>
         <p:nvSpPr>
           <p:cNvPr id="73" name="Google Shape;73;p16"/>
-          <p:cNvSpPr txBox="1"/>
+          <p:cNvSpPr txBox="1">
+            <a:spLocks noGrp="1"/>
+          </p:cNvSpPr>
           <p:nvPr>
             <p:ph type="title"/>
           </p:nvPr>
@@ -10205,12 +10727,12 @@
           </a:prstGeom>
         </p:spPr>
         <p:txBody>
-          <a:bodyPr anchorCtr="0" anchor="t" bIns="91425" lIns="91425" spcFirstLastPara="1" rIns="91425" wrap="square" tIns="91425">
+          <a:bodyPr spcFirstLastPara="1" wrap="square" lIns="91425" tIns="91425" rIns="91425" bIns="91425" anchor="t" anchorCtr="0">
             <a:normAutofit fontScale="90000"/>
           </a:bodyPr>
           <a:lstStyle/>
           <a:p>
-            <a:pPr indent="0" lvl="0" marL="0" rtl="0" algn="l">
+            <a:pPr marL="0" lvl="0" indent="0" algn="l" rtl="0">
               <a:spcBef>
                 <a:spcPts val="0"/>
               </a:spcBef>
@@ -10230,9 +10752,11 @@
       <p:sp>
         <p:nvSpPr>
           <p:cNvPr id="74" name="Google Shape;74;p16"/>
-          <p:cNvSpPr txBox="1"/>
+          <p:cNvSpPr txBox="1">
+            <a:spLocks noGrp="1"/>
+          </p:cNvSpPr>
           <p:nvPr>
-            <p:ph idx="1" type="body"/>
+            <p:ph type="body" idx="1"/>
           </p:nvPr>
         </p:nvSpPr>
         <p:spPr>
@@ -10245,12 +10769,12 @@
           </a:prstGeom>
         </p:spPr>
         <p:txBody>
-          <a:bodyPr anchorCtr="0" anchor="t" bIns="91425" lIns="91425" spcFirstLastPara="1" rIns="91425" wrap="square" tIns="91425">
+          <a:bodyPr spcFirstLastPara="1" wrap="square" lIns="91425" tIns="91425" rIns="91425" bIns="91425" anchor="t" anchorCtr="0">
             <a:normAutofit/>
           </a:bodyPr>
           <a:lstStyle/>
           <a:p>
-            <a:pPr indent="-342900" lvl="0" marL="457200" rtl="0" algn="l">
+            <a:pPr marL="457200" lvl="0" indent="-342900" algn="l" rtl="0">
               <a:spcBef>
                 <a:spcPts val="0"/>
               </a:spcBef>
@@ -10278,7 +10802,7 @@
             </a:endParaRPr>
           </a:p>
           <a:p>
-            <a:pPr indent="-342900" lvl="0" marL="457200" rtl="0" algn="l">
+            <a:pPr marL="457200" lvl="0" indent="-342900" algn="l" rtl="0">
               <a:spcBef>
                 <a:spcPts val="0"/>
               </a:spcBef>
@@ -10344,11 +10868,11 @@
 </file>
 
 <file path=ppt/slides/slide4.xml><?xml version="1.0" encoding="utf-8"?>
-<p:sld xmlns:a="http://schemas.openxmlformats.org/drawingml/2006/main" xmlns:r="http://schemas.openxmlformats.org/officeDocument/2006/relationships" xmlns:mc="http://schemas.openxmlformats.org/markup-compatibility/2006" xmlns:mv="urn:schemas-microsoft-com:mac:vml" xmlns:p="http://schemas.openxmlformats.org/presentationml/2006/main" xmlns:c="http://schemas.openxmlformats.org/drawingml/2006/chart" xmlns:dgm="http://schemas.openxmlformats.org/drawingml/2006/diagram" xmlns:o="urn:schemas-microsoft-com:office:office" xmlns:v="urn:schemas-microsoft-com:vml" xmlns:pvml="urn:schemas-microsoft-com:office:powerpoint" xmlns:com="http://schemas.openxmlformats.org/drawingml/2006/compatibility" xmlns:p14="http://schemas.microsoft.com/office/powerpoint/2010/main" xmlns:p15="http://schemas.microsoft.com/office/powerpoint/2012/main" xmlns:ahyp="http://schemas.microsoft.com/office/drawing/2018/hyperlinkcolor">
+<p:sld xmlns:a="http://schemas.openxmlformats.org/drawingml/2006/main" xmlns:r="http://schemas.openxmlformats.org/officeDocument/2006/relationships" xmlns:p="http://schemas.openxmlformats.org/presentationml/2006/main">
   <p:cSld>
     <p:spTree>
       <p:nvGrpSpPr>
-        <p:cNvPr id="79" name="Shape 79"/>
+        <p:cNvPr id="1" name="Shape 79"/>
         <p:cNvGrpSpPr/>
         <p:nvPr/>
       </p:nvGrpSpPr>
@@ -10363,7 +10887,9 @@
       <p:sp>
         <p:nvSpPr>
           <p:cNvPr id="80" name="Google Shape;80;p17"/>
-          <p:cNvSpPr txBox="1"/>
+          <p:cNvSpPr txBox="1">
+            <a:spLocks noGrp="1"/>
+          </p:cNvSpPr>
           <p:nvPr>
             <p:ph type="title"/>
           </p:nvPr>
@@ -10378,12 +10904,12 @@
           </a:prstGeom>
         </p:spPr>
         <p:txBody>
-          <a:bodyPr anchorCtr="0" anchor="t" bIns="91425" lIns="91425" spcFirstLastPara="1" rIns="91425" wrap="square" tIns="91425">
+          <a:bodyPr spcFirstLastPara="1" wrap="square" lIns="91425" tIns="91425" rIns="91425" bIns="91425" anchor="t" anchorCtr="0">
             <a:normAutofit fontScale="90000"/>
           </a:bodyPr>
           <a:lstStyle/>
           <a:p>
-            <a:pPr indent="0" lvl="0" marL="0" rtl="0" algn="l">
+            <a:pPr marL="0" lvl="0" indent="0" algn="l" rtl="0">
               <a:spcBef>
                 <a:spcPts val="0"/>
               </a:spcBef>
@@ -10403,9 +10929,11 @@
       <p:sp>
         <p:nvSpPr>
           <p:cNvPr id="81" name="Google Shape;81;p17"/>
-          <p:cNvSpPr txBox="1"/>
+          <p:cNvSpPr txBox="1">
+            <a:spLocks noGrp="1"/>
+          </p:cNvSpPr>
           <p:nvPr>
-            <p:ph idx="1" type="body"/>
+            <p:ph type="body" idx="1"/>
           </p:nvPr>
         </p:nvSpPr>
         <p:spPr>
@@ -10418,12 +10946,12 @@
           </a:prstGeom>
         </p:spPr>
         <p:txBody>
-          <a:bodyPr anchorCtr="0" anchor="t" bIns="91425" lIns="91425" spcFirstLastPara="1" rIns="91425" wrap="square" tIns="91425">
+          <a:bodyPr spcFirstLastPara="1" wrap="square" lIns="91425" tIns="91425" rIns="91425" bIns="91425" anchor="t" anchorCtr="0">
             <a:normAutofit/>
           </a:bodyPr>
           <a:lstStyle/>
           <a:p>
-            <a:pPr indent="0" lvl="0" marL="0" rtl="0" algn="l">
+            <a:pPr marL="0" lvl="0" indent="0" algn="l" rtl="0">
               <a:spcBef>
                 <a:spcPts val="0"/>
               </a:spcBef>
@@ -10432,9 +10960,6 @@
               </a:spcAft>
               <a:buNone/>
             </a:pPr>
-            <a:r>
-              <a:t/>
-            </a:r>
             <a:endParaRPr/>
           </a:p>
         </p:txBody>
@@ -10476,11 +11001,11 @@
 </file>
 
 <file path=ppt/slides/slide5.xml><?xml version="1.0" encoding="utf-8"?>
-<p:sld xmlns:a="http://schemas.openxmlformats.org/drawingml/2006/main" xmlns:r="http://schemas.openxmlformats.org/officeDocument/2006/relationships" xmlns:mc="http://schemas.openxmlformats.org/markup-compatibility/2006" xmlns:mv="urn:schemas-microsoft-com:mac:vml" xmlns:p="http://schemas.openxmlformats.org/presentationml/2006/main" xmlns:c="http://schemas.openxmlformats.org/drawingml/2006/chart" xmlns:dgm="http://schemas.openxmlformats.org/drawingml/2006/diagram" xmlns:o="urn:schemas-microsoft-com:office:office" xmlns:v="urn:schemas-microsoft-com:vml" xmlns:pvml="urn:schemas-microsoft-com:office:powerpoint" xmlns:com="http://schemas.openxmlformats.org/drawingml/2006/compatibility" xmlns:p14="http://schemas.microsoft.com/office/powerpoint/2010/main" xmlns:p15="http://schemas.microsoft.com/office/powerpoint/2012/main" xmlns:ahyp="http://schemas.microsoft.com/office/drawing/2018/hyperlinkcolor">
+<p:sld xmlns:a="http://schemas.openxmlformats.org/drawingml/2006/main" xmlns:r="http://schemas.openxmlformats.org/officeDocument/2006/relationships" xmlns:p="http://schemas.openxmlformats.org/presentationml/2006/main">
   <p:cSld>
     <p:spTree>
       <p:nvGrpSpPr>
-        <p:cNvPr id="86" name="Shape 86"/>
+        <p:cNvPr id="1" name="Shape 86"/>
         <p:cNvGrpSpPr/>
         <p:nvPr/>
       </p:nvGrpSpPr>
@@ -10495,7 +11020,9 @@
       <p:sp>
         <p:nvSpPr>
           <p:cNvPr id="87" name="Google Shape;87;p18"/>
-          <p:cNvSpPr txBox="1"/>
+          <p:cNvSpPr txBox="1">
+            <a:spLocks noGrp="1"/>
+          </p:cNvSpPr>
           <p:nvPr>
             <p:ph type="title"/>
           </p:nvPr>
@@ -10510,12 +11037,12 @@
           </a:prstGeom>
         </p:spPr>
         <p:txBody>
-          <a:bodyPr anchorCtr="0" anchor="t" bIns="91425" lIns="91425" spcFirstLastPara="1" rIns="91425" wrap="square" tIns="91425">
+          <a:bodyPr spcFirstLastPara="1" wrap="square" lIns="91425" tIns="91425" rIns="91425" bIns="91425" anchor="t" anchorCtr="0">
             <a:normAutofit fontScale="90000"/>
           </a:bodyPr>
           <a:lstStyle/>
           <a:p>
-            <a:pPr indent="0" lvl="0" marL="0" rtl="0" algn="l">
+            <a:pPr marL="0" lvl="0" indent="0" algn="l" rtl="0">
               <a:spcBef>
                 <a:spcPts val="0"/>
               </a:spcBef>
@@ -10535,9 +11062,11 @@
       <p:sp>
         <p:nvSpPr>
           <p:cNvPr id="88" name="Google Shape;88;p18"/>
-          <p:cNvSpPr txBox="1"/>
+          <p:cNvSpPr txBox="1">
+            <a:spLocks noGrp="1"/>
+          </p:cNvSpPr>
           <p:nvPr>
-            <p:ph idx="1" type="body"/>
+            <p:ph type="body" idx="1"/>
           </p:nvPr>
         </p:nvSpPr>
         <p:spPr>
@@ -10550,12 +11079,12 @@
           </a:prstGeom>
         </p:spPr>
         <p:txBody>
-          <a:bodyPr anchorCtr="0" anchor="t" bIns="91425" lIns="91425" spcFirstLastPara="1" rIns="91425" wrap="square" tIns="91425">
+          <a:bodyPr spcFirstLastPara="1" wrap="square" lIns="91425" tIns="91425" rIns="91425" bIns="91425" anchor="t" anchorCtr="0">
             <a:normAutofit/>
           </a:bodyPr>
           <a:lstStyle/>
           <a:p>
-            <a:pPr indent="0" lvl="0" marL="0" rtl="0" algn="l">
+            <a:pPr marL="0" lvl="0" indent="0" algn="l" rtl="0">
               <a:spcBef>
                 <a:spcPts val="0"/>
               </a:spcBef>
@@ -10579,7 +11108,7 @@
             </a:endParaRPr>
           </a:p>
           <a:p>
-            <a:pPr indent="0" lvl="0" marL="0" rtl="0" algn="l">
+            <a:pPr marL="0" lvl="0" indent="0" algn="l" rtl="0">
               <a:spcBef>
                 <a:spcPts val="1200"/>
               </a:spcBef>
@@ -10641,11 +11170,11 @@
 </file>
 
 <file path=ppt/slides/slide6.xml><?xml version="1.0" encoding="utf-8"?>
-<p:sld xmlns:a="http://schemas.openxmlformats.org/drawingml/2006/main" xmlns:r="http://schemas.openxmlformats.org/officeDocument/2006/relationships" xmlns:mc="http://schemas.openxmlformats.org/markup-compatibility/2006" xmlns:mv="urn:schemas-microsoft-com:mac:vml" xmlns:p="http://schemas.openxmlformats.org/presentationml/2006/main" xmlns:c="http://schemas.openxmlformats.org/drawingml/2006/chart" xmlns:dgm="http://schemas.openxmlformats.org/drawingml/2006/diagram" xmlns:o="urn:schemas-microsoft-com:office:office" xmlns:v="urn:schemas-microsoft-com:vml" xmlns:pvml="urn:schemas-microsoft-com:office:powerpoint" xmlns:com="http://schemas.openxmlformats.org/drawingml/2006/compatibility" xmlns:p14="http://schemas.microsoft.com/office/powerpoint/2010/main" xmlns:p15="http://schemas.microsoft.com/office/powerpoint/2012/main" xmlns:ahyp="http://schemas.microsoft.com/office/drawing/2018/hyperlinkcolor">
+<p:sld xmlns:a="http://schemas.openxmlformats.org/drawingml/2006/main" xmlns:r="http://schemas.openxmlformats.org/officeDocument/2006/relationships" xmlns:p="http://schemas.openxmlformats.org/presentationml/2006/main">
   <p:cSld>
     <p:spTree>
       <p:nvGrpSpPr>
-        <p:cNvPr id="93" name="Shape 93"/>
+        <p:cNvPr id="1" name="Shape 93"/>
         <p:cNvGrpSpPr/>
         <p:nvPr/>
       </p:nvGrpSpPr>
@@ -10660,7 +11189,9 @@
       <p:sp>
         <p:nvSpPr>
           <p:cNvPr id="94" name="Google Shape;94;p19"/>
-          <p:cNvSpPr txBox="1"/>
+          <p:cNvSpPr txBox="1">
+            <a:spLocks noGrp="1"/>
+          </p:cNvSpPr>
           <p:nvPr>
             <p:ph type="title"/>
           </p:nvPr>
@@ -10675,12 +11206,12 @@
           </a:prstGeom>
         </p:spPr>
         <p:txBody>
-          <a:bodyPr anchorCtr="0" anchor="t" bIns="91425" lIns="91425" spcFirstLastPara="1" rIns="91425" wrap="square" tIns="91425">
+          <a:bodyPr spcFirstLastPara="1" wrap="square" lIns="91425" tIns="91425" rIns="91425" bIns="91425" anchor="t" anchorCtr="0">
             <a:normAutofit fontScale="90000"/>
           </a:bodyPr>
           <a:lstStyle/>
           <a:p>
-            <a:pPr indent="0" lvl="0" marL="0" rtl="0" algn="l">
+            <a:pPr marL="0" lvl="0" indent="0" algn="l" rtl="0">
               <a:spcBef>
                 <a:spcPts val="0"/>
               </a:spcBef>
@@ -10701,7 +11232,7 @@
             <a:endParaRPr/>
           </a:p>
           <a:p>
-            <a:pPr indent="0" lvl="0" marL="0" rtl="0" algn="l">
+            <a:pPr marL="0" lvl="0" indent="0" algn="l" rtl="0">
               <a:spcBef>
                 <a:spcPts val="0"/>
               </a:spcBef>
@@ -10710,9 +11241,6 @@
               </a:spcAft>
               <a:buNone/>
             </a:pPr>
-            <a:r>
-              <a:t/>
-            </a:r>
             <a:endParaRPr/>
           </a:p>
         </p:txBody>
@@ -10720,9 +11248,11 @@
       <p:sp>
         <p:nvSpPr>
           <p:cNvPr id="95" name="Google Shape;95;p19"/>
-          <p:cNvSpPr txBox="1"/>
+          <p:cNvSpPr txBox="1">
+            <a:spLocks noGrp="1"/>
+          </p:cNvSpPr>
           <p:nvPr>
-            <p:ph idx="1" type="body"/>
+            <p:ph type="body" idx="1"/>
           </p:nvPr>
         </p:nvSpPr>
         <p:spPr>
@@ -10735,12 +11265,12 @@
           </a:prstGeom>
         </p:spPr>
         <p:txBody>
-          <a:bodyPr anchorCtr="0" anchor="t" bIns="91425" lIns="91425" spcFirstLastPara="1" rIns="91425" wrap="square" tIns="91425">
+          <a:bodyPr spcFirstLastPara="1" wrap="square" lIns="91425" tIns="91425" rIns="91425" bIns="91425" anchor="t" anchorCtr="0">
             <a:normAutofit/>
           </a:bodyPr>
           <a:lstStyle/>
           <a:p>
-            <a:pPr indent="-342900" lvl="0" marL="457200" rtl="0" algn="l">
+            <a:pPr marL="457200" lvl="0" indent="-342900" algn="l" rtl="0">
               <a:spcBef>
                 <a:spcPts val="0"/>
               </a:spcBef>
@@ -10768,7 +11298,7 @@
             </a:endParaRPr>
           </a:p>
           <a:p>
-            <a:pPr indent="-342900" lvl="0" marL="457200" rtl="0" algn="l">
+            <a:pPr marL="457200" lvl="0" indent="-342900" algn="l" rtl="0">
               <a:spcBef>
                 <a:spcPts val="0"/>
               </a:spcBef>
@@ -10830,11 +11360,11 @@
 </file>
 
 <file path=ppt/slides/slide7.xml><?xml version="1.0" encoding="utf-8"?>
-<p:sld xmlns:a="http://schemas.openxmlformats.org/drawingml/2006/main" xmlns:r="http://schemas.openxmlformats.org/officeDocument/2006/relationships" xmlns:mc="http://schemas.openxmlformats.org/markup-compatibility/2006" xmlns:mv="urn:schemas-microsoft-com:mac:vml" xmlns:p="http://schemas.openxmlformats.org/presentationml/2006/main" xmlns:c="http://schemas.openxmlformats.org/drawingml/2006/chart" xmlns:dgm="http://schemas.openxmlformats.org/drawingml/2006/diagram" xmlns:o="urn:schemas-microsoft-com:office:office" xmlns:v="urn:schemas-microsoft-com:vml" xmlns:pvml="urn:schemas-microsoft-com:office:powerpoint" xmlns:com="http://schemas.openxmlformats.org/drawingml/2006/compatibility" xmlns:p14="http://schemas.microsoft.com/office/powerpoint/2010/main" xmlns:p15="http://schemas.microsoft.com/office/powerpoint/2012/main" xmlns:ahyp="http://schemas.microsoft.com/office/drawing/2018/hyperlinkcolor">
+<p:sld xmlns:a="http://schemas.openxmlformats.org/drawingml/2006/main" xmlns:r="http://schemas.openxmlformats.org/officeDocument/2006/relationships" xmlns:p="http://schemas.openxmlformats.org/presentationml/2006/main">
   <p:cSld>
     <p:spTree>
       <p:nvGrpSpPr>
-        <p:cNvPr id="100" name="Shape 100"/>
+        <p:cNvPr id="1" name="Shape 100"/>
         <p:cNvGrpSpPr/>
         <p:nvPr/>
       </p:nvGrpSpPr>
@@ -10849,7 +11379,9 @@
       <p:sp>
         <p:nvSpPr>
           <p:cNvPr id="101" name="Google Shape;101;p20"/>
-          <p:cNvSpPr txBox="1"/>
+          <p:cNvSpPr txBox="1">
+            <a:spLocks noGrp="1"/>
+          </p:cNvSpPr>
           <p:nvPr>
             <p:ph type="title"/>
           </p:nvPr>
@@ -10864,12 +11396,12 @@
           </a:prstGeom>
         </p:spPr>
         <p:txBody>
-          <a:bodyPr anchorCtr="0" anchor="t" bIns="91425" lIns="91425" spcFirstLastPara="1" rIns="91425" wrap="square" tIns="91425">
+          <a:bodyPr spcFirstLastPara="1" wrap="square" lIns="91425" tIns="91425" rIns="91425" bIns="91425" anchor="t" anchorCtr="0">
             <a:normAutofit fontScale="90000"/>
           </a:bodyPr>
           <a:lstStyle/>
           <a:p>
-            <a:pPr indent="0" lvl="0" marL="0" rtl="0" algn="l">
+            <a:pPr marL="0" lvl="0" indent="0" algn="l" rtl="0">
               <a:spcBef>
                 <a:spcPts val="0"/>
               </a:spcBef>
@@ -10889,9 +11421,11 @@
       <p:sp>
         <p:nvSpPr>
           <p:cNvPr id="102" name="Google Shape;102;p20"/>
-          <p:cNvSpPr txBox="1"/>
+          <p:cNvSpPr txBox="1">
+            <a:spLocks noGrp="1"/>
+          </p:cNvSpPr>
           <p:nvPr>
-            <p:ph idx="1" type="body"/>
+            <p:ph type="body" idx="1"/>
           </p:nvPr>
         </p:nvSpPr>
         <p:spPr>
@@ -10904,12 +11438,12 @@
           </a:prstGeom>
         </p:spPr>
         <p:txBody>
-          <a:bodyPr anchorCtr="0" anchor="t" bIns="91425" lIns="91425" spcFirstLastPara="1" rIns="91425" wrap="square" tIns="91425">
+          <a:bodyPr spcFirstLastPara="1" wrap="square" lIns="91425" tIns="91425" rIns="91425" bIns="91425" anchor="t" anchorCtr="0">
             <a:normAutofit/>
           </a:bodyPr>
           <a:lstStyle/>
           <a:p>
-            <a:pPr indent="0" lvl="0" marL="0" rtl="0" algn="l">
+            <a:pPr marL="0" lvl="0" indent="0" algn="l" rtl="0">
               <a:lnSpc>
                 <a:spcPct val="90000"/>
               </a:lnSpc>
@@ -10941,7 +11475,7 @@
             </a:endParaRPr>
           </a:p>
           <a:p>
-            <a:pPr indent="0" lvl="0" marL="12700" rtl="0" algn="l">
+            <a:pPr marL="12700" lvl="0" indent="0" algn="l" rtl="0">
               <a:lnSpc>
                 <a:spcPct val="90000"/>
               </a:lnSpc>
@@ -10973,7 +11507,7 @@
             </a:endParaRPr>
           </a:p>
           <a:p>
-            <a:pPr indent="0" lvl="0" marL="12700" rtl="0" algn="l">
+            <a:pPr marL="12700" lvl="0" indent="0" algn="l" rtl="0">
               <a:lnSpc>
                 <a:spcPct val="90000"/>
               </a:lnSpc>
@@ -11005,7 +11539,7 @@
             </a:endParaRPr>
           </a:p>
           <a:p>
-            <a:pPr indent="0" lvl="0" marL="12700" rtl="0" algn="l">
+            <a:pPr marL="12700" lvl="0" indent="0" algn="l" rtl="0">
               <a:lnSpc>
                 <a:spcPct val="90000"/>
               </a:lnSpc>
@@ -11037,7 +11571,7 @@
             </a:endParaRPr>
           </a:p>
           <a:p>
-            <a:pPr indent="0" lvl="0" marL="0" rtl="0" algn="l">
+            <a:pPr marL="0" lvl="0" indent="0" algn="l" rtl="0">
               <a:spcBef>
                 <a:spcPts val="0"/>
               </a:spcBef>
@@ -11046,9 +11580,6 @@
               </a:spcAft>
               <a:buNone/>
             </a:pPr>
-            <a:r>
-              <a:t/>
-            </a:r>
             <a:endParaRPr/>
           </a:p>
         </p:txBody>
@@ -11062,11 +11593,11 @@
 </file>
 
 <file path=ppt/slides/slide8.xml><?xml version="1.0" encoding="utf-8"?>
-<p:sld xmlns:a="http://schemas.openxmlformats.org/drawingml/2006/main" xmlns:r="http://schemas.openxmlformats.org/officeDocument/2006/relationships" xmlns:mc="http://schemas.openxmlformats.org/markup-compatibility/2006" xmlns:mv="urn:schemas-microsoft-com:mac:vml" xmlns:p="http://schemas.openxmlformats.org/presentationml/2006/main" xmlns:c="http://schemas.openxmlformats.org/drawingml/2006/chart" xmlns:dgm="http://schemas.openxmlformats.org/drawingml/2006/diagram" xmlns:o="urn:schemas-microsoft-com:office:office" xmlns:v="urn:schemas-microsoft-com:vml" xmlns:pvml="urn:schemas-microsoft-com:office:powerpoint" xmlns:com="http://schemas.openxmlformats.org/drawingml/2006/compatibility" xmlns:p14="http://schemas.microsoft.com/office/powerpoint/2010/main" xmlns:p15="http://schemas.microsoft.com/office/powerpoint/2012/main" xmlns:ahyp="http://schemas.microsoft.com/office/drawing/2018/hyperlinkcolor">
+<p:sld xmlns:a="http://schemas.openxmlformats.org/drawingml/2006/main" xmlns:r="http://schemas.openxmlformats.org/officeDocument/2006/relationships" xmlns:p="http://schemas.openxmlformats.org/presentationml/2006/main">
   <p:cSld>
     <p:spTree>
       <p:nvGrpSpPr>
-        <p:cNvPr id="106" name="Shape 106"/>
+        <p:cNvPr id="1" name="Shape 106"/>
         <p:cNvGrpSpPr/>
         <p:nvPr/>
       </p:nvGrpSpPr>
@@ -11081,7 +11612,9 @@
       <p:sp>
         <p:nvSpPr>
           <p:cNvPr id="107" name="Google Shape;107;p21"/>
-          <p:cNvSpPr txBox="1"/>
+          <p:cNvSpPr txBox="1">
+            <a:spLocks noGrp="1"/>
+          </p:cNvSpPr>
           <p:nvPr>
             <p:ph type="title"/>
           </p:nvPr>
@@ -11096,12 +11629,12 @@
           </a:prstGeom>
         </p:spPr>
         <p:txBody>
-          <a:bodyPr anchorCtr="0" anchor="t" bIns="91425" lIns="91425" spcFirstLastPara="1" rIns="91425" wrap="square" tIns="91425">
+          <a:bodyPr spcFirstLastPara="1" wrap="square" lIns="91425" tIns="91425" rIns="91425" bIns="91425" anchor="t" anchorCtr="0">
             <a:normAutofit fontScale="90000"/>
           </a:bodyPr>
           <a:lstStyle/>
           <a:p>
-            <a:pPr indent="0" lvl="0" marL="0" rtl="0" algn="l">
+            <a:pPr marL="0" lvl="0" indent="0" algn="l" rtl="0">
               <a:spcBef>
                 <a:spcPts val="0"/>
               </a:spcBef>
@@ -11121,9 +11654,11 @@
       <p:sp>
         <p:nvSpPr>
           <p:cNvPr id="108" name="Google Shape;108;p21"/>
-          <p:cNvSpPr txBox="1"/>
+          <p:cNvSpPr txBox="1">
+            <a:spLocks noGrp="1"/>
+          </p:cNvSpPr>
           <p:nvPr>
-            <p:ph idx="1" type="body"/>
+            <p:ph type="body" idx="1"/>
           </p:nvPr>
         </p:nvSpPr>
         <p:spPr>
@@ -11136,12 +11671,12 @@
           </a:prstGeom>
         </p:spPr>
         <p:txBody>
-          <a:bodyPr anchorCtr="0" anchor="t" bIns="91425" lIns="91425" spcFirstLastPara="1" rIns="91425" wrap="square" tIns="91425">
+          <a:bodyPr spcFirstLastPara="1" wrap="square" lIns="91425" tIns="91425" rIns="91425" bIns="91425" anchor="t" anchorCtr="0">
             <a:normAutofit/>
           </a:bodyPr>
           <a:lstStyle/>
           <a:p>
-            <a:pPr indent="-342900" lvl="0" marL="457200" rtl="0" algn="l">
+            <a:pPr marL="457200" lvl="0" indent="-342900" algn="l" rtl="0">
               <a:spcBef>
                 <a:spcPts val="0"/>
               </a:spcBef>
@@ -11207,11 +11742,11 @@
 </file>
 
 <file path=ppt/slides/slide9.xml><?xml version="1.0" encoding="utf-8"?>
-<p:sld xmlns:a="http://schemas.openxmlformats.org/drawingml/2006/main" xmlns:r="http://schemas.openxmlformats.org/officeDocument/2006/relationships" xmlns:mc="http://schemas.openxmlformats.org/markup-compatibility/2006" xmlns:mv="urn:schemas-microsoft-com:mac:vml" xmlns:p="http://schemas.openxmlformats.org/presentationml/2006/main" xmlns:c="http://schemas.openxmlformats.org/drawingml/2006/chart" xmlns:dgm="http://schemas.openxmlformats.org/drawingml/2006/diagram" xmlns:o="urn:schemas-microsoft-com:office:office" xmlns:v="urn:schemas-microsoft-com:vml" xmlns:pvml="urn:schemas-microsoft-com:office:powerpoint" xmlns:com="http://schemas.openxmlformats.org/drawingml/2006/compatibility" xmlns:p14="http://schemas.microsoft.com/office/powerpoint/2010/main" xmlns:p15="http://schemas.microsoft.com/office/powerpoint/2012/main" xmlns:ahyp="http://schemas.microsoft.com/office/drawing/2018/hyperlinkcolor">
+<p:sld xmlns:a="http://schemas.openxmlformats.org/drawingml/2006/main" xmlns:r="http://schemas.openxmlformats.org/officeDocument/2006/relationships" xmlns:p="http://schemas.openxmlformats.org/presentationml/2006/main">
   <p:cSld>
     <p:spTree>
       <p:nvGrpSpPr>
-        <p:cNvPr id="113" name="Shape 113"/>
+        <p:cNvPr id="1" name="Shape 113"/>
         <p:cNvGrpSpPr/>
         <p:nvPr/>
       </p:nvGrpSpPr>
@@ -11226,7 +11761,9 @@
       <p:sp>
         <p:nvSpPr>
           <p:cNvPr id="114" name="Google Shape;114;p22"/>
-          <p:cNvSpPr txBox="1"/>
+          <p:cNvSpPr txBox="1">
+            <a:spLocks noGrp="1"/>
+          </p:cNvSpPr>
           <p:nvPr>
             <p:ph type="title"/>
           </p:nvPr>
@@ -11241,12 +11778,12 @@
           </a:prstGeom>
         </p:spPr>
         <p:txBody>
-          <a:bodyPr anchorCtr="0" anchor="t" bIns="91425" lIns="91425" spcFirstLastPara="1" rIns="91425" wrap="square" tIns="91425">
+          <a:bodyPr spcFirstLastPara="1" wrap="square" lIns="91425" tIns="91425" rIns="91425" bIns="91425" anchor="t" anchorCtr="0">
             <a:normAutofit fontScale="90000"/>
           </a:bodyPr>
           <a:lstStyle/>
           <a:p>
-            <a:pPr indent="0" lvl="0" marL="0" rtl="0" algn="l">
+            <a:pPr marL="0" lvl="0" indent="0" algn="l" rtl="0">
               <a:spcBef>
                 <a:spcPts val="0"/>
               </a:spcBef>
@@ -11266,9 +11803,11 @@
       <p:sp>
         <p:nvSpPr>
           <p:cNvPr id="115" name="Google Shape;115;p22"/>
-          <p:cNvSpPr txBox="1"/>
+          <p:cNvSpPr txBox="1">
+            <a:spLocks noGrp="1"/>
+          </p:cNvSpPr>
           <p:nvPr>
-            <p:ph idx="1" type="body"/>
+            <p:ph type="body" idx="1"/>
           </p:nvPr>
         </p:nvSpPr>
         <p:spPr>
@@ -11281,12 +11820,12 @@
           </a:prstGeom>
         </p:spPr>
         <p:txBody>
-          <a:bodyPr anchorCtr="0" anchor="t" bIns="91425" lIns="91425" spcFirstLastPara="1" rIns="91425" wrap="square" tIns="91425">
+          <a:bodyPr spcFirstLastPara="1" wrap="square" lIns="91425" tIns="91425" rIns="91425" bIns="91425" anchor="t" anchorCtr="0">
             <a:normAutofit/>
           </a:bodyPr>
           <a:lstStyle/>
           <a:p>
-            <a:pPr indent="0" lvl="0" marL="0" rtl="0" algn="l">
+            <a:pPr marL="0" lvl="0" indent="0" algn="l" rtl="0">
               <a:spcBef>
                 <a:spcPts val="0"/>
               </a:spcBef>
@@ -11331,12 +11870,12 @@
           </a:ln>
         </p:spPr>
         <p:txBody>
-          <a:bodyPr anchorCtr="0" anchor="t" bIns="91425" lIns="91425" spcFirstLastPara="1" rIns="91425" wrap="square" tIns="91425">
+          <a:bodyPr spcFirstLastPara="1" wrap="square" lIns="91425" tIns="91425" rIns="91425" bIns="91425" anchor="t" anchorCtr="0">
             <a:spAutoFit/>
           </a:bodyPr>
           <a:lstStyle/>
           <a:p>
-            <a:pPr indent="0" lvl="0" marL="0" rtl="0" algn="l">
+            <a:pPr marL="0" lvl="0" indent="0" algn="l" rtl="0">
               <a:spcBef>
                 <a:spcPts val="0"/>
               </a:spcBef>
@@ -11345,9 +11884,6 @@
               </a:spcAft>
               <a:buNone/>
             </a:pPr>
-            <a:r>
-              <a:t/>
-            </a:r>
             <a:endParaRPr/>
           </a:p>
         </p:txBody>
@@ -11389,7 +11925,288 @@
 </file>
 
 <file path=ppt/theme/theme1.xml><?xml version="1.0" encoding="utf-8"?>
-<a:theme xmlns:a="http://schemas.openxmlformats.org/drawingml/2006/main" xmlns:r="http://schemas.openxmlformats.org/officeDocument/2006/relationships">
+<a:theme xmlns:a="http://schemas.openxmlformats.org/drawingml/2006/main" name="Simple Light">
+  <a:themeElements>
+    <a:clrScheme name="Simple Light">
+      <a:dk1>
+        <a:srgbClr val="000000"/>
+      </a:dk1>
+      <a:lt1>
+        <a:srgbClr val="FFFFFF"/>
+      </a:lt1>
+      <a:dk2>
+        <a:srgbClr val="595959"/>
+      </a:dk2>
+      <a:lt2>
+        <a:srgbClr val="EEEEEE"/>
+      </a:lt2>
+      <a:accent1>
+        <a:srgbClr val="4285F4"/>
+      </a:accent1>
+      <a:accent2>
+        <a:srgbClr val="212121"/>
+      </a:accent2>
+      <a:accent3>
+        <a:srgbClr val="78909C"/>
+      </a:accent3>
+      <a:accent4>
+        <a:srgbClr val="FFAB40"/>
+      </a:accent4>
+      <a:accent5>
+        <a:srgbClr val="0097A7"/>
+      </a:accent5>
+      <a:accent6>
+        <a:srgbClr val="EEFF41"/>
+      </a:accent6>
+      <a:hlink>
+        <a:srgbClr val="0097A7"/>
+      </a:hlink>
+      <a:folHlink>
+        <a:srgbClr val="0097A7"/>
+      </a:folHlink>
+    </a:clrScheme>
+    <a:fontScheme name="Office">
+      <a:majorFont>
+        <a:latin typeface="Arial"/>
+        <a:ea typeface=""/>
+        <a:cs typeface=""/>
+        <a:font script="Jpan" typeface="ＭＳ Ｐゴシック"/>
+        <a:font script="Hang" typeface="맑은 고딕"/>
+        <a:font script="Hans" typeface="宋体"/>
+        <a:font script="Hant" typeface="新細明體"/>
+        <a:font script="Arab" typeface="Times New Roman"/>
+        <a:font script="Hebr" typeface="Times New Roman"/>
+        <a:font script="Thai" typeface="Angsana New"/>
+        <a:font script="Ethi" typeface="Nyala"/>
+        <a:font script="Beng" typeface="Vrinda"/>
+        <a:font script="Gujr" typeface="Shruti"/>
+        <a:font script="Khmr" typeface="MoolBoran"/>
+        <a:font script="Knda" typeface="Tunga"/>
+        <a:font script="Guru" typeface="Raavi"/>
+        <a:font script="Cans" typeface="Euphemia"/>
+        <a:font script="Cher" typeface="Plantagenet Cherokee"/>
+        <a:font script="Yiii" typeface="Microsoft Yi Baiti"/>
+        <a:font script="Tibt" typeface="Microsoft Himalaya"/>
+        <a:font script="Thaa" typeface="MV Boli"/>
+        <a:font script="Deva" typeface="Mangal"/>
+        <a:font script="Telu" typeface="Gautami"/>
+        <a:font script="Taml" typeface="Latha"/>
+        <a:font script="Syrc" typeface="Estrangelo Edessa"/>
+        <a:font script="Orya" typeface="Kalinga"/>
+        <a:font script="Mlym" typeface="Kartika"/>
+        <a:font script="Laoo" typeface="DokChampa"/>
+        <a:font script="Sinh" typeface="Iskoola Pota"/>
+        <a:font script="Mong" typeface="Mongolian Baiti"/>
+        <a:font script="Viet" typeface="Times New Roman"/>
+        <a:font script="Uigh" typeface="Microsoft Uighur"/>
+        <a:font script="Geor" typeface="Sylfaen"/>
+      </a:majorFont>
+      <a:minorFont>
+        <a:latin typeface="Arial"/>
+        <a:ea typeface=""/>
+        <a:cs typeface=""/>
+        <a:font script="Jpan" typeface="ＭＳ Ｐゴシック"/>
+        <a:font script="Hang" typeface="맑은 고딕"/>
+        <a:font script="Hans" typeface="宋体"/>
+        <a:font script="Hant" typeface="新細明體"/>
+        <a:font script="Arab" typeface="Arial"/>
+        <a:font script="Hebr" typeface="Arial"/>
+        <a:font script="Thai" typeface="Cordia New"/>
+        <a:font script="Ethi" typeface="Nyala"/>
+        <a:font script="Beng" typeface="Vrinda"/>
+        <a:font script="Gujr" typeface="Shruti"/>
+        <a:font script="Khmr" typeface="DaunPenh"/>
+        <a:font script="Knda" typeface="Tunga"/>
+        <a:font script="Guru" typeface="Raavi"/>
+        <a:font script="Cans" typeface="Euphemia"/>
+        <a:font script="Cher" typeface="Plantagenet Cherokee"/>
+        <a:font script="Yiii" typeface="Microsoft Yi Baiti"/>
+        <a:font script="Tibt" typeface="Microsoft Himalaya"/>
+        <a:font script="Thaa" typeface="MV Boli"/>
+        <a:font script="Deva" typeface="Mangal"/>
+        <a:font script="Telu" typeface="Gautami"/>
+        <a:font script="Taml" typeface="Latha"/>
+        <a:font script="Syrc" typeface="Estrangelo Edessa"/>
+        <a:font script="Orya" typeface="Kalinga"/>
+        <a:font script="Mlym" typeface="Kartika"/>
+        <a:font script="Laoo" typeface="DokChampa"/>
+        <a:font script="Sinh" typeface="Iskoola Pota"/>
+        <a:font script="Mong" typeface="Mongolian Baiti"/>
+        <a:font script="Viet" typeface="Arial"/>
+        <a:font script="Uigh" typeface="Microsoft Uighur"/>
+        <a:font script="Geor" typeface="Sylfaen"/>
+      </a:minorFont>
+    </a:fontScheme>
+    <a:fmtScheme name="Office">
+      <a:fillStyleLst>
+        <a:solidFill>
+          <a:schemeClr val="phClr"/>
+        </a:solidFill>
+        <a:gradFill rotWithShape="1">
+          <a:gsLst>
+            <a:gs pos="0">
+              <a:schemeClr val="phClr">
+                <a:tint val="50000"/>
+                <a:satMod val="300000"/>
+              </a:schemeClr>
+            </a:gs>
+            <a:gs pos="35000">
+              <a:schemeClr val="phClr">
+                <a:tint val="37000"/>
+                <a:satMod val="300000"/>
+              </a:schemeClr>
+            </a:gs>
+            <a:gs pos="100000">
+              <a:schemeClr val="phClr">
+                <a:tint val="15000"/>
+                <a:satMod val="350000"/>
+              </a:schemeClr>
+            </a:gs>
+          </a:gsLst>
+          <a:lin ang="16200000" scaled="1"/>
+        </a:gradFill>
+        <a:gradFill rotWithShape="1">
+          <a:gsLst>
+            <a:gs pos="0">
+              <a:schemeClr val="phClr">
+                <a:tint val="100000"/>
+                <a:shade val="100000"/>
+                <a:satMod val="130000"/>
+              </a:schemeClr>
+            </a:gs>
+            <a:gs pos="100000">
+              <a:schemeClr val="phClr">
+                <a:tint val="50000"/>
+                <a:shade val="100000"/>
+                <a:satMod val="350000"/>
+              </a:schemeClr>
+            </a:gs>
+          </a:gsLst>
+          <a:lin ang="16200000" scaled="0"/>
+        </a:gradFill>
+      </a:fillStyleLst>
+      <a:lnStyleLst>
+        <a:ln w="9525" cap="flat" cmpd="sng" algn="ctr">
+          <a:solidFill>
+            <a:schemeClr val="phClr">
+              <a:shade val="95000"/>
+              <a:satMod val="105000"/>
+            </a:schemeClr>
+          </a:solidFill>
+          <a:prstDash val="solid"/>
+        </a:ln>
+        <a:ln w="25400" cap="flat" cmpd="sng" algn="ctr">
+          <a:solidFill>
+            <a:schemeClr val="phClr"/>
+          </a:solidFill>
+          <a:prstDash val="solid"/>
+        </a:ln>
+        <a:ln w="38100" cap="flat" cmpd="sng" algn="ctr">
+          <a:solidFill>
+            <a:schemeClr val="phClr"/>
+          </a:solidFill>
+          <a:prstDash val="solid"/>
+        </a:ln>
+      </a:lnStyleLst>
+      <a:effectStyleLst>
+        <a:effectStyle>
+          <a:effectLst>
+            <a:outerShdw blurRad="40000" dist="20000" dir="5400000" rotWithShape="0">
+              <a:srgbClr val="000000">
+                <a:alpha val="38000"/>
+              </a:srgbClr>
+            </a:outerShdw>
+          </a:effectLst>
+        </a:effectStyle>
+        <a:effectStyle>
+          <a:effectLst>
+            <a:outerShdw blurRad="40000" dist="23000" dir="5400000" rotWithShape="0">
+              <a:srgbClr val="000000">
+                <a:alpha val="35000"/>
+              </a:srgbClr>
+            </a:outerShdw>
+          </a:effectLst>
+        </a:effectStyle>
+        <a:effectStyle>
+          <a:effectLst>
+            <a:outerShdw blurRad="40000" dist="23000" dir="5400000" rotWithShape="0">
+              <a:srgbClr val="000000">
+                <a:alpha val="35000"/>
+              </a:srgbClr>
+            </a:outerShdw>
+          </a:effectLst>
+          <a:scene3d>
+            <a:camera prst="orthographicFront">
+              <a:rot lat="0" lon="0" rev="0"/>
+            </a:camera>
+            <a:lightRig rig="threePt" dir="t">
+              <a:rot lat="0" lon="0" rev="1200000"/>
+            </a:lightRig>
+          </a:scene3d>
+          <a:sp3d>
+            <a:bevelT w="63500" h="25400"/>
+          </a:sp3d>
+        </a:effectStyle>
+      </a:effectStyleLst>
+      <a:bgFillStyleLst>
+        <a:solidFill>
+          <a:schemeClr val="phClr"/>
+        </a:solidFill>
+        <a:gradFill rotWithShape="1">
+          <a:gsLst>
+            <a:gs pos="0">
+              <a:schemeClr val="phClr">
+                <a:tint val="40000"/>
+                <a:satMod val="350000"/>
+              </a:schemeClr>
+            </a:gs>
+            <a:gs pos="40000">
+              <a:schemeClr val="phClr">
+                <a:tint val="45000"/>
+                <a:shade val="99000"/>
+                <a:satMod val="350000"/>
+              </a:schemeClr>
+            </a:gs>
+            <a:gs pos="100000">
+              <a:schemeClr val="phClr">
+                <a:shade val="20000"/>
+                <a:satMod val="255000"/>
+              </a:schemeClr>
+            </a:gs>
+          </a:gsLst>
+          <a:path path="circle">
+            <a:fillToRect l="50000" t="-80000" r="50000" b="180000"/>
+          </a:path>
+        </a:gradFill>
+        <a:gradFill rotWithShape="1">
+          <a:gsLst>
+            <a:gs pos="0">
+              <a:schemeClr val="phClr">
+                <a:tint val="80000"/>
+                <a:satMod val="300000"/>
+              </a:schemeClr>
+            </a:gs>
+            <a:gs pos="100000">
+              <a:schemeClr val="phClr">
+                <a:shade val="30000"/>
+                <a:satMod val="200000"/>
+              </a:schemeClr>
+            </a:gs>
+          </a:gsLst>
+          <a:path path="circle">
+            <a:fillToRect l="50000" t="50000" r="50000" b="50000"/>
+          </a:path>
+        </a:gradFill>
+      </a:bgFillStyleLst>
+    </a:fmtScheme>
+  </a:themeElements>
+  <a:objectDefaults/>
+  <a:extraClrSchemeLst/>
+</a:theme>
+</file>
+
+<file path=ppt/theme/theme2.xml><?xml version="1.0" encoding="utf-8"?>
+<a:theme xmlns:a="http://schemas.openxmlformats.org/drawingml/2006/main">
   <a:themeElements>
     <a:clrScheme name="Default">
       <a:dk1>
@@ -11664,284 +12481,7 @@
       </a:bgFillStyleLst>
     </a:fmtScheme>
   </a:themeElements>
-</a:theme>
-</file>
-
-<file path=ppt/theme/theme2.xml><?xml version="1.0" encoding="utf-8"?>
-<a:theme xmlns:a="http://schemas.openxmlformats.org/drawingml/2006/main" xmlns:r="http://schemas.openxmlformats.org/officeDocument/2006/relationships" name="Simple Light">
-  <a:themeElements>
-    <a:clrScheme name="Simple Light">
-      <a:dk1>
-        <a:srgbClr val="000000"/>
-      </a:dk1>
-      <a:lt1>
-        <a:srgbClr val="FFFFFF"/>
-      </a:lt1>
-      <a:dk2>
-        <a:srgbClr val="595959"/>
-      </a:dk2>
-      <a:lt2>
-        <a:srgbClr val="EEEEEE"/>
-      </a:lt2>
-      <a:accent1>
-        <a:srgbClr val="4285F4"/>
-      </a:accent1>
-      <a:accent2>
-        <a:srgbClr val="212121"/>
-      </a:accent2>
-      <a:accent3>
-        <a:srgbClr val="78909C"/>
-      </a:accent3>
-      <a:accent4>
-        <a:srgbClr val="FFAB40"/>
-      </a:accent4>
-      <a:accent5>
-        <a:srgbClr val="0097A7"/>
-      </a:accent5>
-      <a:accent6>
-        <a:srgbClr val="EEFF41"/>
-      </a:accent6>
-      <a:hlink>
-        <a:srgbClr val="0097A7"/>
-      </a:hlink>
-      <a:folHlink>
-        <a:srgbClr val="0097A7"/>
-      </a:folHlink>
-    </a:clrScheme>
-    <a:fontScheme name="Office">
-      <a:majorFont>
-        <a:latin typeface="Arial"/>
-        <a:ea typeface=""/>
-        <a:cs typeface=""/>
-        <a:font script="Jpan" typeface="ＭＳ Ｐゴシック"/>
-        <a:font script="Hang" typeface="맑은 고딕"/>
-        <a:font script="Hans" typeface="宋体"/>
-        <a:font script="Hant" typeface="新細明體"/>
-        <a:font script="Arab" typeface="Times New Roman"/>
-        <a:font script="Hebr" typeface="Times New Roman"/>
-        <a:font script="Thai" typeface="Angsana New"/>
-        <a:font script="Ethi" typeface="Nyala"/>
-        <a:font script="Beng" typeface="Vrinda"/>
-        <a:font script="Gujr" typeface="Shruti"/>
-        <a:font script="Khmr" typeface="MoolBoran"/>
-        <a:font script="Knda" typeface="Tunga"/>
-        <a:font script="Guru" typeface="Raavi"/>
-        <a:font script="Cans" typeface="Euphemia"/>
-        <a:font script="Cher" typeface="Plantagenet Cherokee"/>
-        <a:font script="Yiii" typeface="Microsoft Yi Baiti"/>
-        <a:font script="Tibt" typeface="Microsoft Himalaya"/>
-        <a:font script="Thaa" typeface="MV Boli"/>
-        <a:font script="Deva" typeface="Mangal"/>
-        <a:font script="Telu" typeface="Gautami"/>
-        <a:font script="Taml" typeface="Latha"/>
-        <a:font script="Syrc" typeface="Estrangelo Edessa"/>
-        <a:font script="Orya" typeface="Kalinga"/>
-        <a:font script="Mlym" typeface="Kartika"/>
-        <a:font script="Laoo" typeface="DokChampa"/>
-        <a:font script="Sinh" typeface="Iskoola Pota"/>
-        <a:font script="Mong" typeface="Mongolian Baiti"/>
-        <a:font script="Viet" typeface="Times New Roman"/>
-        <a:font script="Uigh" typeface="Microsoft Uighur"/>
-        <a:font script="Geor" typeface="Sylfaen"/>
-      </a:majorFont>
-      <a:minorFont>
-        <a:latin typeface="Arial"/>
-        <a:ea typeface=""/>
-        <a:cs typeface=""/>
-        <a:font script="Jpan" typeface="ＭＳ Ｐゴシック"/>
-        <a:font script="Hang" typeface="맑은 고딕"/>
-        <a:font script="Hans" typeface="宋体"/>
-        <a:font script="Hant" typeface="新細明體"/>
-        <a:font script="Arab" typeface="Arial"/>
-        <a:font script="Hebr" typeface="Arial"/>
-        <a:font script="Thai" typeface="Cordia New"/>
-        <a:font script="Ethi" typeface="Nyala"/>
-        <a:font script="Beng" typeface="Vrinda"/>
-        <a:font script="Gujr" typeface="Shruti"/>
-        <a:font script="Khmr" typeface="DaunPenh"/>
-        <a:font script="Knda" typeface="Tunga"/>
-        <a:font script="Guru" typeface="Raavi"/>
-        <a:font script="Cans" typeface="Euphemia"/>
-        <a:font script="Cher" typeface="Plantagenet Cherokee"/>
-        <a:font script="Yiii" typeface="Microsoft Yi Baiti"/>
-        <a:font script="Tibt" typeface="Microsoft Himalaya"/>
-        <a:font script="Thaa" typeface="MV Boli"/>
-        <a:font script="Deva" typeface="Mangal"/>
-        <a:font script="Telu" typeface="Gautami"/>
-        <a:font script="Taml" typeface="Latha"/>
-        <a:font script="Syrc" typeface="Estrangelo Edessa"/>
-        <a:font script="Orya" typeface="Kalinga"/>
-        <a:font script="Mlym" typeface="Kartika"/>
-        <a:font script="Laoo" typeface="DokChampa"/>
-        <a:font script="Sinh" typeface="Iskoola Pota"/>
-        <a:font script="Mong" typeface="Mongolian Baiti"/>
-        <a:font script="Viet" typeface="Arial"/>
-        <a:font script="Uigh" typeface="Microsoft Uighur"/>
-        <a:font script="Geor" typeface="Sylfaen"/>
-      </a:minorFont>
-    </a:fontScheme>
-    <a:fmtScheme name="Office">
-      <a:fillStyleLst>
-        <a:solidFill>
-          <a:schemeClr val="phClr"/>
-        </a:solidFill>
-        <a:gradFill rotWithShape="1">
-          <a:gsLst>
-            <a:gs pos="0">
-              <a:schemeClr val="phClr">
-                <a:tint val="50000"/>
-                <a:satMod val="300000"/>
-              </a:schemeClr>
-            </a:gs>
-            <a:gs pos="35000">
-              <a:schemeClr val="phClr">
-                <a:tint val="37000"/>
-                <a:satMod val="300000"/>
-              </a:schemeClr>
-            </a:gs>
-            <a:gs pos="100000">
-              <a:schemeClr val="phClr">
-                <a:tint val="15000"/>
-                <a:satMod val="350000"/>
-              </a:schemeClr>
-            </a:gs>
-          </a:gsLst>
-          <a:lin ang="16200000" scaled="1"/>
-        </a:gradFill>
-        <a:gradFill rotWithShape="1">
-          <a:gsLst>
-            <a:gs pos="0">
-              <a:schemeClr val="phClr">
-                <a:tint val="100000"/>
-                <a:shade val="100000"/>
-                <a:satMod val="130000"/>
-              </a:schemeClr>
-            </a:gs>
-            <a:gs pos="100000">
-              <a:schemeClr val="phClr">
-                <a:tint val="50000"/>
-                <a:shade val="100000"/>
-                <a:satMod val="350000"/>
-              </a:schemeClr>
-            </a:gs>
-          </a:gsLst>
-          <a:lin ang="16200000" scaled="0"/>
-        </a:gradFill>
-      </a:fillStyleLst>
-      <a:lnStyleLst>
-        <a:ln w="9525" cap="flat" cmpd="sng" algn="ctr">
-          <a:solidFill>
-            <a:schemeClr val="phClr">
-              <a:shade val="95000"/>
-              <a:satMod val="105000"/>
-            </a:schemeClr>
-          </a:solidFill>
-          <a:prstDash val="solid"/>
-        </a:ln>
-        <a:ln w="25400" cap="flat" cmpd="sng" algn="ctr">
-          <a:solidFill>
-            <a:schemeClr val="phClr"/>
-          </a:solidFill>
-          <a:prstDash val="solid"/>
-        </a:ln>
-        <a:ln w="38100" cap="flat" cmpd="sng" algn="ctr">
-          <a:solidFill>
-            <a:schemeClr val="phClr"/>
-          </a:solidFill>
-          <a:prstDash val="solid"/>
-        </a:ln>
-      </a:lnStyleLst>
-      <a:effectStyleLst>
-        <a:effectStyle>
-          <a:effectLst>
-            <a:outerShdw blurRad="40000" dist="20000" dir="5400000" rotWithShape="0">
-              <a:srgbClr val="000000">
-                <a:alpha val="38000"/>
-              </a:srgbClr>
-            </a:outerShdw>
-          </a:effectLst>
-        </a:effectStyle>
-        <a:effectStyle>
-          <a:effectLst>
-            <a:outerShdw blurRad="40000" dist="23000" dir="5400000" rotWithShape="0">
-              <a:srgbClr val="000000">
-                <a:alpha val="35000"/>
-              </a:srgbClr>
-            </a:outerShdw>
-          </a:effectLst>
-        </a:effectStyle>
-        <a:effectStyle>
-          <a:effectLst>
-            <a:outerShdw blurRad="40000" dist="23000" dir="5400000" rotWithShape="0">
-              <a:srgbClr val="000000">
-                <a:alpha val="35000"/>
-              </a:srgbClr>
-            </a:outerShdw>
-          </a:effectLst>
-          <a:scene3d>
-            <a:camera prst="orthographicFront">
-              <a:rot lat="0" lon="0" rev="0"/>
-            </a:camera>
-            <a:lightRig rig="threePt" dir="t">
-              <a:rot lat="0" lon="0" rev="1200000"/>
-            </a:lightRig>
-          </a:scene3d>
-          <a:sp3d>
-            <a:bevelT w="63500" h="25400"/>
-          </a:sp3d>
-        </a:effectStyle>
-      </a:effectStyleLst>
-      <a:bgFillStyleLst>
-        <a:solidFill>
-          <a:schemeClr val="phClr"/>
-        </a:solidFill>
-        <a:gradFill rotWithShape="1">
-          <a:gsLst>
-            <a:gs pos="0">
-              <a:schemeClr val="phClr">
-                <a:tint val="40000"/>
-                <a:satMod val="350000"/>
-              </a:schemeClr>
-            </a:gs>
-            <a:gs pos="40000">
-              <a:schemeClr val="phClr">
-                <a:tint val="45000"/>
-                <a:shade val="99000"/>
-                <a:satMod val="350000"/>
-              </a:schemeClr>
-            </a:gs>
-            <a:gs pos="100000">
-              <a:schemeClr val="phClr">
-                <a:shade val="20000"/>
-                <a:satMod val="255000"/>
-              </a:schemeClr>
-            </a:gs>
-          </a:gsLst>
-          <a:path path="circle">
-            <a:fillToRect l="50000" t="-80000" r="50000" b="180000"/>
-          </a:path>
-        </a:gradFill>
-        <a:gradFill rotWithShape="1">
-          <a:gsLst>
-            <a:gs pos="0">
-              <a:schemeClr val="phClr">
-                <a:tint val="80000"/>
-                <a:satMod val="300000"/>
-              </a:schemeClr>
-            </a:gs>
-            <a:gs pos="100000">
-              <a:schemeClr val="phClr">
-                <a:shade val="30000"/>
-                <a:satMod val="200000"/>
-              </a:schemeClr>
-            </a:gs>
-          </a:gsLst>
-          <a:path path="circle">
-            <a:fillToRect l="50000" t="50000" r="50000" b="50000"/>
-          </a:path>
-        </a:gradFill>
-      </a:bgFillStyleLst>
-    </a:fmtScheme>
-  </a:themeElements>
+  <a:objectDefaults/>
+  <a:extraClrSchemeLst/>
 </a:theme>
 </file>